--- a/docs/planning/final_project_circuit_diagram.pptx
+++ b/docs/planning/final_project_circuit_diagram.pptx
@@ -115,13 +115,725 @@
 <file path=ppt/revisionInfo.xml><?xml version="1.0" encoding="utf-8"?>
 <p1510:revInfo xmlns:a="http://schemas.openxmlformats.org/drawingml/2006/main" xmlns:r="http://schemas.openxmlformats.org/officeDocument/2006/relationships" xmlns:p1510="http://schemas.microsoft.com/office/powerpoint/2015/10/main">
   <p1510:revLst>
-    <p1510:client id="{933FB402-26FE-417F-B1DC-62CECACD1C6F}" v="66" dt="2025-04-01T03:41:18.746"/>
+    <p1510:client id="{40FA9C22-86E2-4DFC-8479-05FA8FA29154}" v="21" dt="2025-04-29T23:33:36.822"/>
   </p1510:revLst>
 </p1510:revInfo>
 </file>
 
 <file path=ppt/changesInfos/changesInfo1.xml><?xml version="1.0" encoding="utf-8"?>
 <pc:chgInfo xmlns:a="http://schemas.openxmlformats.org/drawingml/2006/main" xmlns:r="http://schemas.openxmlformats.org/officeDocument/2006/relationships" xmlns:ac="http://schemas.microsoft.com/office/drawing/2013/main/command" xmlns:pc="http://schemas.microsoft.com/office/powerpoint/2013/main/command">
+  <pc:docChgLst>
+    <pc:chgData name="Jay Graham" userId="95e8df3011c311b3" providerId="LiveId" clId="{40FA9C22-86E2-4DFC-8479-05FA8FA29154}"/>
+    <pc:docChg chg="undo custSel modSld">
+      <pc:chgData name="Jay Graham" userId="95e8df3011c311b3" providerId="LiveId" clId="{40FA9C22-86E2-4DFC-8479-05FA8FA29154}" dt="2025-04-29T23:35:34.140" v="258" actId="20577"/>
+      <pc:docMkLst>
+        <pc:docMk/>
+      </pc:docMkLst>
+      <pc:sldChg chg="addSp delSp modSp mod">
+        <pc:chgData name="Jay Graham" userId="95e8df3011c311b3" providerId="LiveId" clId="{40FA9C22-86E2-4DFC-8479-05FA8FA29154}" dt="2025-04-29T23:35:34.140" v="258" actId="20577"/>
+        <pc:sldMkLst>
+          <pc:docMk/>
+          <pc:sldMk cId="2180713410" sldId="260"/>
+        </pc:sldMkLst>
+        <pc:spChg chg="add mod">
+          <ac:chgData name="Jay Graham" userId="95e8df3011c311b3" providerId="LiveId" clId="{40FA9C22-86E2-4DFC-8479-05FA8FA29154}" dt="2025-04-29T23:21:50.476" v="37"/>
+          <ac:spMkLst>
+            <pc:docMk/>
+            <pc:sldMk cId="2180713410" sldId="260"/>
+            <ac:spMk id="5" creationId="{942782DD-20AA-779E-8EF9-FE2B979279D7}"/>
+          </ac:spMkLst>
+        </pc:spChg>
+        <pc:spChg chg="mod">
+          <ac:chgData name="Jay Graham" userId="95e8df3011c311b3" providerId="LiveId" clId="{40FA9C22-86E2-4DFC-8479-05FA8FA29154}" dt="2025-04-29T23:27:42.445" v="118" actId="1076"/>
+          <ac:spMkLst>
+            <pc:docMk/>
+            <pc:sldMk cId="2180713410" sldId="260"/>
+            <ac:spMk id="12" creationId="{AF6F389A-CA5E-6133-6801-5091AE851586}"/>
+          </ac:spMkLst>
+        </pc:spChg>
+        <pc:spChg chg="mod">
+          <ac:chgData name="Jay Graham" userId="95e8df3011c311b3" providerId="LiveId" clId="{40FA9C22-86E2-4DFC-8479-05FA8FA29154}" dt="2025-04-29T23:27:42.445" v="118" actId="1076"/>
+          <ac:spMkLst>
+            <pc:docMk/>
+            <pc:sldMk cId="2180713410" sldId="260"/>
+            <ac:spMk id="13" creationId="{5D35EF75-8E6E-B264-BA8F-C7BD1E25945D}"/>
+          </ac:spMkLst>
+        </pc:spChg>
+        <pc:spChg chg="mod">
+          <ac:chgData name="Jay Graham" userId="95e8df3011c311b3" providerId="LiveId" clId="{40FA9C22-86E2-4DFC-8479-05FA8FA29154}" dt="2025-04-29T23:27:42.445" v="118" actId="1076"/>
+          <ac:spMkLst>
+            <pc:docMk/>
+            <pc:sldMk cId="2180713410" sldId="260"/>
+            <ac:spMk id="14" creationId="{6B26BAB0-B365-8E94-3049-5DBFCA4A6962}"/>
+          </ac:spMkLst>
+        </pc:spChg>
+        <pc:spChg chg="mod">
+          <ac:chgData name="Jay Graham" userId="95e8df3011c311b3" providerId="LiveId" clId="{40FA9C22-86E2-4DFC-8479-05FA8FA29154}" dt="2025-04-29T23:27:42.445" v="118" actId="1076"/>
+          <ac:spMkLst>
+            <pc:docMk/>
+            <pc:sldMk cId="2180713410" sldId="260"/>
+            <ac:spMk id="15" creationId="{36E04A1B-E755-F381-1177-368A1AA73073}"/>
+          </ac:spMkLst>
+        </pc:spChg>
+        <pc:spChg chg="del">
+          <ac:chgData name="Jay Graham" userId="95e8df3011c311b3" providerId="LiveId" clId="{40FA9C22-86E2-4DFC-8479-05FA8FA29154}" dt="2025-04-29T23:24:19.481" v="66" actId="478"/>
+          <ac:spMkLst>
+            <pc:docMk/>
+            <pc:sldMk cId="2180713410" sldId="260"/>
+            <ac:spMk id="16" creationId="{6B08A227-12BC-5700-33EE-6532F9D0DCFB}"/>
+          </ac:spMkLst>
+        </pc:spChg>
+        <pc:spChg chg="del">
+          <ac:chgData name="Jay Graham" userId="95e8df3011c311b3" providerId="LiveId" clId="{40FA9C22-86E2-4DFC-8479-05FA8FA29154}" dt="2025-04-29T23:24:19.481" v="66" actId="478"/>
+          <ac:spMkLst>
+            <pc:docMk/>
+            <pc:sldMk cId="2180713410" sldId="260"/>
+            <ac:spMk id="17" creationId="{E34AC315-EF30-AEF6-FEEA-6E927AB1E163}"/>
+          </ac:spMkLst>
+        </pc:spChg>
+        <pc:spChg chg="del">
+          <ac:chgData name="Jay Graham" userId="95e8df3011c311b3" providerId="LiveId" clId="{40FA9C22-86E2-4DFC-8479-05FA8FA29154}" dt="2025-04-29T23:24:19.481" v="66" actId="478"/>
+          <ac:spMkLst>
+            <pc:docMk/>
+            <pc:sldMk cId="2180713410" sldId="260"/>
+            <ac:spMk id="18" creationId="{18194753-B109-7647-8FF9-77BEA2E9FCCB}"/>
+          </ac:spMkLst>
+        </pc:spChg>
+        <pc:spChg chg="del">
+          <ac:chgData name="Jay Graham" userId="95e8df3011c311b3" providerId="LiveId" clId="{40FA9C22-86E2-4DFC-8479-05FA8FA29154}" dt="2025-04-29T23:24:19.481" v="66" actId="478"/>
+          <ac:spMkLst>
+            <pc:docMk/>
+            <pc:sldMk cId="2180713410" sldId="260"/>
+            <ac:spMk id="19" creationId="{78A6F4B5-2C29-F0D0-E828-ABC31BB0ECCA}"/>
+          </ac:spMkLst>
+        </pc:spChg>
+        <pc:spChg chg="mod">
+          <ac:chgData name="Jay Graham" userId="95e8df3011c311b3" providerId="LiveId" clId="{40FA9C22-86E2-4DFC-8479-05FA8FA29154}" dt="2025-04-29T23:27:42.445" v="118" actId="1076"/>
+          <ac:spMkLst>
+            <pc:docMk/>
+            <pc:sldMk cId="2180713410" sldId="260"/>
+            <ac:spMk id="21" creationId="{315B5259-FEF9-FA7E-33B9-BF004EF54F44}"/>
+          </ac:spMkLst>
+        </pc:spChg>
+        <pc:spChg chg="del">
+          <ac:chgData name="Jay Graham" userId="95e8df3011c311b3" providerId="LiveId" clId="{40FA9C22-86E2-4DFC-8479-05FA8FA29154}" dt="2025-04-29T23:24:19.481" v="66" actId="478"/>
+          <ac:spMkLst>
+            <pc:docMk/>
+            <pc:sldMk cId="2180713410" sldId="260"/>
+            <ac:spMk id="28" creationId="{52467834-CE66-60F1-4B45-0EC8E8EF15F6}"/>
+          </ac:spMkLst>
+        </pc:spChg>
+        <pc:spChg chg="del">
+          <ac:chgData name="Jay Graham" userId="95e8df3011c311b3" providerId="LiveId" clId="{40FA9C22-86E2-4DFC-8479-05FA8FA29154}" dt="2025-04-29T23:24:19.481" v="66" actId="478"/>
+          <ac:spMkLst>
+            <pc:docMk/>
+            <pc:sldMk cId="2180713410" sldId="260"/>
+            <ac:spMk id="29" creationId="{0095A673-37E0-07B7-CE29-7EAD4DC5D7FA}"/>
+          </ac:spMkLst>
+        </pc:spChg>
+        <pc:spChg chg="del">
+          <ac:chgData name="Jay Graham" userId="95e8df3011c311b3" providerId="LiveId" clId="{40FA9C22-86E2-4DFC-8479-05FA8FA29154}" dt="2025-04-29T23:24:19.481" v="66" actId="478"/>
+          <ac:spMkLst>
+            <pc:docMk/>
+            <pc:sldMk cId="2180713410" sldId="260"/>
+            <ac:spMk id="30" creationId="{177AEBDD-ECD9-E40A-C886-089B09EAEDFA}"/>
+          </ac:spMkLst>
+        </pc:spChg>
+        <pc:spChg chg="del">
+          <ac:chgData name="Jay Graham" userId="95e8df3011c311b3" providerId="LiveId" clId="{40FA9C22-86E2-4DFC-8479-05FA8FA29154}" dt="2025-04-29T23:24:19.481" v="66" actId="478"/>
+          <ac:spMkLst>
+            <pc:docMk/>
+            <pc:sldMk cId="2180713410" sldId="260"/>
+            <ac:spMk id="31" creationId="{C6003DBE-8A89-9A43-AB38-1A803F016303}"/>
+          </ac:spMkLst>
+        </pc:spChg>
+        <pc:spChg chg="mod">
+          <ac:chgData name="Jay Graham" userId="95e8df3011c311b3" providerId="LiveId" clId="{40FA9C22-86E2-4DFC-8479-05FA8FA29154}" dt="2025-04-29T23:27:42.445" v="118" actId="1076"/>
+          <ac:spMkLst>
+            <pc:docMk/>
+            <pc:sldMk cId="2180713410" sldId="260"/>
+            <ac:spMk id="32" creationId="{600FE8AB-DA10-7C2F-06D6-42923262BA6C}"/>
+          </ac:spMkLst>
+        </pc:spChg>
+        <pc:spChg chg="mod">
+          <ac:chgData name="Jay Graham" userId="95e8df3011c311b3" providerId="LiveId" clId="{40FA9C22-86E2-4DFC-8479-05FA8FA29154}" dt="2025-04-29T23:27:42.445" v="118" actId="1076"/>
+          <ac:spMkLst>
+            <pc:docMk/>
+            <pc:sldMk cId="2180713410" sldId="260"/>
+            <ac:spMk id="33" creationId="{40BCDD8A-EBF2-9955-EBB1-EFAC3F27561E}"/>
+          </ac:spMkLst>
+        </pc:spChg>
+        <pc:spChg chg="mod">
+          <ac:chgData name="Jay Graham" userId="95e8df3011c311b3" providerId="LiveId" clId="{40FA9C22-86E2-4DFC-8479-05FA8FA29154}" dt="2025-04-29T23:21:09.373" v="23" actId="20577"/>
+          <ac:spMkLst>
+            <pc:docMk/>
+            <pc:sldMk cId="2180713410" sldId="260"/>
+            <ac:spMk id="34" creationId="{5C860FA9-0CB3-830C-E36E-8203A94E61BA}"/>
+          </ac:spMkLst>
+        </pc:spChg>
+        <pc:spChg chg="mod">
+          <ac:chgData name="Jay Graham" userId="95e8df3011c311b3" providerId="LiveId" clId="{40FA9C22-86E2-4DFC-8479-05FA8FA29154}" dt="2025-04-29T23:27:42.445" v="118" actId="1076"/>
+          <ac:spMkLst>
+            <pc:docMk/>
+            <pc:sldMk cId="2180713410" sldId="260"/>
+            <ac:spMk id="35" creationId="{36943EC5-F7CF-7129-DF3F-14F060641592}"/>
+          </ac:spMkLst>
+        </pc:spChg>
+        <pc:spChg chg="add mod">
+          <ac:chgData name="Jay Graham" userId="95e8df3011c311b3" providerId="LiveId" clId="{40FA9C22-86E2-4DFC-8479-05FA8FA29154}" dt="2025-04-29T23:34:28.821" v="251" actId="208"/>
+          <ac:spMkLst>
+            <pc:docMk/>
+            <pc:sldMk cId="2180713410" sldId="260"/>
+            <ac:spMk id="36" creationId="{B020464E-5090-3370-BEC4-CC1909BD216C}"/>
+          </ac:spMkLst>
+        </pc:spChg>
+        <pc:spChg chg="mod">
+          <ac:chgData name="Jay Graham" userId="95e8df3011c311b3" providerId="LiveId" clId="{40FA9C22-86E2-4DFC-8479-05FA8FA29154}" dt="2025-04-29T23:29:41.132" v="150" actId="1076"/>
+          <ac:spMkLst>
+            <pc:docMk/>
+            <pc:sldMk cId="2180713410" sldId="260"/>
+            <ac:spMk id="37" creationId="{648A5523-704C-C789-D63E-764DBE8B2DB7}"/>
+          </ac:spMkLst>
+        </pc:spChg>
+        <pc:spChg chg="del">
+          <ac:chgData name="Jay Graham" userId="95e8df3011c311b3" providerId="LiveId" clId="{40FA9C22-86E2-4DFC-8479-05FA8FA29154}" dt="2025-04-29T23:29:07.673" v="147" actId="478"/>
+          <ac:spMkLst>
+            <pc:docMk/>
+            <pc:sldMk cId="2180713410" sldId="260"/>
+            <ac:spMk id="38" creationId="{1041A753-9636-E27E-539F-FC787D3E8DCF}"/>
+          </ac:spMkLst>
+        </pc:spChg>
+        <pc:spChg chg="add mod">
+          <ac:chgData name="Jay Graham" userId="95e8df3011c311b3" providerId="LiveId" clId="{40FA9C22-86E2-4DFC-8479-05FA8FA29154}" dt="2025-04-29T23:27:42.445" v="118" actId="1076"/>
+          <ac:spMkLst>
+            <pc:docMk/>
+            <pc:sldMk cId="2180713410" sldId="260"/>
+            <ac:spMk id="39" creationId="{DDBA90C3-EA5D-8AAF-0ECF-A6C2476CFFCF}"/>
+          </ac:spMkLst>
+        </pc:spChg>
+        <pc:spChg chg="add del mod">
+          <ac:chgData name="Jay Graham" userId="95e8df3011c311b3" providerId="LiveId" clId="{40FA9C22-86E2-4DFC-8479-05FA8FA29154}" dt="2025-04-29T23:25:51.763" v="81" actId="478"/>
+          <ac:spMkLst>
+            <pc:docMk/>
+            <pc:sldMk cId="2180713410" sldId="260"/>
+            <ac:spMk id="40" creationId="{12D36139-4AD0-7D17-029B-02B4AC4ACF61}"/>
+          </ac:spMkLst>
+        </pc:spChg>
+        <pc:spChg chg="add del mod">
+          <ac:chgData name="Jay Graham" userId="95e8df3011c311b3" providerId="LiveId" clId="{40FA9C22-86E2-4DFC-8479-05FA8FA29154}" dt="2025-04-29T23:25:51.763" v="81" actId="478"/>
+          <ac:spMkLst>
+            <pc:docMk/>
+            <pc:sldMk cId="2180713410" sldId="260"/>
+            <ac:spMk id="41" creationId="{E6DE403F-20CC-6713-1FDE-F812F37D299C}"/>
+          </ac:spMkLst>
+        </pc:spChg>
+        <pc:spChg chg="add del mod">
+          <ac:chgData name="Jay Graham" userId="95e8df3011c311b3" providerId="LiveId" clId="{40FA9C22-86E2-4DFC-8479-05FA8FA29154}" dt="2025-04-29T23:25:51.763" v="81" actId="478"/>
+          <ac:spMkLst>
+            <pc:docMk/>
+            <pc:sldMk cId="2180713410" sldId="260"/>
+            <ac:spMk id="42" creationId="{3C8C6E2E-4DFB-D877-E019-6D58327176BE}"/>
+          </ac:spMkLst>
+        </pc:spChg>
+        <pc:spChg chg="mod">
+          <ac:chgData name="Jay Graham" userId="95e8df3011c311b3" providerId="LiveId" clId="{40FA9C22-86E2-4DFC-8479-05FA8FA29154}" dt="2025-04-29T23:30:53.084" v="171" actId="20577"/>
+          <ac:spMkLst>
+            <pc:docMk/>
+            <pc:sldMk cId="2180713410" sldId="260"/>
+            <ac:spMk id="43" creationId="{453060FA-DAC6-542D-35BC-87DA520BA8EF}"/>
+          </ac:spMkLst>
+        </pc:spChg>
+        <pc:spChg chg="add del mod">
+          <ac:chgData name="Jay Graham" userId="95e8df3011c311b3" providerId="LiveId" clId="{40FA9C22-86E2-4DFC-8479-05FA8FA29154}" dt="2025-04-29T23:25:51.763" v="81" actId="478"/>
+          <ac:spMkLst>
+            <pc:docMk/>
+            <pc:sldMk cId="2180713410" sldId="260"/>
+            <ac:spMk id="44" creationId="{CDA5D5C3-A487-12DD-E98F-34ADB7FC5977}"/>
+          </ac:spMkLst>
+        </pc:spChg>
+        <pc:spChg chg="mod">
+          <ac:chgData name="Jay Graham" userId="95e8df3011c311b3" providerId="LiveId" clId="{40FA9C22-86E2-4DFC-8479-05FA8FA29154}" dt="2025-04-29T23:30:58.215" v="184" actId="20577"/>
+          <ac:spMkLst>
+            <pc:docMk/>
+            <pc:sldMk cId="2180713410" sldId="260"/>
+            <ac:spMk id="45" creationId="{AE35D917-0454-A61E-6D76-91232EDB1ABD}"/>
+          </ac:spMkLst>
+        </pc:spChg>
+        <pc:spChg chg="del mod">
+          <ac:chgData name="Jay Graham" userId="95e8df3011c311b3" providerId="LiveId" clId="{40FA9C22-86E2-4DFC-8479-05FA8FA29154}" dt="2025-04-29T23:31:35.047" v="199" actId="478"/>
+          <ac:spMkLst>
+            <pc:docMk/>
+            <pc:sldMk cId="2180713410" sldId="260"/>
+            <ac:spMk id="46" creationId="{900BA390-AFFE-EEBF-147D-03BC74BEC959}"/>
+          </ac:spMkLst>
+        </pc:spChg>
+        <pc:spChg chg="del mod">
+          <ac:chgData name="Jay Graham" userId="95e8df3011c311b3" providerId="LiveId" clId="{40FA9C22-86E2-4DFC-8479-05FA8FA29154}" dt="2025-04-29T23:31:35.047" v="199" actId="478"/>
+          <ac:spMkLst>
+            <pc:docMk/>
+            <pc:sldMk cId="2180713410" sldId="260"/>
+            <ac:spMk id="47" creationId="{9BCCD4CD-3D4E-A191-20D0-A776E4976237}"/>
+          </ac:spMkLst>
+        </pc:spChg>
+        <pc:spChg chg="add del mod">
+          <ac:chgData name="Jay Graham" userId="95e8df3011c311b3" providerId="LiveId" clId="{40FA9C22-86E2-4DFC-8479-05FA8FA29154}" dt="2025-04-29T23:25:51.763" v="81" actId="478"/>
+          <ac:spMkLst>
+            <pc:docMk/>
+            <pc:sldMk cId="2180713410" sldId="260"/>
+            <ac:spMk id="48" creationId="{6CBD7651-C240-50B7-5BD9-B02D1458564D}"/>
+          </ac:spMkLst>
+        </pc:spChg>
+        <pc:spChg chg="del">
+          <ac:chgData name="Jay Graham" userId="95e8df3011c311b3" providerId="LiveId" clId="{40FA9C22-86E2-4DFC-8479-05FA8FA29154}" dt="2025-04-29T23:29:07.673" v="147" actId="478"/>
+          <ac:spMkLst>
+            <pc:docMk/>
+            <pc:sldMk cId="2180713410" sldId="260"/>
+            <ac:spMk id="49" creationId="{91D46238-4BF3-E97F-1CB6-A1166EA1767C}"/>
+          </ac:spMkLst>
+        </pc:spChg>
+        <pc:spChg chg="del">
+          <ac:chgData name="Jay Graham" userId="95e8df3011c311b3" providerId="LiveId" clId="{40FA9C22-86E2-4DFC-8479-05FA8FA29154}" dt="2025-04-29T23:29:07.673" v="147" actId="478"/>
+          <ac:spMkLst>
+            <pc:docMk/>
+            <pc:sldMk cId="2180713410" sldId="260"/>
+            <ac:spMk id="50" creationId="{7D83430A-9A93-F958-2167-EC024B746718}"/>
+          </ac:spMkLst>
+        </pc:spChg>
+        <pc:spChg chg="add del mod">
+          <ac:chgData name="Jay Graham" userId="95e8df3011c311b3" providerId="LiveId" clId="{40FA9C22-86E2-4DFC-8479-05FA8FA29154}" dt="2025-04-29T23:25:51.763" v="81" actId="478"/>
+          <ac:spMkLst>
+            <pc:docMk/>
+            <pc:sldMk cId="2180713410" sldId="260"/>
+            <ac:spMk id="51" creationId="{CD1BFE7A-7D86-53B5-2947-00C3FF1FD5DF}"/>
+          </ac:spMkLst>
+        </pc:spChg>
+        <pc:spChg chg="add del mod">
+          <ac:chgData name="Jay Graham" userId="95e8df3011c311b3" providerId="LiveId" clId="{40FA9C22-86E2-4DFC-8479-05FA8FA29154}" dt="2025-04-29T23:25:51.763" v="81" actId="478"/>
+          <ac:spMkLst>
+            <pc:docMk/>
+            <pc:sldMk cId="2180713410" sldId="260"/>
+            <ac:spMk id="52" creationId="{F69AB838-9BEE-073A-4500-72F901D621F0}"/>
+          </ac:spMkLst>
+        </pc:spChg>
+        <pc:spChg chg="add del mod">
+          <ac:chgData name="Jay Graham" userId="95e8df3011c311b3" providerId="LiveId" clId="{40FA9C22-86E2-4DFC-8479-05FA8FA29154}" dt="2025-04-29T23:25:51.763" v="81" actId="478"/>
+          <ac:spMkLst>
+            <pc:docMk/>
+            <pc:sldMk cId="2180713410" sldId="260"/>
+            <ac:spMk id="53" creationId="{46993B6A-C523-3E27-CB83-B0F020EF5606}"/>
+          </ac:spMkLst>
+        </pc:spChg>
+        <pc:spChg chg="add del mod">
+          <ac:chgData name="Jay Graham" userId="95e8df3011c311b3" providerId="LiveId" clId="{40FA9C22-86E2-4DFC-8479-05FA8FA29154}" dt="2025-04-29T23:25:51.763" v="81" actId="478"/>
+          <ac:spMkLst>
+            <pc:docMk/>
+            <pc:sldMk cId="2180713410" sldId="260"/>
+            <ac:spMk id="62" creationId="{CD040261-5350-3C97-14C6-60989BACE26A}"/>
+          </ac:spMkLst>
+        </pc:spChg>
+        <pc:spChg chg="add del mod">
+          <ac:chgData name="Jay Graham" userId="95e8df3011c311b3" providerId="LiveId" clId="{40FA9C22-86E2-4DFC-8479-05FA8FA29154}" dt="2025-04-29T23:25:51.763" v="81" actId="478"/>
+          <ac:spMkLst>
+            <pc:docMk/>
+            <pc:sldMk cId="2180713410" sldId="260"/>
+            <ac:spMk id="63" creationId="{7841E838-4DDE-DA8E-D153-463016FC03F2}"/>
+          </ac:spMkLst>
+        </pc:spChg>
+        <pc:spChg chg="add mod">
+          <ac:chgData name="Jay Graham" userId="95e8df3011c311b3" providerId="LiveId" clId="{40FA9C22-86E2-4DFC-8479-05FA8FA29154}" dt="2025-04-29T23:26:14.166" v="83" actId="1076"/>
+          <ac:spMkLst>
+            <pc:docMk/>
+            <pc:sldMk cId="2180713410" sldId="260"/>
+            <ac:spMk id="64" creationId="{01942A99-448F-0C0B-4FC2-DB1B440B7963}"/>
+          </ac:spMkLst>
+        </pc:spChg>
+        <pc:spChg chg="add mod">
+          <ac:chgData name="Jay Graham" userId="95e8df3011c311b3" providerId="LiveId" clId="{40FA9C22-86E2-4DFC-8479-05FA8FA29154}" dt="2025-04-29T23:26:14.166" v="83" actId="1076"/>
+          <ac:spMkLst>
+            <pc:docMk/>
+            <pc:sldMk cId="2180713410" sldId="260"/>
+            <ac:spMk id="65" creationId="{36FE9ED6-DAAE-141E-5E97-FAC725577C92}"/>
+          </ac:spMkLst>
+        </pc:spChg>
+        <pc:spChg chg="add mod">
+          <ac:chgData name="Jay Graham" userId="95e8df3011c311b3" providerId="LiveId" clId="{40FA9C22-86E2-4DFC-8479-05FA8FA29154}" dt="2025-04-29T23:26:14.166" v="83" actId="1076"/>
+          <ac:spMkLst>
+            <pc:docMk/>
+            <pc:sldMk cId="2180713410" sldId="260"/>
+            <ac:spMk id="66" creationId="{B7B8BA40-1FED-A684-0AD8-EBF81CCA1BAF}"/>
+          </ac:spMkLst>
+        </pc:spChg>
+        <pc:spChg chg="del mod">
+          <ac:chgData name="Jay Graham" userId="95e8df3011c311b3" providerId="LiveId" clId="{40FA9C22-86E2-4DFC-8479-05FA8FA29154}" dt="2025-04-29T23:32:09.119" v="212" actId="478"/>
+          <ac:spMkLst>
+            <pc:docMk/>
+            <pc:sldMk cId="2180713410" sldId="260"/>
+            <ac:spMk id="67" creationId="{74DC5D96-7AA4-F336-75BD-3CA8DBDD126C}"/>
+          </ac:spMkLst>
+        </pc:spChg>
+        <pc:spChg chg="add mod">
+          <ac:chgData name="Jay Graham" userId="95e8df3011c311b3" providerId="LiveId" clId="{40FA9C22-86E2-4DFC-8479-05FA8FA29154}" dt="2025-04-29T23:26:14.166" v="83" actId="1076"/>
+          <ac:spMkLst>
+            <pc:docMk/>
+            <pc:sldMk cId="2180713410" sldId="260"/>
+            <ac:spMk id="68" creationId="{04E21DBF-1335-82FD-688C-AE0DE55DAF68}"/>
+          </ac:spMkLst>
+        </pc:spChg>
+        <pc:spChg chg="del">
+          <ac:chgData name="Jay Graham" userId="95e8df3011c311b3" providerId="LiveId" clId="{40FA9C22-86E2-4DFC-8479-05FA8FA29154}" dt="2025-04-29T23:29:07.673" v="147" actId="478"/>
+          <ac:spMkLst>
+            <pc:docMk/>
+            <pc:sldMk cId="2180713410" sldId="260"/>
+            <ac:spMk id="69" creationId="{AB685BF1-9D98-272F-2A42-873FCC669C8E}"/>
+          </ac:spMkLst>
+        </pc:spChg>
+        <pc:spChg chg="del">
+          <ac:chgData name="Jay Graham" userId="95e8df3011c311b3" providerId="LiveId" clId="{40FA9C22-86E2-4DFC-8479-05FA8FA29154}" dt="2025-04-29T23:29:07.673" v="147" actId="478"/>
+          <ac:spMkLst>
+            <pc:docMk/>
+            <pc:sldMk cId="2180713410" sldId="260"/>
+            <ac:spMk id="70" creationId="{26529299-6D5D-934C-98E3-A54D00F48439}"/>
+          </ac:spMkLst>
+        </pc:spChg>
+        <pc:spChg chg="add mod">
+          <ac:chgData name="Jay Graham" userId="95e8df3011c311b3" providerId="LiveId" clId="{40FA9C22-86E2-4DFC-8479-05FA8FA29154}" dt="2025-04-29T23:26:14.166" v="83" actId="1076"/>
+          <ac:spMkLst>
+            <pc:docMk/>
+            <pc:sldMk cId="2180713410" sldId="260"/>
+            <ac:spMk id="71" creationId="{529B15D8-9B16-E74F-93F1-B778EEBDEABC}"/>
+          </ac:spMkLst>
+        </pc:spChg>
+        <pc:spChg chg="mod">
+          <ac:chgData name="Jay Graham" userId="95e8df3011c311b3" providerId="LiveId" clId="{40FA9C22-86E2-4DFC-8479-05FA8FA29154}" dt="2025-04-29T23:26:54.229" v="105" actId="20577"/>
+          <ac:spMkLst>
+            <pc:docMk/>
+            <pc:sldMk cId="2180713410" sldId="260"/>
+            <ac:spMk id="72" creationId="{9137EC3A-495A-6FD0-B243-FC1A07B0DBFC}"/>
+          </ac:spMkLst>
+        </pc:spChg>
+        <pc:spChg chg="del mod">
+          <ac:chgData name="Jay Graham" userId="95e8df3011c311b3" providerId="LiveId" clId="{40FA9C22-86E2-4DFC-8479-05FA8FA29154}" dt="2025-04-29T23:32:09.119" v="212" actId="478"/>
+          <ac:spMkLst>
+            <pc:docMk/>
+            <pc:sldMk cId="2180713410" sldId="260"/>
+            <ac:spMk id="73" creationId="{5D461ABE-16C7-72B0-D601-8B65985BF60F}"/>
+          </ac:spMkLst>
+        </pc:spChg>
+        <pc:spChg chg="del mod">
+          <ac:chgData name="Jay Graham" userId="95e8df3011c311b3" providerId="LiveId" clId="{40FA9C22-86E2-4DFC-8479-05FA8FA29154}" dt="2025-04-29T23:32:09.119" v="212" actId="478"/>
+          <ac:spMkLst>
+            <pc:docMk/>
+            <pc:sldMk cId="2180713410" sldId="260"/>
+            <ac:spMk id="74" creationId="{C3897D93-6C1C-6FAE-349A-71DD027D8138}"/>
+          </ac:spMkLst>
+        </pc:spChg>
+        <pc:spChg chg="mod">
+          <ac:chgData name="Jay Graham" userId="95e8df3011c311b3" providerId="LiveId" clId="{40FA9C22-86E2-4DFC-8479-05FA8FA29154}" dt="2025-04-29T23:29:49.385" v="151" actId="1076"/>
+          <ac:spMkLst>
+            <pc:docMk/>
+            <pc:sldMk cId="2180713410" sldId="260"/>
+            <ac:spMk id="75" creationId="{0A25C569-CB1C-55D1-B03E-28CCEFF055EB}"/>
+          </ac:spMkLst>
+        </pc:spChg>
+        <pc:spChg chg="del">
+          <ac:chgData name="Jay Graham" userId="95e8df3011c311b3" providerId="LiveId" clId="{40FA9C22-86E2-4DFC-8479-05FA8FA29154}" dt="2025-04-29T23:29:07.673" v="147" actId="478"/>
+          <ac:spMkLst>
+            <pc:docMk/>
+            <pc:sldMk cId="2180713410" sldId="260"/>
+            <ac:spMk id="76" creationId="{325408E5-B961-F282-826E-F4AC8213B60B}"/>
+          </ac:spMkLst>
+        </pc:spChg>
+        <pc:spChg chg="add mod">
+          <ac:chgData name="Jay Graham" userId="95e8df3011c311b3" providerId="LiveId" clId="{40FA9C22-86E2-4DFC-8479-05FA8FA29154}" dt="2025-04-29T23:26:14.166" v="83" actId="1076"/>
+          <ac:spMkLst>
+            <pc:docMk/>
+            <pc:sldMk cId="2180713410" sldId="260"/>
+            <ac:spMk id="82" creationId="{50091A5A-C51F-1CA4-0580-E211449C5737}"/>
+          </ac:spMkLst>
+        </pc:spChg>
+        <pc:spChg chg="del">
+          <ac:chgData name="Jay Graham" userId="95e8df3011c311b3" providerId="LiveId" clId="{40FA9C22-86E2-4DFC-8479-05FA8FA29154}" dt="2025-04-29T23:21:15.946" v="26" actId="478"/>
+          <ac:spMkLst>
+            <pc:docMk/>
+            <pc:sldMk cId="2180713410" sldId="260"/>
+            <ac:spMk id="84" creationId="{BC20E16F-376C-F7C9-CC64-FEBBCD0F5778}"/>
+          </ac:spMkLst>
+        </pc:spChg>
+        <pc:spChg chg="add mod">
+          <ac:chgData name="Jay Graham" userId="95e8df3011c311b3" providerId="LiveId" clId="{40FA9C22-86E2-4DFC-8479-05FA8FA29154}" dt="2025-04-29T23:26:14.166" v="83" actId="1076"/>
+          <ac:spMkLst>
+            <pc:docMk/>
+            <pc:sldMk cId="2180713410" sldId="260"/>
+            <ac:spMk id="85" creationId="{D50224E3-9C8B-6E5F-2C80-23230EFF4BF6}"/>
+          </ac:spMkLst>
+        </pc:spChg>
+        <pc:spChg chg="del">
+          <ac:chgData name="Jay Graham" userId="95e8df3011c311b3" providerId="LiveId" clId="{40FA9C22-86E2-4DFC-8479-05FA8FA29154}" dt="2025-04-29T23:21:14.012" v="25" actId="478"/>
+          <ac:spMkLst>
+            <pc:docMk/>
+            <pc:sldMk cId="2180713410" sldId="260"/>
+            <ac:spMk id="86" creationId="{22A68DC3-2CC5-7C9C-0AD6-185ADFDD38F2}"/>
+          </ac:spMkLst>
+        </pc:spChg>
+        <pc:spChg chg="add mod">
+          <ac:chgData name="Jay Graham" userId="95e8df3011c311b3" providerId="LiveId" clId="{40FA9C22-86E2-4DFC-8479-05FA8FA29154}" dt="2025-04-29T23:26:14.166" v="83" actId="1076"/>
+          <ac:spMkLst>
+            <pc:docMk/>
+            <pc:sldMk cId="2180713410" sldId="260"/>
+            <ac:spMk id="87" creationId="{7A8E0F01-EA5F-ECF4-A5FB-72459F0A3047}"/>
+          </ac:spMkLst>
+        </pc:spChg>
+        <pc:spChg chg="del">
+          <ac:chgData name="Jay Graham" userId="95e8df3011c311b3" providerId="LiveId" clId="{40FA9C22-86E2-4DFC-8479-05FA8FA29154}" dt="2025-04-29T23:21:12.098" v="24" actId="478"/>
+          <ac:spMkLst>
+            <pc:docMk/>
+            <pc:sldMk cId="2180713410" sldId="260"/>
+            <ac:spMk id="88" creationId="{198F47A5-7943-AAAC-DDD3-9D27EC15F00D}"/>
+          </ac:spMkLst>
+        </pc:spChg>
+        <pc:spChg chg="del">
+          <ac:chgData name="Jay Graham" userId="95e8df3011c311b3" providerId="LiveId" clId="{40FA9C22-86E2-4DFC-8479-05FA8FA29154}" dt="2025-04-29T23:21:18.219" v="27" actId="478"/>
+          <ac:spMkLst>
+            <pc:docMk/>
+            <pc:sldMk cId="2180713410" sldId="260"/>
+            <ac:spMk id="89" creationId="{F9317C0B-BD62-F32D-A0E7-BE06D68E9E7D}"/>
+          </ac:spMkLst>
+        </pc:spChg>
+        <pc:spChg chg="add mod">
+          <ac:chgData name="Jay Graham" userId="95e8df3011c311b3" providerId="LiveId" clId="{40FA9C22-86E2-4DFC-8479-05FA8FA29154}" dt="2025-04-29T23:34:24.302" v="250" actId="208"/>
+          <ac:spMkLst>
+            <pc:docMk/>
+            <pc:sldMk cId="2180713410" sldId="260"/>
+            <ac:spMk id="102" creationId="{75FD5CE9-06B3-D785-A981-7C597FFDCE6E}"/>
+          </ac:spMkLst>
+        </pc:spChg>
+        <pc:spChg chg="add mod">
+          <ac:chgData name="Jay Graham" userId="95e8df3011c311b3" providerId="LiveId" clId="{40FA9C22-86E2-4DFC-8479-05FA8FA29154}" dt="2025-04-29T23:26:14.166" v="83" actId="1076"/>
+          <ac:spMkLst>
+            <pc:docMk/>
+            <pc:sldMk cId="2180713410" sldId="260"/>
+            <ac:spMk id="103" creationId="{D73C0CE3-CF96-9BE2-463E-F3E5951BE3E8}"/>
+          </ac:spMkLst>
+        </pc:spChg>
+        <pc:spChg chg="add mod">
+          <ac:chgData name="Jay Graham" userId="95e8df3011c311b3" providerId="LiveId" clId="{40FA9C22-86E2-4DFC-8479-05FA8FA29154}" dt="2025-04-29T23:31:55.123" v="205" actId="20577"/>
+          <ac:spMkLst>
+            <pc:docMk/>
+            <pc:sldMk cId="2180713410" sldId="260"/>
+            <ac:spMk id="110" creationId="{17710121-639E-AD1C-0474-320EF1EB0AFF}"/>
+          </ac:spMkLst>
+        </pc:spChg>
+        <pc:spChg chg="add mod">
+          <ac:chgData name="Jay Graham" userId="95e8df3011c311b3" providerId="LiveId" clId="{40FA9C22-86E2-4DFC-8479-05FA8FA29154}" dt="2025-04-29T23:31:57.601" v="211" actId="20577"/>
+          <ac:spMkLst>
+            <pc:docMk/>
+            <pc:sldMk cId="2180713410" sldId="260"/>
+            <ac:spMk id="111" creationId="{B7984127-A9E1-6FDF-9E32-E9A25EDB1718}"/>
+          </ac:spMkLst>
+        </pc:spChg>
+        <pc:spChg chg="add del mod">
+          <ac:chgData name="Jay Graham" userId="95e8df3011c311b3" providerId="LiveId" clId="{40FA9C22-86E2-4DFC-8479-05FA8FA29154}" dt="2025-04-29T23:32:39.352" v="217" actId="478"/>
+          <ac:spMkLst>
+            <pc:docMk/>
+            <pc:sldMk cId="2180713410" sldId="260"/>
+            <ac:spMk id="112" creationId="{E490EC7B-47C3-F090-D223-9E543CDDAF7C}"/>
+          </ac:spMkLst>
+        </pc:spChg>
+        <pc:spChg chg="add mod">
+          <ac:chgData name="Jay Graham" userId="95e8df3011c311b3" providerId="LiveId" clId="{40FA9C22-86E2-4DFC-8479-05FA8FA29154}" dt="2025-04-29T23:35:34.140" v="258" actId="20577"/>
+          <ac:spMkLst>
+            <pc:docMk/>
+            <pc:sldMk cId="2180713410" sldId="260"/>
+            <ac:spMk id="113" creationId="{68430BE9-FD3A-C02E-8EEF-AC05ADA05EC4}"/>
+          </ac:spMkLst>
+        </pc:spChg>
+        <pc:spChg chg="add mod">
+          <ac:chgData name="Jay Graham" userId="95e8df3011c311b3" providerId="LiveId" clId="{40FA9C22-86E2-4DFC-8479-05FA8FA29154}" dt="2025-04-29T23:32:58.979" v="230" actId="20577"/>
+          <ac:spMkLst>
+            <pc:docMk/>
+            <pc:sldMk cId="2180713410" sldId="260"/>
+            <ac:spMk id="114" creationId="{F815182F-B407-D5F6-8EF2-28E68AD8A879}"/>
+          </ac:spMkLst>
+        </pc:spChg>
+        <pc:spChg chg="add mod">
+          <ac:chgData name="Jay Graham" userId="95e8df3011c311b3" providerId="LiveId" clId="{40FA9C22-86E2-4DFC-8479-05FA8FA29154}" dt="2025-04-29T23:32:34.070" v="216" actId="1076"/>
+          <ac:spMkLst>
+            <pc:docMk/>
+            <pc:sldMk cId="2180713410" sldId="260"/>
+            <ac:spMk id="115" creationId="{56C654E2-5328-AC02-B046-C647180931FA}"/>
+          </ac:spMkLst>
+        </pc:spChg>
+        <pc:spChg chg="add mod">
+          <ac:chgData name="Jay Graham" userId="95e8df3011c311b3" providerId="LiveId" clId="{40FA9C22-86E2-4DFC-8479-05FA8FA29154}" dt="2025-04-29T23:34:31.115" v="252" actId="208"/>
+          <ac:spMkLst>
+            <pc:docMk/>
+            <pc:sldMk cId="2180713410" sldId="260"/>
+            <ac:spMk id="137" creationId="{79D76F7A-0CB3-0923-3C15-FA85018F6BDB}"/>
+          </ac:spMkLst>
+        </pc:spChg>
+        <pc:spChg chg="add mod">
+          <ac:chgData name="Jay Graham" userId="95e8df3011c311b3" providerId="LiveId" clId="{40FA9C22-86E2-4DFC-8479-05FA8FA29154}" dt="2025-04-29T23:34:07.731" v="248" actId="1076"/>
+          <ac:spMkLst>
+            <pc:docMk/>
+            <pc:sldMk cId="2180713410" sldId="260"/>
+            <ac:spMk id="138" creationId="{A99F67BC-FBC2-EF03-9777-50B68EB25E48}"/>
+          </ac:spMkLst>
+        </pc:spChg>
+        <pc:spChg chg="del mod">
+          <ac:chgData name="Jay Graham" userId="95e8df3011c311b3" providerId="LiveId" clId="{40FA9C22-86E2-4DFC-8479-05FA8FA29154}" dt="2025-04-29T23:32:09.119" v="212" actId="478"/>
+          <ac:spMkLst>
+            <pc:docMk/>
+            <pc:sldMk cId="2180713410" sldId="260"/>
+            <ac:spMk id="140" creationId="{F72DEF0B-23CD-54B3-BFDB-E3FCE905B5A4}"/>
+          </ac:spMkLst>
+        </pc:spChg>
+        <pc:picChg chg="mod">
+          <ac:chgData name="Jay Graham" userId="95e8df3011c311b3" providerId="LiveId" clId="{40FA9C22-86E2-4DFC-8479-05FA8FA29154}" dt="2025-04-29T23:21:43.257" v="28" actId="1076"/>
+          <ac:picMkLst>
+            <pc:docMk/>
+            <pc:sldMk cId="2180713410" sldId="260"/>
+            <ac:picMk id="121" creationId="{3FE40D7C-AD75-779A-71CC-6E12A155C489}"/>
+          </ac:picMkLst>
+        </pc:picChg>
+        <pc:picChg chg="mod">
+          <ac:chgData name="Jay Graham" userId="95e8df3011c311b3" providerId="LiveId" clId="{40FA9C22-86E2-4DFC-8479-05FA8FA29154}" dt="2025-04-29T23:23:00.151" v="55" actId="1076"/>
+          <ac:picMkLst>
+            <pc:docMk/>
+            <pc:sldMk cId="2180713410" sldId="260"/>
+            <ac:picMk id="122" creationId="{F3EE8DA1-1FE1-D312-6BC8-9975DB3314DE}"/>
+          </ac:picMkLst>
+        </pc:picChg>
+        <pc:picChg chg="del">
+          <ac:chgData name="Jay Graham" userId="95e8df3011c311b3" providerId="LiveId" clId="{40FA9C22-86E2-4DFC-8479-05FA8FA29154}" dt="2025-04-29T23:24:19.481" v="66" actId="478"/>
+          <ac:picMkLst>
+            <pc:docMk/>
+            <pc:sldMk cId="2180713410" sldId="260"/>
+            <ac:picMk id="123" creationId="{EC1C2412-057A-7995-764D-E407371700EC}"/>
+          </ac:picMkLst>
+        </pc:picChg>
+        <pc:picChg chg="del">
+          <ac:chgData name="Jay Graham" userId="95e8df3011c311b3" providerId="LiveId" clId="{40FA9C22-86E2-4DFC-8479-05FA8FA29154}" dt="2025-04-29T23:24:19.481" v="66" actId="478"/>
+          <ac:picMkLst>
+            <pc:docMk/>
+            <pc:sldMk cId="2180713410" sldId="260"/>
+            <ac:picMk id="124" creationId="{6797324B-8982-670B-53CB-66979B83C4C2}"/>
+          </ac:picMkLst>
+        </pc:picChg>
+        <pc:cxnChg chg="add mod">
+          <ac:chgData name="Jay Graham" userId="95e8df3011c311b3" providerId="LiveId" clId="{40FA9C22-86E2-4DFC-8479-05FA8FA29154}" dt="2025-04-29T23:22:28.076" v="49" actId="14100"/>
+          <ac:cxnSpMkLst>
+            <pc:docMk/>
+            <pc:sldMk cId="2180713410" sldId="260"/>
+            <ac:cxnSpMk id="9" creationId="{683E5EE5-6BFD-6349-BCE1-F01D8EFAFBF1}"/>
+          </ac:cxnSpMkLst>
+        </pc:cxnChg>
+        <pc:cxnChg chg="add mod">
+          <ac:chgData name="Jay Graham" userId="95e8df3011c311b3" providerId="LiveId" clId="{40FA9C22-86E2-4DFC-8479-05FA8FA29154}" dt="2025-04-29T23:22:53.132" v="54" actId="1076"/>
+          <ac:cxnSpMkLst>
+            <pc:docMk/>
+            <pc:sldMk cId="2180713410" sldId="260"/>
+            <ac:cxnSpMk id="24" creationId="{E68EACB3-66A7-C51F-F787-BD60A5C314F5}"/>
+          </ac:cxnSpMkLst>
+        </pc:cxnChg>
+        <pc:cxnChg chg="mod">
+          <ac:chgData name="Jay Graham" userId="95e8df3011c311b3" providerId="LiveId" clId="{40FA9C22-86E2-4DFC-8479-05FA8FA29154}" dt="2025-04-29T23:23:16.789" v="56" actId="14100"/>
+          <ac:cxnSpMkLst>
+            <pc:docMk/>
+            <pc:sldMk cId="2180713410" sldId="260"/>
+            <ac:cxnSpMk id="90" creationId="{94476B0A-DAB2-A794-DE6E-5A39731184D6}"/>
+          </ac:cxnSpMkLst>
+        </pc:cxnChg>
+        <pc:cxnChg chg="add mod">
+          <ac:chgData name="Jay Graham" userId="95e8df3011c311b3" providerId="LiveId" clId="{40FA9C22-86E2-4DFC-8479-05FA8FA29154}" dt="2025-04-29T23:33:07.888" v="233" actId="14100"/>
+          <ac:cxnSpMkLst>
+            <pc:docMk/>
+            <pc:sldMk cId="2180713410" sldId="260"/>
+            <ac:cxnSpMk id="116" creationId="{6ECB9C6B-4EAE-A6D7-7FB4-9E501E803E39}"/>
+          </ac:cxnSpMkLst>
+        </pc:cxnChg>
+        <pc:cxnChg chg="del mod">
+          <ac:chgData name="Jay Graham" userId="95e8df3011c311b3" providerId="LiveId" clId="{40FA9C22-86E2-4DFC-8479-05FA8FA29154}" dt="2025-04-29T23:32:12.386" v="213" actId="478"/>
+          <ac:cxnSpMkLst>
+            <pc:docMk/>
+            <pc:sldMk cId="2180713410" sldId="260"/>
+            <ac:cxnSpMk id="117" creationId="{EE83A4EA-F651-39B2-2E70-A9D355962F3C}"/>
+          </ac:cxnSpMkLst>
+        </pc:cxnChg>
+        <pc:cxnChg chg="del mod">
+          <ac:chgData name="Jay Graham" userId="95e8df3011c311b3" providerId="LiveId" clId="{40FA9C22-86E2-4DFC-8479-05FA8FA29154}" dt="2025-04-29T23:32:12.386" v="213" actId="478"/>
+          <ac:cxnSpMkLst>
+            <pc:docMk/>
+            <pc:sldMk cId="2180713410" sldId="260"/>
+            <ac:cxnSpMk id="118" creationId="{9E19B316-9611-72AA-FF8C-5FC4E988DA54}"/>
+          </ac:cxnSpMkLst>
+        </pc:cxnChg>
+        <pc:cxnChg chg="del mod">
+          <ac:chgData name="Jay Graham" userId="95e8df3011c311b3" providerId="LiveId" clId="{40FA9C22-86E2-4DFC-8479-05FA8FA29154}" dt="2025-04-29T23:32:12.386" v="213" actId="478"/>
+          <ac:cxnSpMkLst>
+            <pc:docMk/>
+            <pc:sldMk cId="2180713410" sldId="260"/>
+            <ac:cxnSpMk id="119" creationId="{0C245FFE-623C-D651-077C-79E8E509A571}"/>
+          </ac:cxnSpMkLst>
+        </pc:cxnChg>
+        <pc:cxnChg chg="del mod">
+          <ac:chgData name="Jay Graham" userId="95e8df3011c311b3" providerId="LiveId" clId="{40FA9C22-86E2-4DFC-8479-05FA8FA29154}" dt="2025-04-29T23:32:12.386" v="213" actId="478"/>
+          <ac:cxnSpMkLst>
+            <pc:docMk/>
+            <pc:sldMk cId="2180713410" sldId="260"/>
+            <ac:cxnSpMk id="125" creationId="{A8F7A685-42AF-5F66-445F-BAFA5C1D50D3}"/>
+          </ac:cxnSpMkLst>
+        </pc:cxnChg>
+        <pc:cxnChg chg="del mod">
+          <ac:chgData name="Jay Graham" userId="95e8df3011c311b3" providerId="LiveId" clId="{40FA9C22-86E2-4DFC-8479-05FA8FA29154}" dt="2025-04-29T23:29:07.673" v="147" actId="478"/>
+          <ac:cxnSpMkLst>
+            <pc:docMk/>
+            <pc:sldMk cId="2180713410" sldId="260"/>
+            <ac:cxnSpMk id="126" creationId="{90911BEE-3134-A0AD-C4BD-2B53552A447B}"/>
+          </ac:cxnSpMkLst>
+        </pc:cxnChg>
+        <pc:cxnChg chg="del mod">
+          <ac:chgData name="Jay Graham" userId="95e8df3011c311b3" providerId="LiveId" clId="{40FA9C22-86E2-4DFC-8479-05FA8FA29154}" dt="2025-04-29T23:29:07.673" v="147" actId="478"/>
+          <ac:cxnSpMkLst>
+            <pc:docMk/>
+            <pc:sldMk cId="2180713410" sldId="260"/>
+            <ac:cxnSpMk id="127" creationId="{38A754A1-9448-F925-CBD6-D38432E3730B}"/>
+          </ac:cxnSpMkLst>
+        </pc:cxnChg>
+        <pc:cxnChg chg="add mod">
+          <ac:chgData name="Jay Graham" userId="95e8df3011c311b3" providerId="LiveId" clId="{40FA9C22-86E2-4DFC-8479-05FA8FA29154}" dt="2025-04-29T23:33:14.235" v="237" actId="14100"/>
+          <ac:cxnSpMkLst>
+            <pc:docMk/>
+            <pc:sldMk cId="2180713410" sldId="260"/>
+            <ac:cxnSpMk id="129" creationId="{36359E7E-4DEF-9301-7513-EE52FCE20698}"/>
+          </ac:cxnSpMkLst>
+        </pc:cxnChg>
+        <pc:cxnChg chg="add mod">
+          <ac:chgData name="Jay Graham" userId="95e8df3011c311b3" providerId="LiveId" clId="{40FA9C22-86E2-4DFC-8479-05FA8FA29154}" dt="2025-04-29T23:33:20.370" v="240" actId="14100"/>
+          <ac:cxnSpMkLst>
+            <pc:docMk/>
+            <pc:sldMk cId="2180713410" sldId="260"/>
+            <ac:cxnSpMk id="132" creationId="{CE4B5EC9-8418-4236-B6A5-95476B66F3A7}"/>
+          </ac:cxnSpMkLst>
+        </pc:cxnChg>
+        <pc:cxnChg chg="add mod">
+          <ac:chgData name="Jay Graham" userId="95e8df3011c311b3" providerId="LiveId" clId="{40FA9C22-86E2-4DFC-8479-05FA8FA29154}" dt="2025-04-29T23:33:53.801" v="245" actId="1076"/>
+          <ac:cxnSpMkLst>
+            <pc:docMk/>
+            <pc:sldMk cId="2180713410" sldId="260"/>
+            <ac:cxnSpMk id="135" creationId="{AB29141B-DA5E-7C51-E0F1-9958786E12BE}"/>
+          </ac:cxnSpMkLst>
+        </pc:cxnChg>
+        <pc:cxnChg chg="add mod">
+          <ac:chgData name="Jay Graham" userId="95e8df3011c311b3" providerId="LiveId" clId="{40FA9C22-86E2-4DFC-8479-05FA8FA29154}" dt="2025-04-29T23:33:59.477" v="246" actId="1076"/>
+          <ac:cxnSpMkLst>
+            <pc:docMk/>
+            <pc:sldMk cId="2180713410" sldId="260"/>
+            <ac:cxnSpMk id="136" creationId="{17428F16-4259-5513-BC9D-3FA6D0D7F4A9}"/>
+          </ac:cxnSpMkLst>
+        </pc:cxnChg>
+      </pc:sldChg>
+    </pc:docChg>
+  </pc:docChgLst>
   <pc:docChgLst>
     <pc:chgData name="Jay Graham" userId="95e8df3011c311b3" providerId="LiveId" clId="{C311B95F-7D04-4A2D-942D-998858638ACD}"/>
     <pc:docChg chg="undo custSel addSld modSld">
@@ -135,542 +847,6 @@
           <pc:docMk/>
           <pc:sldMk cId="2796565901" sldId="259"/>
         </pc:sldMkLst>
-        <pc:spChg chg="mod">
-          <ac:chgData name="Jay Graham" userId="95e8df3011c311b3" providerId="LiveId" clId="{C311B95F-7D04-4A2D-942D-998858638ACD}" dt="2025-02-27T18:05:20.596" v="68" actId="1076"/>
-          <ac:spMkLst>
-            <pc:docMk/>
-            <pc:sldMk cId="2796565901" sldId="259"/>
-            <ac:spMk id="2" creationId="{659B8BEC-CCF4-30A7-E702-0AF536896426}"/>
-          </ac:spMkLst>
-        </pc:spChg>
-        <pc:spChg chg="mod">
-          <ac:chgData name="Jay Graham" userId="95e8df3011c311b3" providerId="LiveId" clId="{C311B95F-7D04-4A2D-942D-998858638ACD}" dt="2025-02-27T18:04:02.038" v="48" actId="1076"/>
-          <ac:spMkLst>
-            <pc:docMk/>
-            <pc:sldMk cId="2796565901" sldId="259"/>
-            <ac:spMk id="4" creationId="{03E1780A-77B3-0A3D-B78E-1AEB21CD5D94}"/>
-          </ac:spMkLst>
-        </pc:spChg>
-        <pc:spChg chg="add mod">
-          <ac:chgData name="Jay Graham" userId="95e8df3011c311b3" providerId="LiveId" clId="{C311B95F-7D04-4A2D-942D-998858638ACD}" dt="2025-02-27T18:02:10.471" v="20" actId="14100"/>
-          <ac:spMkLst>
-            <pc:docMk/>
-            <pc:sldMk cId="2796565901" sldId="259"/>
-            <ac:spMk id="5" creationId="{E8DABF13-9BEC-618C-BC8C-DA089F67E0ED}"/>
-          </ac:spMkLst>
-        </pc:spChg>
-        <pc:spChg chg="add mod">
-          <ac:chgData name="Jay Graham" userId="95e8df3011c311b3" providerId="LiveId" clId="{C311B95F-7D04-4A2D-942D-998858638ACD}" dt="2025-02-27T18:02:15.321" v="21" actId="1076"/>
-          <ac:spMkLst>
-            <pc:docMk/>
-            <pc:sldMk cId="2796565901" sldId="259"/>
-            <ac:spMk id="6" creationId="{620CC3B6-4C0F-B448-7A18-1A499C755BA6}"/>
-          </ac:spMkLst>
-        </pc:spChg>
-        <pc:spChg chg="add mod">
-          <ac:chgData name="Jay Graham" userId="95e8df3011c311b3" providerId="LiveId" clId="{C311B95F-7D04-4A2D-942D-998858638ACD}" dt="2025-02-27T18:10:17.261" v="165" actId="1076"/>
-          <ac:spMkLst>
-            <pc:docMk/>
-            <pc:sldMk cId="2796565901" sldId="259"/>
-            <ac:spMk id="46" creationId="{BFB7D506-87B6-ECE0-C3E9-8769F029A5A9}"/>
-          </ac:spMkLst>
-        </pc:spChg>
-        <pc:spChg chg="add mod">
-          <ac:chgData name="Jay Graham" userId="95e8df3011c311b3" providerId="LiveId" clId="{C311B95F-7D04-4A2D-942D-998858638ACD}" dt="2025-02-27T18:09:52.023" v="159" actId="1076"/>
-          <ac:spMkLst>
-            <pc:docMk/>
-            <pc:sldMk cId="2796565901" sldId="259"/>
-            <ac:spMk id="48" creationId="{BCCD2248-11EC-12EF-D165-FD68A90357AF}"/>
-          </ac:spMkLst>
-        </pc:spChg>
-        <pc:spChg chg="add mod">
-          <ac:chgData name="Jay Graham" userId="95e8df3011c311b3" providerId="LiveId" clId="{C311B95F-7D04-4A2D-942D-998858638ACD}" dt="2025-02-27T18:10:17.261" v="165" actId="1076"/>
-          <ac:spMkLst>
-            <pc:docMk/>
-            <pc:sldMk cId="2796565901" sldId="259"/>
-            <ac:spMk id="52" creationId="{D3E4CC42-B397-D6FB-F578-DBE1261FEE0A}"/>
-          </ac:spMkLst>
-        </pc:spChg>
-        <pc:spChg chg="add mod">
-          <ac:chgData name="Jay Graham" userId="95e8df3011c311b3" providerId="LiveId" clId="{C311B95F-7D04-4A2D-942D-998858638ACD}" dt="2025-02-27T18:10:17.261" v="165" actId="1076"/>
-          <ac:spMkLst>
-            <pc:docMk/>
-            <pc:sldMk cId="2796565901" sldId="259"/>
-            <ac:spMk id="53" creationId="{FEF0DA74-9A10-7EF3-E5B1-AA5C880AAF28}"/>
-          </ac:spMkLst>
-        </pc:spChg>
-        <pc:spChg chg="add mod">
-          <ac:chgData name="Jay Graham" userId="95e8df3011c311b3" providerId="LiveId" clId="{C311B95F-7D04-4A2D-942D-998858638ACD}" dt="2025-02-27T18:10:17.261" v="165" actId="1076"/>
-          <ac:spMkLst>
-            <pc:docMk/>
-            <pc:sldMk cId="2796565901" sldId="259"/>
-            <ac:spMk id="54" creationId="{D2807A43-D8C9-35B0-417A-E94AC72B4868}"/>
-          </ac:spMkLst>
-        </pc:spChg>
-        <pc:spChg chg="add mod">
-          <ac:chgData name="Jay Graham" userId="95e8df3011c311b3" providerId="LiveId" clId="{C311B95F-7D04-4A2D-942D-998858638ACD}" dt="2025-02-27T18:10:17.261" v="165" actId="1076"/>
-          <ac:spMkLst>
-            <pc:docMk/>
-            <pc:sldMk cId="2796565901" sldId="259"/>
-            <ac:spMk id="55" creationId="{7CA1A88D-FE0A-E686-0823-EACBFFFF0492}"/>
-          </ac:spMkLst>
-        </pc:spChg>
-        <pc:spChg chg="mod">
-          <ac:chgData name="Jay Graham" userId="95e8df3011c311b3" providerId="LiveId" clId="{C311B95F-7D04-4A2D-942D-998858638ACD}" dt="2025-02-27T18:05:31.048" v="69" actId="1076"/>
-          <ac:spMkLst>
-            <pc:docMk/>
-            <pc:sldMk cId="2796565901" sldId="259"/>
-            <ac:spMk id="1041" creationId="{565645C4-E3D2-172D-D037-452A806A453A}"/>
-          </ac:spMkLst>
-        </pc:spChg>
-        <pc:spChg chg="mod">
-          <ac:chgData name="Jay Graham" userId="95e8df3011c311b3" providerId="LiveId" clId="{C311B95F-7D04-4A2D-942D-998858638ACD}" dt="2025-02-27T18:05:31.048" v="69" actId="1076"/>
-          <ac:spMkLst>
-            <pc:docMk/>
-            <pc:sldMk cId="2796565901" sldId="259"/>
-            <ac:spMk id="1042" creationId="{9CDDA7FD-F5CF-1A1D-5715-CAE0D1FD9CF6}"/>
-          </ac:spMkLst>
-        </pc:spChg>
-        <pc:spChg chg="add mod">
-          <ac:chgData name="Jay Graham" userId="95e8df3011c311b3" providerId="LiveId" clId="{C311B95F-7D04-4A2D-942D-998858638ACD}" dt="2025-02-27T18:05:31.048" v="69" actId="1076"/>
-          <ac:spMkLst>
-            <pc:docMk/>
-            <pc:sldMk cId="2796565901" sldId="259"/>
-            <ac:spMk id="1048" creationId="{66BA5D6A-1717-7CA8-2DB5-2670F94DA1E5}"/>
-          </ac:spMkLst>
-        </pc:spChg>
-        <pc:spChg chg="mod">
-          <ac:chgData name="Jay Graham" userId="95e8df3011c311b3" providerId="LiveId" clId="{C311B95F-7D04-4A2D-942D-998858638ACD}" dt="2025-02-27T18:05:31.048" v="69" actId="1076"/>
-          <ac:spMkLst>
-            <pc:docMk/>
-            <pc:sldMk cId="2796565901" sldId="259"/>
-            <ac:spMk id="1049" creationId="{72E5B3DF-6F57-EC9C-9C17-C882866BDD92}"/>
-          </ac:spMkLst>
-        </pc:spChg>
-        <pc:spChg chg="add mod">
-          <ac:chgData name="Jay Graham" userId="95e8df3011c311b3" providerId="LiveId" clId="{C311B95F-7D04-4A2D-942D-998858638ACD}" dt="2025-02-27T18:05:31.048" v="69" actId="1076"/>
-          <ac:spMkLst>
-            <pc:docMk/>
-            <pc:sldMk cId="2796565901" sldId="259"/>
-            <ac:spMk id="1050" creationId="{682C4528-A060-4997-762F-E9DBC54D8ED7}"/>
-          </ac:spMkLst>
-        </pc:spChg>
-        <pc:spChg chg="add mod">
-          <ac:chgData name="Jay Graham" userId="95e8df3011c311b3" providerId="LiveId" clId="{C311B95F-7D04-4A2D-942D-998858638ACD}" dt="2025-02-27T18:05:31.048" v="69" actId="1076"/>
-          <ac:spMkLst>
-            <pc:docMk/>
-            <pc:sldMk cId="2796565901" sldId="259"/>
-            <ac:spMk id="1062" creationId="{F2360579-41C4-2FFA-48B8-7A68D570019E}"/>
-          </ac:spMkLst>
-        </pc:spChg>
-        <pc:spChg chg="add mod">
-          <ac:chgData name="Jay Graham" userId="95e8df3011c311b3" providerId="LiveId" clId="{C311B95F-7D04-4A2D-942D-998858638ACD}" dt="2025-02-27T18:05:31.048" v="69" actId="1076"/>
-          <ac:spMkLst>
-            <pc:docMk/>
-            <pc:sldMk cId="2796565901" sldId="259"/>
-            <ac:spMk id="1063" creationId="{8D918F1B-934F-4B28-8243-F6576DC5349A}"/>
-          </ac:spMkLst>
-        </pc:spChg>
-        <pc:spChg chg="mod">
-          <ac:chgData name="Jay Graham" userId="95e8df3011c311b3" providerId="LiveId" clId="{C311B95F-7D04-4A2D-942D-998858638ACD}" dt="2025-02-27T18:05:31.048" v="69" actId="1076"/>
-          <ac:spMkLst>
-            <pc:docMk/>
-            <pc:sldMk cId="2796565901" sldId="259"/>
-            <ac:spMk id="1074" creationId="{36DC8D5B-CF6E-D10C-9FEA-A5AA7BD67E03}"/>
-          </ac:spMkLst>
-        </pc:spChg>
-        <pc:spChg chg="add mod">
-          <ac:chgData name="Jay Graham" userId="95e8df3011c311b3" providerId="LiveId" clId="{C311B95F-7D04-4A2D-942D-998858638ACD}" dt="2025-02-27T18:05:14.923" v="66" actId="1076"/>
-          <ac:spMkLst>
-            <pc:docMk/>
-            <pc:sldMk cId="2796565901" sldId="259"/>
-            <ac:spMk id="1075" creationId="{F4FFF203-92A3-DE4A-3F0F-0ECE38BF770C}"/>
-          </ac:spMkLst>
-        </pc:spChg>
-        <pc:spChg chg="add mod">
-          <ac:chgData name="Jay Graham" userId="95e8df3011c311b3" providerId="LiveId" clId="{C311B95F-7D04-4A2D-942D-998858638ACD}" dt="2025-02-27T18:05:14.923" v="66" actId="1076"/>
-          <ac:spMkLst>
-            <pc:docMk/>
-            <pc:sldMk cId="2796565901" sldId="259"/>
-            <ac:spMk id="1076" creationId="{552910B8-B099-BAEF-215F-BAB5EBDDE869}"/>
-          </ac:spMkLst>
-        </pc:spChg>
-        <pc:spChg chg="add mod">
-          <ac:chgData name="Jay Graham" userId="95e8df3011c311b3" providerId="LiveId" clId="{C311B95F-7D04-4A2D-942D-998858638ACD}" dt="2025-02-27T18:05:14.923" v="66" actId="1076"/>
-          <ac:spMkLst>
-            <pc:docMk/>
-            <pc:sldMk cId="2796565901" sldId="259"/>
-            <ac:spMk id="1077" creationId="{0F3B6E57-BD19-660B-152D-A35C696B4A29}"/>
-          </ac:spMkLst>
-        </pc:spChg>
-        <pc:spChg chg="add mod">
-          <ac:chgData name="Jay Graham" userId="95e8df3011c311b3" providerId="LiveId" clId="{C311B95F-7D04-4A2D-942D-998858638ACD}" dt="2025-02-27T18:05:14.923" v="66" actId="1076"/>
-          <ac:spMkLst>
-            <pc:docMk/>
-            <pc:sldMk cId="2796565901" sldId="259"/>
-            <ac:spMk id="1078" creationId="{99A46DDC-A430-95A9-3455-F54D5212A87B}"/>
-          </ac:spMkLst>
-        </pc:spChg>
-        <pc:spChg chg="add mod">
-          <ac:chgData name="Jay Graham" userId="95e8df3011c311b3" providerId="LiveId" clId="{C311B95F-7D04-4A2D-942D-998858638ACD}" dt="2025-02-27T18:05:14.923" v="66" actId="1076"/>
-          <ac:spMkLst>
-            <pc:docMk/>
-            <pc:sldMk cId="2796565901" sldId="259"/>
-            <ac:spMk id="1079" creationId="{35282F28-B7E0-81F6-DBA4-1FCE436E504C}"/>
-          </ac:spMkLst>
-        </pc:spChg>
-        <pc:spChg chg="add mod">
-          <ac:chgData name="Jay Graham" userId="95e8df3011c311b3" providerId="LiveId" clId="{C311B95F-7D04-4A2D-942D-998858638ACD}" dt="2025-02-27T18:05:14.923" v="66" actId="1076"/>
-          <ac:spMkLst>
-            <pc:docMk/>
-            <pc:sldMk cId="2796565901" sldId="259"/>
-            <ac:spMk id="1081" creationId="{D158BF25-C383-E8F4-523A-702B606B6ED1}"/>
-          </ac:spMkLst>
-        </pc:spChg>
-        <pc:spChg chg="add mod">
-          <ac:chgData name="Jay Graham" userId="95e8df3011c311b3" providerId="LiveId" clId="{C311B95F-7D04-4A2D-942D-998858638ACD}" dt="2025-02-27T18:08:59.739" v="151" actId="1076"/>
-          <ac:spMkLst>
-            <pc:docMk/>
-            <pc:sldMk cId="2796565901" sldId="259"/>
-            <ac:spMk id="1115" creationId="{D06B13C9-D41E-B591-9D54-E4DB959B88CA}"/>
-          </ac:spMkLst>
-        </pc:spChg>
-        <pc:spChg chg="add mod">
-          <ac:chgData name="Jay Graham" userId="95e8df3011c311b3" providerId="LiveId" clId="{C311B95F-7D04-4A2D-942D-998858638ACD}" dt="2025-02-27T18:10:17.261" v="165" actId="1076"/>
-          <ac:spMkLst>
-            <pc:docMk/>
-            <pc:sldMk cId="2796565901" sldId="259"/>
-            <ac:spMk id="1116" creationId="{9E4C8BD6-0293-C3C7-DFC4-9975C6998B19}"/>
-          </ac:spMkLst>
-        </pc:spChg>
-        <pc:spChg chg="add mod">
-          <ac:chgData name="Jay Graham" userId="95e8df3011c311b3" providerId="LiveId" clId="{C311B95F-7D04-4A2D-942D-998858638ACD}" dt="2025-02-27T18:10:17.261" v="165" actId="1076"/>
-          <ac:spMkLst>
-            <pc:docMk/>
-            <pc:sldMk cId="2796565901" sldId="259"/>
-            <ac:spMk id="1117" creationId="{8D2E8B6C-E4F2-77BE-7BAE-9A16AEE408F6}"/>
-          </ac:spMkLst>
-        </pc:spChg>
-        <pc:spChg chg="add mod">
-          <ac:chgData name="Jay Graham" userId="95e8df3011c311b3" providerId="LiveId" clId="{C311B95F-7D04-4A2D-942D-998858638ACD}" dt="2025-02-27T18:10:17.261" v="165" actId="1076"/>
-          <ac:spMkLst>
-            <pc:docMk/>
-            <pc:sldMk cId="2796565901" sldId="259"/>
-            <ac:spMk id="1118" creationId="{4AAC580A-7850-2DEB-9868-6712E4C4B898}"/>
-          </ac:spMkLst>
-        </pc:spChg>
-        <pc:spChg chg="add mod">
-          <ac:chgData name="Jay Graham" userId="95e8df3011c311b3" providerId="LiveId" clId="{C311B95F-7D04-4A2D-942D-998858638ACD}" dt="2025-02-27T18:08:59.739" v="151" actId="1076"/>
-          <ac:spMkLst>
-            <pc:docMk/>
-            <pc:sldMk cId="2796565901" sldId="259"/>
-            <ac:spMk id="1119" creationId="{5FE731CA-DE48-6EBA-C90D-ED280F10160E}"/>
-          </ac:spMkLst>
-        </pc:spChg>
-        <pc:spChg chg="add mod">
-          <ac:chgData name="Jay Graham" userId="95e8df3011c311b3" providerId="LiveId" clId="{C311B95F-7D04-4A2D-942D-998858638ACD}" dt="2025-02-27T18:10:17.261" v="165" actId="1076"/>
-          <ac:spMkLst>
-            <pc:docMk/>
-            <pc:sldMk cId="2796565901" sldId="259"/>
-            <ac:spMk id="1120" creationId="{74C4D7B6-A8E4-ECC6-56E2-4754F70CB7C7}"/>
-          </ac:spMkLst>
-        </pc:spChg>
-        <pc:spChg chg="add mod">
-          <ac:chgData name="Jay Graham" userId="95e8df3011c311b3" providerId="LiveId" clId="{C311B95F-7D04-4A2D-942D-998858638ACD}" dt="2025-02-27T18:10:17.261" v="165" actId="1076"/>
-          <ac:spMkLst>
-            <pc:docMk/>
-            <pc:sldMk cId="2796565901" sldId="259"/>
-            <ac:spMk id="1121" creationId="{E1AD1A9E-A5C7-D6AA-1C58-C2A5AF684ACC}"/>
-          </ac:spMkLst>
-        </pc:spChg>
-        <pc:spChg chg="add mod">
-          <ac:chgData name="Jay Graham" userId="95e8df3011c311b3" providerId="LiveId" clId="{C311B95F-7D04-4A2D-942D-998858638ACD}" dt="2025-02-27T18:08:59.739" v="151" actId="1076"/>
-          <ac:spMkLst>
-            <pc:docMk/>
-            <pc:sldMk cId="2796565901" sldId="259"/>
-            <ac:spMk id="1122" creationId="{9BC017C6-9201-4AB1-E259-8C60B91E4A02}"/>
-          </ac:spMkLst>
-        </pc:spChg>
-        <pc:spChg chg="add mod">
-          <ac:chgData name="Jay Graham" userId="95e8df3011c311b3" providerId="LiveId" clId="{C311B95F-7D04-4A2D-942D-998858638ACD}" dt="2025-02-27T18:10:06.068" v="162" actId="1076"/>
-          <ac:spMkLst>
-            <pc:docMk/>
-            <pc:sldMk cId="2796565901" sldId="259"/>
-            <ac:spMk id="1137" creationId="{9E95CCF5-B777-447F-1B35-976A6677D0A1}"/>
-          </ac:spMkLst>
-        </pc:spChg>
-        <pc:spChg chg="add mod">
-          <ac:chgData name="Jay Graham" userId="95e8df3011c311b3" providerId="LiveId" clId="{C311B95F-7D04-4A2D-942D-998858638ACD}" dt="2025-02-27T18:10:06.068" v="162" actId="1076"/>
-          <ac:spMkLst>
-            <pc:docMk/>
-            <pc:sldMk cId="2796565901" sldId="259"/>
-            <ac:spMk id="1138" creationId="{02914594-83E9-DEF8-F95B-4CF500CE62E0}"/>
-          </ac:spMkLst>
-        </pc:spChg>
-        <pc:spChg chg="add mod">
-          <ac:chgData name="Jay Graham" userId="95e8df3011c311b3" providerId="LiveId" clId="{C311B95F-7D04-4A2D-942D-998858638ACD}" dt="2025-02-27T18:12:54.950" v="176" actId="1076"/>
-          <ac:spMkLst>
-            <pc:docMk/>
-            <pc:sldMk cId="2796565901" sldId="259"/>
-            <ac:spMk id="1139" creationId="{084119B6-8346-C4D4-CE47-246D0601CF30}"/>
-          </ac:spMkLst>
-        </pc:spChg>
-        <pc:spChg chg="mod">
-          <ac:chgData name="Jay Graham" userId="95e8df3011c311b3" providerId="LiveId" clId="{C311B95F-7D04-4A2D-942D-998858638ACD}" dt="2025-02-27T18:12:54.950" v="176" actId="1076"/>
-          <ac:spMkLst>
-            <pc:docMk/>
-            <pc:sldMk cId="2796565901" sldId="259"/>
-            <ac:spMk id="1140" creationId="{754540F4-6FCA-7A70-BFB8-1F1A50131D63}"/>
-          </ac:spMkLst>
-        </pc:spChg>
-        <pc:spChg chg="mod">
-          <ac:chgData name="Jay Graham" userId="95e8df3011c311b3" providerId="LiveId" clId="{C311B95F-7D04-4A2D-942D-998858638ACD}" dt="2025-02-27T18:12:54.950" v="176" actId="1076"/>
-          <ac:spMkLst>
-            <pc:docMk/>
-            <pc:sldMk cId="2796565901" sldId="259"/>
-            <ac:spMk id="1141" creationId="{00E86744-60E8-82A1-2114-1B66270EAF95}"/>
-          </ac:spMkLst>
-        </pc:spChg>
-        <pc:spChg chg="add mod">
-          <ac:chgData name="Jay Graham" userId="95e8df3011c311b3" providerId="LiveId" clId="{C311B95F-7D04-4A2D-942D-998858638ACD}" dt="2025-02-27T18:12:54.950" v="176" actId="1076"/>
-          <ac:spMkLst>
-            <pc:docMk/>
-            <pc:sldMk cId="2796565901" sldId="259"/>
-            <ac:spMk id="1143" creationId="{E19AB4C0-CF48-4E84-A610-B859242369F7}"/>
-          </ac:spMkLst>
-        </pc:spChg>
-        <pc:spChg chg="add mod">
-          <ac:chgData name="Jay Graham" userId="95e8df3011c311b3" providerId="LiveId" clId="{C311B95F-7D04-4A2D-942D-998858638ACD}" dt="2025-02-27T18:10:06.068" v="162" actId="1076"/>
-          <ac:spMkLst>
-            <pc:docMk/>
-            <pc:sldMk cId="2796565901" sldId="259"/>
-            <ac:spMk id="1145" creationId="{5A199558-1F81-ED2D-17E3-925F88DCFBE9}"/>
-          </ac:spMkLst>
-        </pc:spChg>
-        <pc:spChg chg="add mod">
-          <ac:chgData name="Jay Graham" userId="95e8df3011c311b3" providerId="LiveId" clId="{C311B95F-7D04-4A2D-942D-998858638ACD}" dt="2025-02-27T18:10:06.068" v="162" actId="1076"/>
-          <ac:spMkLst>
-            <pc:docMk/>
-            <pc:sldMk cId="2796565901" sldId="259"/>
-            <ac:spMk id="1147" creationId="{F1B11480-5F76-8246-BBE9-D9E50A5F72C7}"/>
-          </ac:spMkLst>
-        </pc:spChg>
-        <pc:spChg chg="add mod">
-          <ac:chgData name="Jay Graham" userId="95e8df3011c311b3" providerId="LiveId" clId="{C311B95F-7D04-4A2D-942D-998858638ACD}" dt="2025-02-27T18:10:06.068" v="162" actId="1076"/>
-          <ac:spMkLst>
-            <pc:docMk/>
-            <pc:sldMk cId="2796565901" sldId="259"/>
-            <ac:spMk id="1148" creationId="{995EAA5A-44A4-63F0-9861-35029BBC1FA0}"/>
-          </ac:spMkLst>
-        </pc:spChg>
-        <pc:spChg chg="add mod">
-          <ac:chgData name="Jay Graham" userId="95e8df3011c311b3" providerId="LiveId" clId="{C311B95F-7D04-4A2D-942D-998858638ACD}" dt="2025-02-27T18:10:06.068" v="162" actId="1076"/>
-          <ac:spMkLst>
-            <pc:docMk/>
-            <pc:sldMk cId="2796565901" sldId="259"/>
-            <ac:spMk id="1151" creationId="{96061CB3-7100-338F-1357-60B22E5185B3}"/>
-          </ac:spMkLst>
-        </pc:spChg>
-        <pc:spChg chg="add mod">
-          <ac:chgData name="Jay Graham" userId="95e8df3011c311b3" providerId="LiveId" clId="{C311B95F-7D04-4A2D-942D-998858638ACD}" dt="2025-02-27T18:10:06.068" v="162" actId="1076"/>
-          <ac:spMkLst>
-            <pc:docMk/>
-            <pc:sldMk cId="2796565901" sldId="259"/>
-            <ac:spMk id="1152" creationId="{420F65C6-18E3-0279-72E4-B0D3B5D3F960}"/>
-          </ac:spMkLst>
-        </pc:spChg>
-        <pc:spChg chg="add mod">
-          <ac:chgData name="Jay Graham" userId="95e8df3011c311b3" providerId="LiveId" clId="{C311B95F-7D04-4A2D-942D-998858638ACD}" dt="2025-02-27T18:10:06.068" v="162" actId="1076"/>
-          <ac:spMkLst>
-            <pc:docMk/>
-            <pc:sldMk cId="2796565901" sldId="259"/>
-            <ac:spMk id="1153" creationId="{D102DAC6-E741-6E45-48C3-69304D097927}"/>
-          </ac:spMkLst>
-        </pc:spChg>
-        <pc:spChg chg="add mod">
-          <ac:chgData name="Jay Graham" userId="95e8df3011c311b3" providerId="LiveId" clId="{C311B95F-7D04-4A2D-942D-998858638ACD}" dt="2025-02-27T18:12:23.331" v="172" actId="14100"/>
-          <ac:spMkLst>
-            <pc:docMk/>
-            <pc:sldMk cId="2796565901" sldId="259"/>
-            <ac:spMk id="1182" creationId="{83749F3E-535A-13EC-E8DB-C02C27E2F731}"/>
-          </ac:spMkLst>
-        </pc:spChg>
-        <pc:spChg chg="add mod">
-          <ac:chgData name="Jay Graham" userId="95e8df3011c311b3" providerId="LiveId" clId="{C311B95F-7D04-4A2D-942D-998858638ACD}" dt="2025-02-27T18:10:45.666" v="167" actId="1076"/>
-          <ac:spMkLst>
-            <pc:docMk/>
-            <pc:sldMk cId="2796565901" sldId="259"/>
-            <ac:spMk id="1183" creationId="{59A0E04D-A36C-5DBA-194A-78BBE6134638}"/>
-          </ac:spMkLst>
-        </pc:spChg>
-        <pc:spChg chg="add mod">
-          <ac:chgData name="Jay Graham" userId="95e8df3011c311b3" providerId="LiveId" clId="{C311B95F-7D04-4A2D-942D-998858638ACD}" dt="2025-02-27T18:12:25.843" v="173" actId="14100"/>
-          <ac:spMkLst>
-            <pc:docMk/>
-            <pc:sldMk cId="2796565901" sldId="259"/>
-            <ac:spMk id="1184" creationId="{118A3800-5F85-4404-AE3F-99177A878712}"/>
-          </ac:spMkLst>
-        </pc:spChg>
-        <pc:spChg chg="add mod">
-          <ac:chgData name="Jay Graham" userId="95e8df3011c311b3" providerId="LiveId" clId="{C311B95F-7D04-4A2D-942D-998858638ACD}" dt="2025-02-27T18:11:07.134" v="171" actId="1076"/>
-          <ac:spMkLst>
-            <pc:docMk/>
-            <pc:sldMk cId="2796565901" sldId="259"/>
-            <ac:spMk id="1216" creationId="{2B6E8B0F-50F5-0530-F154-5C1A84F24F3A}"/>
-          </ac:spMkLst>
-        </pc:spChg>
-        <pc:picChg chg="add mod">
-          <ac:chgData name="Jay Graham" userId="95e8df3011c311b3" providerId="LiveId" clId="{C311B95F-7D04-4A2D-942D-998858638ACD}" dt="2025-02-27T18:10:45.666" v="167" actId="1076"/>
-          <ac:picMkLst>
-            <pc:docMk/>
-            <pc:sldMk cId="2796565901" sldId="259"/>
-            <ac:picMk id="1164" creationId="{BFDFE471-8AC8-0B6A-560F-33152BA47D89}"/>
-          </ac:picMkLst>
-        </pc:picChg>
-        <pc:picChg chg="add mod">
-          <ac:chgData name="Jay Graham" userId="95e8df3011c311b3" providerId="LiveId" clId="{C311B95F-7D04-4A2D-942D-998858638ACD}" dt="2025-02-27T18:10:45.666" v="167" actId="1076"/>
-          <ac:picMkLst>
-            <pc:docMk/>
-            <pc:sldMk cId="2796565901" sldId="259"/>
-            <ac:picMk id="1168" creationId="{E1F41A52-ABF7-19E3-27BE-F73DE47DE09A}"/>
-          </ac:picMkLst>
-        </pc:picChg>
-        <pc:picChg chg="add mod">
-          <ac:chgData name="Jay Graham" userId="95e8df3011c311b3" providerId="LiveId" clId="{C311B95F-7D04-4A2D-942D-998858638ACD}" dt="2025-02-27T18:10:45.666" v="167" actId="1076"/>
-          <ac:picMkLst>
-            <pc:docMk/>
-            <pc:sldMk cId="2796565901" sldId="259"/>
-            <ac:picMk id="1169" creationId="{53E6A149-C50D-0CB3-CA4B-38A7AADD6069}"/>
-          </ac:picMkLst>
-        </pc:picChg>
-        <pc:picChg chg="add mod">
-          <ac:chgData name="Jay Graham" userId="95e8df3011c311b3" providerId="LiveId" clId="{C311B95F-7D04-4A2D-942D-998858638ACD}" dt="2025-02-27T18:10:45.666" v="167" actId="1076"/>
-          <ac:picMkLst>
-            <pc:docMk/>
-            <pc:sldMk cId="2796565901" sldId="259"/>
-            <ac:picMk id="1170" creationId="{A0934607-8151-06A0-0D5D-911D208AB1EE}"/>
-          </ac:picMkLst>
-        </pc:picChg>
-        <pc:picChg chg="add mod">
-          <ac:chgData name="Jay Graham" userId="95e8df3011c311b3" providerId="LiveId" clId="{C311B95F-7D04-4A2D-942D-998858638ACD}" dt="2025-02-27T18:10:45.666" v="167" actId="1076"/>
-          <ac:picMkLst>
-            <pc:docMk/>
-            <pc:sldMk cId="2796565901" sldId="259"/>
-            <ac:picMk id="1171" creationId="{613E18EE-B288-0C01-AA16-3EFEAFF78B14}"/>
-          </ac:picMkLst>
-        </pc:picChg>
-        <pc:picChg chg="add mod">
-          <ac:chgData name="Jay Graham" userId="95e8df3011c311b3" providerId="LiveId" clId="{C311B95F-7D04-4A2D-942D-998858638ACD}" dt="2025-02-27T18:10:45.666" v="167" actId="1076"/>
-          <ac:picMkLst>
-            <pc:docMk/>
-            <pc:sldMk cId="2796565901" sldId="259"/>
-            <ac:picMk id="1172" creationId="{26F9925E-819A-5477-BFE2-EC07F6EEB9A7}"/>
-          </ac:picMkLst>
-        </pc:picChg>
-        <pc:picChg chg="add mod">
-          <ac:chgData name="Jay Graham" userId="95e8df3011c311b3" providerId="LiveId" clId="{C311B95F-7D04-4A2D-942D-998858638ACD}" dt="2025-02-27T18:10:45.666" v="167" actId="1076"/>
-          <ac:picMkLst>
-            <pc:docMk/>
-            <pc:sldMk cId="2796565901" sldId="259"/>
-            <ac:picMk id="1174" creationId="{512116D7-1555-7128-3CA4-0DE9B0E88464}"/>
-          </ac:picMkLst>
-        </pc:picChg>
-        <pc:cxnChg chg="mod">
-          <ac:chgData name="Jay Graham" userId="95e8df3011c311b3" providerId="LiveId" clId="{C311B95F-7D04-4A2D-942D-998858638ACD}" dt="2025-02-27T18:05:52.922" v="80" actId="14100"/>
-          <ac:cxnSpMkLst>
-            <pc:docMk/>
-            <pc:sldMk cId="2796565901" sldId="259"/>
-            <ac:cxnSpMk id="1064" creationId="{8D63A17E-E028-4D67-1286-2D2CD3B4B7BC}"/>
-          </ac:cxnSpMkLst>
-        </pc:cxnChg>
-        <pc:cxnChg chg="mod">
-          <ac:chgData name="Jay Graham" userId="95e8df3011c311b3" providerId="LiveId" clId="{C311B95F-7D04-4A2D-942D-998858638ACD}" dt="2025-02-27T18:05:55.591" v="81" actId="14100"/>
-          <ac:cxnSpMkLst>
-            <pc:docMk/>
-            <pc:sldMk cId="2796565901" sldId="259"/>
-            <ac:cxnSpMk id="1065" creationId="{E7EA8B3E-FFE1-0750-0A8A-0600F7BCA03E}"/>
-          </ac:cxnSpMkLst>
-        </pc:cxnChg>
-        <pc:cxnChg chg="mod">
-          <ac:chgData name="Jay Graham" userId="95e8df3011c311b3" providerId="LiveId" clId="{C311B95F-7D04-4A2D-942D-998858638ACD}" dt="2025-02-27T18:05:58.902" v="82" actId="14100"/>
-          <ac:cxnSpMkLst>
-            <pc:docMk/>
-            <pc:sldMk cId="2796565901" sldId="259"/>
-            <ac:cxnSpMk id="1068" creationId="{2EE9C782-DA39-1B2F-CD6C-B7F79242AAD3}"/>
-          </ac:cxnSpMkLst>
-        </pc:cxnChg>
-        <pc:cxnChg chg="mod">
-          <ac:chgData name="Jay Graham" userId="95e8df3011c311b3" providerId="LiveId" clId="{C311B95F-7D04-4A2D-942D-998858638ACD}" dt="2025-02-27T18:06:01.489" v="83" actId="14100"/>
-          <ac:cxnSpMkLst>
-            <pc:docMk/>
-            <pc:sldMk cId="2796565901" sldId="259"/>
-            <ac:cxnSpMk id="1069" creationId="{CF877A9B-25F8-4ED8-51C1-D320E8C0D4C7}"/>
-          </ac:cxnSpMkLst>
-        </pc:cxnChg>
-        <pc:cxnChg chg="mod">
-          <ac:chgData name="Jay Graham" userId="95e8df3011c311b3" providerId="LiveId" clId="{C311B95F-7D04-4A2D-942D-998858638ACD}" dt="2025-02-27T18:05:44.740" v="77" actId="14100"/>
-          <ac:cxnSpMkLst>
-            <pc:docMk/>
-            <pc:sldMk cId="2796565901" sldId="259"/>
-            <ac:cxnSpMk id="1070" creationId="{3DB0F151-5E06-066C-8C98-D4F84F9F4215}"/>
-          </ac:cxnSpMkLst>
-        </pc:cxnChg>
-        <pc:cxnChg chg="mod">
-          <ac:chgData name="Jay Graham" userId="95e8df3011c311b3" providerId="LiveId" clId="{C311B95F-7D04-4A2D-942D-998858638ACD}" dt="2025-02-27T18:05:47.245" v="78" actId="14100"/>
-          <ac:cxnSpMkLst>
-            <pc:docMk/>
-            <pc:sldMk cId="2796565901" sldId="259"/>
-            <ac:cxnSpMk id="1071" creationId="{9D83A6DC-6D84-1EE3-902B-B18693BD33BD}"/>
-          </ac:cxnSpMkLst>
-        </pc:cxnChg>
-        <pc:cxnChg chg="mod">
-          <ac:chgData name="Jay Graham" userId="95e8df3011c311b3" providerId="LiveId" clId="{C311B95F-7D04-4A2D-942D-998858638ACD}" dt="2025-02-27T18:05:49.721" v="79" actId="14100"/>
-          <ac:cxnSpMkLst>
-            <pc:docMk/>
-            <pc:sldMk cId="2796565901" sldId="259"/>
-            <ac:cxnSpMk id="1072" creationId="{EDB0B42B-B2E9-C7D4-F19E-15DB0C7189E6}"/>
-          </ac:cxnSpMkLst>
-        </pc:cxnChg>
-        <pc:cxnChg chg="mod">
-          <ac:chgData name="Jay Graham" userId="95e8df3011c311b3" providerId="LiveId" clId="{C311B95F-7D04-4A2D-942D-998858638ACD}" dt="2025-02-27T18:06:13.613" v="85" actId="14100"/>
-          <ac:cxnSpMkLst>
-            <pc:docMk/>
-            <pc:sldMk cId="2796565901" sldId="259"/>
-            <ac:cxnSpMk id="1073" creationId="{2D4D39CE-CCF9-CDF8-6AA3-ADEB91C666E5}"/>
-          </ac:cxnSpMkLst>
-        </pc:cxnChg>
-        <pc:cxnChg chg="mod">
-          <ac:chgData name="Jay Graham" userId="95e8df3011c311b3" providerId="LiveId" clId="{C311B95F-7D04-4A2D-942D-998858638ACD}" dt="2025-02-27T18:12:39.555" v="175" actId="14100"/>
-          <ac:cxnSpMkLst>
-            <pc:docMk/>
-            <pc:sldMk cId="2796565901" sldId="259"/>
-            <ac:cxnSpMk id="1178" creationId="{3EEF6872-848A-37DF-AD74-76F91FBC18A1}"/>
-          </ac:cxnSpMkLst>
-        </pc:cxnChg>
-        <pc:cxnChg chg="mod">
-          <ac:chgData name="Jay Graham" userId="95e8df3011c311b3" providerId="LiveId" clId="{C311B95F-7D04-4A2D-942D-998858638ACD}" dt="2025-02-27T18:12:33.730" v="174" actId="1076"/>
-          <ac:cxnSpMkLst>
-            <pc:docMk/>
-            <pc:sldMk cId="2796565901" sldId="259"/>
-            <ac:cxnSpMk id="1179" creationId="{060F9AFA-6E65-FEA3-0E55-77D713A40D25}"/>
-          </ac:cxnSpMkLst>
-        </pc:cxnChg>
-        <pc:cxnChg chg="mod">
-          <ac:chgData name="Jay Graham" userId="95e8df3011c311b3" providerId="LiveId" clId="{C311B95F-7D04-4A2D-942D-998858638ACD}" dt="2025-02-27T18:12:33.730" v="174" actId="1076"/>
-          <ac:cxnSpMkLst>
-            <pc:docMk/>
-            <pc:sldMk cId="2796565901" sldId="259"/>
-            <ac:cxnSpMk id="1180" creationId="{F18B5BB4-511C-3DD1-BE88-ED7CE6F8CB01}"/>
-          </ac:cxnSpMkLst>
-        </pc:cxnChg>
-        <pc:cxnChg chg="mod">
-          <ac:chgData name="Jay Graham" userId="95e8df3011c311b3" providerId="LiveId" clId="{C311B95F-7D04-4A2D-942D-998858638ACD}" dt="2025-02-27T18:12:33.730" v="174" actId="1076"/>
-          <ac:cxnSpMkLst>
-            <pc:docMk/>
-            <pc:sldMk cId="2796565901" sldId="259"/>
-            <ac:cxnSpMk id="1181" creationId="{83A20757-C832-E124-B681-7428BAA24685}"/>
-          </ac:cxnSpMkLst>
-        </pc:cxnChg>
       </pc:sldChg>
     </pc:docChg>
   </pc:docChgLst>
@@ -694,70 +870,6 @@
           <pc:docMk/>
           <pc:sldMk cId="2180713410" sldId="260"/>
         </pc:sldMkLst>
-        <pc:spChg chg="add del mod">
-          <ac:chgData name="Jay Graham" userId="95e8df3011c311b3" providerId="LiveId" clId="{933FB402-26FE-417F-B1DC-62CECACD1C6F}" dt="2025-04-01T03:26:05.669" v="90" actId="478"/>
-          <ac:spMkLst>
-            <pc:docMk/>
-            <pc:sldMk cId="2180713410" sldId="260"/>
-            <ac:spMk id="4" creationId="{349CD817-E243-4FE9-8A3A-AE186588117F}"/>
-          </ac:spMkLst>
-        </pc:spChg>
-        <pc:spChg chg="add del mod">
-          <ac:chgData name="Jay Graham" userId="95e8df3011c311b3" providerId="LiveId" clId="{933FB402-26FE-417F-B1DC-62CECACD1C6F}" dt="2025-04-01T03:26:05.669" v="90" actId="478"/>
-          <ac:spMkLst>
-            <pc:docMk/>
-            <pc:sldMk cId="2180713410" sldId="260"/>
-            <ac:spMk id="5" creationId="{CFAF1F9F-9B05-28D0-0E1A-C194058E6720}"/>
-          </ac:spMkLst>
-        </pc:spChg>
-        <pc:spChg chg="add del mod">
-          <ac:chgData name="Jay Graham" userId="95e8df3011c311b3" providerId="LiveId" clId="{933FB402-26FE-417F-B1DC-62CECACD1C6F}" dt="2025-04-01T03:26:05.669" v="90" actId="478"/>
-          <ac:spMkLst>
-            <pc:docMk/>
-            <pc:sldMk cId="2180713410" sldId="260"/>
-            <ac:spMk id="6" creationId="{6E5CFF26-1232-9C2C-0349-E59D1D816E40}"/>
-          </ac:spMkLst>
-        </pc:spChg>
-        <pc:spChg chg="del">
-          <ac:chgData name="Jay Graham" userId="95e8df3011c311b3" providerId="LiveId" clId="{933FB402-26FE-417F-B1DC-62CECACD1C6F}" dt="2025-04-01T03:26:05.669" v="90" actId="478"/>
-          <ac:spMkLst>
-            <pc:docMk/>
-            <pc:sldMk cId="2180713410" sldId="260"/>
-            <ac:spMk id="7" creationId="{24E9466F-D627-2EA1-BA6A-EEE5DD69A181}"/>
-          </ac:spMkLst>
-        </pc:spChg>
-        <pc:spChg chg="del">
-          <ac:chgData name="Jay Graham" userId="95e8df3011c311b3" providerId="LiveId" clId="{933FB402-26FE-417F-B1DC-62CECACD1C6F}" dt="2025-04-01T03:26:05.669" v="90" actId="478"/>
-          <ac:spMkLst>
-            <pc:docMk/>
-            <pc:sldMk cId="2180713410" sldId="260"/>
-            <ac:spMk id="8" creationId="{DEBD94CE-A3FD-5BA3-5BAA-6A19D2525A0F}"/>
-          </ac:spMkLst>
-        </pc:spChg>
-        <pc:spChg chg="add del mod">
-          <ac:chgData name="Jay Graham" userId="95e8df3011c311b3" providerId="LiveId" clId="{933FB402-26FE-417F-B1DC-62CECACD1C6F}" dt="2025-04-01T03:26:05.669" v="90" actId="478"/>
-          <ac:spMkLst>
-            <pc:docMk/>
-            <pc:sldMk cId="2180713410" sldId="260"/>
-            <ac:spMk id="9" creationId="{C47277A3-C58C-2B5F-9D13-1ED0A2174444}"/>
-          </ac:spMkLst>
-        </pc:spChg>
-        <pc:spChg chg="add del mod">
-          <ac:chgData name="Jay Graham" userId="95e8df3011c311b3" providerId="LiveId" clId="{933FB402-26FE-417F-B1DC-62CECACD1C6F}" dt="2025-04-01T03:26:05.669" v="90" actId="478"/>
-          <ac:spMkLst>
-            <pc:docMk/>
-            <pc:sldMk cId="2180713410" sldId="260"/>
-            <ac:spMk id="10" creationId="{93401FC2-CF6D-11B3-164D-1F231689D1B4}"/>
-          </ac:spMkLst>
-        </pc:spChg>
-        <pc:spChg chg="del">
-          <ac:chgData name="Jay Graham" userId="95e8df3011c311b3" providerId="LiveId" clId="{933FB402-26FE-417F-B1DC-62CECACD1C6F}" dt="2025-04-01T03:26:05.669" v="90" actId="478"/>
-          <ac:spMkLst>
-            <pc:docMk/>
-            <pc:sldMk cId="2180713410" sldId="260"/>
-            <ac:spMk id="11" creationId="{3A60B525-F5D3-08E0-DF64-EF0DF1273229}"/>
-          </ac:spMkLst>
-        </pc:spChg>
         <pc:spChg chg="add mod">
           <ac:chgData name="Jay Graham" userId="95e8df3011c311b3" providerId="LiveId" clId="{933FB402-26FE-417F-B1DC-62CECACD1C6F}" dt="2025-04-01T03:35:06.840" v="275" actId="20577"/>
           <ac:spMkLst>
@@ -783,30 +895,6 @@
           </ac:spMkLst>
         </pc:spChg>
         <pc:spChg chg="add mod">
-          <ac:chgData name="Jay Graham" userId="95e8df3011c311b3" providerId="LiveId" clId="{933FB402-26FE-417F-B1DC-62CECACD1C6F}" dt="2025-04-01T03:34:43.764" v="271" actId="20577"/>
-          <ac:spMkLst>
-            <pc:docMk/>
-            <pc:sldMk cId="2180713410" sldId="260"/>
-            <ac:spMk id="16" creationId="{6B08A227-12BC-5700-33EE-6532F9D0DCFB}"/>
-          </ac:spMkLst>
-        </pc:spChg>
-        <pc:spChg chg="add mod">
-          <ac:chgData name="Jay Graham" userId="95e8df3011c311b3" providerId="LiveId" clId="{933FB402-26FE-417F-B1DC-62CECACD1C6F}" dt="2025-04-01T03:34:42.018" v="269" actId="20577"/>
-          <ac:spMkLst>
-            <pc:docMk/>
-            <pc:sldMk cId="2180713410" sldId="260"/>
-            <ac:spMk id="17" creationId="{E34AC315-EF30-AEF6-FEEA-6E927AB1E163}"/>
-          </ac:spMkLst>
-        </pc:spChg>
-        <pc:spChg chg="add mod">
-          <ac:chgData name="Jay Graham" userId="95e8df3011c311b3" providerId="LiveId" clId="{933FB402-26FE-417F-B1DC-62CECACD1C6F}" dt="2025-04-01T03:23:03.029" v="38" actId="1076"/>
-          <ac:spMkLst>
-            <pc:docMk/>
-            <pc:sldMk cId="2180713410" sldId="260"/>
-            <ac:spMk id="19" creationId="{78A6F4B5-2C29-F0D0-E828-ABC31BB0ECCA}"/>
-          </ac:spMkLst>
-        </pc:spChg>
-        <pc:spChg chg="add mod">
           <ac:chgData name="Jay Graham" userId="95e8df3011c311b3" providerId="LiveId" clId="{933FB402-26FE-417F-B1DC-62CECACD1C6F}" dt="2025-04-01T03:27:58.409" v="107" actId="1076"/>
           <ac:spMkLst>
             <pc:docMk/>
@@ -823,86 +911,6 @@
           </ac:spMkLst>
         </pc:spChg>
         <pc:spChg chg="add mod">
-          <ac:chgData name="Jay Graham" userId="95e8df3011c311b3" providerId="LiveId" clId="{933FB402-26FE-417F-B1DC-62CECACD1C6F}" dt="2025-04-01T03:23:25.098" v="41" actId="1076"/>
-          <ac:spMkLst>
-            <pc:docMk/>
-            <pc:sldMk cId="2180713410" sldId="260"/>
-            <ac:spMk id="22" creationId="{A96E663A-F58D-00B7-BB10-753716A128E4}"/>
-          </ac:spMkLst>
-        </pc:spChg>
-        <pc:spChg chg="add mod">
-          <ac:chgData name="Jay Graham" userId="95e8df3011c311b3" providerId="LiveId" clId="{933FB402-26FE-417F-B1DC-62CECACD1C6F}" dt="2025-04-01T03:24:06.794" v="75" actId="20577"/>
-          <ac:spMkLst>
-            <pc:docMk/>
-            <pc:sldMk cId="2180713410" sldId="260"/>
-            <ac:spMk id="23" creationId="{7CFF5734-B237-D205-1079-807A1D44AAA6}"/>
-          </ac:spMkLst>
-        </pc:spChg>
-        <pc:spChg chg="add mod">
-          <ac:chgData name="Jay Graham" userId="95e8df3011c311b3" providerId="LiveId" clId="{933FB402-26FE-417F-B1DC-62CECACD1C6F}" dt="2025-04-01T03:24:26.235" v="76"/>
-          <ac:spMkLst>
-            <pc:docMk/>
-            <pc:sldMk cId="2180713410" sldId="260"/>
-            <ac:spMk id="24" creationId="{FAC523A4-79D4-90AF-2A5E-56FA9B836D70}"/>
-          </ac:spMkLst>
-        </pc:spChg>
-        <pc:spChg chg="add mod">
-          <ac:chgData name="Jay Graham" userId="95e8df3011c311b3" providerId="LiveId" clId="{933FB402-26FE-417F-B1DC-62CECACD1C6F}" dt="2025-04-01T03:24:26.235" v="76"/>
-          <ac:spMkLst>
-            <pc:docMk/>
-            <pc:sldMk cId="2180713410" sldId="260"/>
-            <ac:spMk id="25" creationId="{2F890D52-1295-E952-8F49-E69EA1B96299}"/>
-          </ac:spMkLst>
-        </pc:spChg>
-        <pc:spChg chg="add mod">
-          <ac:chgData name="Jay Graham" userId="95e8df3011c311b3" providerId="LiveId" clId="{933FB402-26FE-417F-B1DC-62CECACD1C6F}" dt="2025-04-01T03:24:31.487" v="78" actId="1076"/>
-          <ac:spMkLst>
-            <pc:docMk/>
-            <pc:sldMk cId="2180713410" sldId="260"/>
-            <ac:spMk id="26" creationId="{8EAF6289-74E9-0E48-4EA2-A7E92F897285}"/>
-          </ac:spMkLst>
-        </pc:spChg>
-        <pc:spChg chg="add mod">
-          <ac:chgData name="Jay Graham" userId="95e8df3011c311b3" providerId="LiveId" clId="{933FB402-26FE-417F-B1DC-62CECACD1C6F}" dt="2025-04-01T03:24:26.235" v="76"/>
-          <ac:spMkLst>
-            <pc:docMk/>
-            <pc:sldMk cId="2180713410" sldId="260"/>
-            <ac:spMk id="27" creationId="{A7013B19-E1D2-B02D-17A8-BB1B2DD60B6C}"/>
-          </ac:spMkLst>
-        </pc:spChg>
-        <pc:spChg chg="add mod">
-          <ac:chgData name="Jay Graham" userId="95e8df3011c311b3" providerId="LiveId" clId="{933FB402-26FE-417F-B1DC-62CECACD1C6F}" dt="2025-04-01T03:30:29.587" v="186" actId="20577"/>
-          <ac:spMkLst>
-            <pc:docMk/>
-            <pc:sldMk cId="2180713410" sldId="260"/>
-            <ac:spMk id="28" creationId="{52467834-CE66-60F1-4B45-0EC8E8EF15F6}"/>
-          </ac:spMkLst>
-        </pc:spChg>
-        <pc:spChg chg="add mod">
-          <ac:chgData name="Jay Graham" userId="95e8df3011c311b3" providerId="LiveId" clId="{933FB402-26FE-417F-B1DC-62CECACD1C6F}" dt="2025-04-01T03:30:31.961" v="193" actId="20577"/>
-          <ac:spMkLst>
-            <pc:docMk/>
-            <pc:sldMk cId="2180713410" sldId="260"/>
-            <ac:spMk id="29" creationId="{0095A673-37E0-07B7-CE29-7EAD4DC5D7FA}"/>
-          </ac:spMkLst>
-        </pc:spChg>
-        <pc:spChg chg="add mod">
-          <ac:chgData name="Jay Graham" userId="95e8df3011c311b3" providerId="LiveId" clId="{933FB402-26FE-417F-B1DC-62CECACD1C6F}" dt="2025-04-01T03:24:43.383" v="80" actId="1076"/>
-          <ac:spMkLst>
-            <pc:docMk/>
-            <pc:sldMk cId="2180713410" sldId="260"/>
-            <ac:spMk id="30" creationId="{177AEBDD-ECD9-E40A-C886-089B09EAEDFA}"/>
-          </ac:spMkLst>
-        </pc:spChg>
-        <pc:spChg chg="add mod">
-          <ac:chgData name="Jay Graham" userId="95e8df3011c311b3" providerId="LiveId" clId="{933FB402-26FE-417F-B1DC-62CECACD1C6F}" dt="2025-04-01T03:24:43.383" v="80" actId="1076"/>
-          <ac:spMkLst>
-            <pc:docMk/>
-            <pc:sldMk cId="2180713410" sldId="260"/>
-            <ac:spMk id="31" creationId="{C6003DBE-8A89-9A43-AB38-1A803F016303}"/>
-          </ac:spMkLst>
-        </pc:spChg>
-        <pc:spChg chg="add mod">
           <ac:chgData name="Jay Graham" userId="95e8df3011c311b3" providerId="LiveId" clId="{933FB402-26FE-417F-B1DC-62CECACD1C6F}" dt="2025-04-01T03:30:34.817" v="200" actId="20577"/>
           <ac:spMkLst>
             <pc:docMk/>
@@ -934,14 +942,6 @@
             <ac:spMk id="35" creationId="{36943EC5-F7CF-7129-DF3F-14F060641592}"/>
           </ac:spMkLst>
         </pc:spChg>
-        <pc:spChg chg="add del mod">
-          <ac:chgData name="Jay Graham" userId="95e8df3011c311b3" providerId="LiveId" clId="{933FB402-26FE-417F-B1DC-62CECACD1C6F}" dt="2025-04-01T03:25:30.642" v="85" actId="478"/>
-          <ac:spMkLst>
-            <pc:docMk/>
-            <pc:sldMk cId="2180713410" sldId="260"/>
-            <ac:spMk id="36" creationId="{8A5FE1F3-D047-F3AC-2DD1-CB72726F8137}"/>
-          </ac:spMkLst>
-        </pc:spChg>
         <pc:spChg chg="add mod">
           <ac:chgData name="Jay Graham" userId="95e8df3011c311b3" providerId="LiveId" clId="{933FB402-26FE-417F-B1DC-62CECACD1C6F}" dt="2025-04-01T03:27:48.478" v="103" actId="207"/>
           <ac:spMkLst>
@@ -951,59 +951,11 @@
           </ac:spMkLst>
         </pc:spChg>
         <pc:spChg chg="add mod">
-          <ac:chgData name="Jay Graham" userId="95e8df3011c311b3" providerId="LiveId" clId="{933FB402-26FE-417F-B1DC-62CECACD1C6F}" dt="2025-04-01T03:27:51.632" v="104" actId="207"/>
-          <ac:spMkLst>
-            <pc:docMk/>
-            <pc:sldMk cId="2180713410" sldId="260"/>
-            <ac:spMk id="38" creationId="{1041A753-9636-E27E-539F-FC787D3E8DCF}"/>
-          </ac:spMkLst>
-        </pc:spChg>
-        <pc:spChg chg="add mod">
-          <ac:chgData name="Jay Graham" userId="95e8df3011c311b3" providerId="LiveId" clId="{933FB402-26FE-417F-B1DC-62CECACD1C6F}" dt="2025-04-01T03:26:10.670" v="91"/>
-          <ac:spMkLst>
-            <pc:docMk/>
-            <pc:sldMk cId="2180713410" sldId="260"/>
-            <ac:spMk id="39" creationId="{A0E2C9C5-B402-760E-71CA-FE21ACE11255}"/>
-          </ac:spMkLst>
-        </pc:spChg>
-        <pc:spChg chg="add mod">
-          <ac:chgData name="Jay Graham" userId="95e8df3011c311b3" providerId="LiveId" clId="{933FB402-26FE-417F-B1DC-62CECACD1C6F}" dt="2025-04-01T03:26:10.670" v="91"/>
-          <ac:spMkLst>
-            <pc:docMk/>
-            <pc:sldMk cId="2180713410" sldId="260"/>
-            <ac:spMk id="40" creationId="{555C027E-09E9-DAC6-1EF7-9037BF0EA461}"/>
-          </ac:spMkLst>
-        </pc:spChg>
-        <pc:spChg chg="add mod">
-          <ac:chgData name="Jay Graham" userId="95e8df3011c311b3" providerId="LiveId" clId="{933FB402-26FE-417F-B1DC-62CECACD1C6F}" dt="2025-04-01T03:26:10.670" v="91"/>
-          <ac:spMkLst>
-            <pc:docMk/>
-            <pc:sldMk cId="2180713410" sldId="260"/>
-            <ac:spMk id="41" creationId="{50CF4329-8D30-86F1-B080-A912FF3D97D0}"/>
-          </ac:spMkLst>
-        </pc:spChg>
-        <pc:spChg chg="add mod">
-          <ac:chgData name="Jay Graham" userId="95e8df3011c311b3" providerId="LiveId" clId="{933FB402-26FE-417F-B1DC-62CECACD1C6F}" dt="2025-04-01T03:26:10.670" v="91"/>
-          <ac:spMkLst>
-            <pc:docMk/>
-            <pc:sldMk cId="2180713410" sldId="260"/>
-            <ac:spMk id="42" creationId="{5D0C0045-85B4-331D-D54C-C792F79D9D5A}"/>
-          </ac:spMkLst>
-        </pc:spChg>
-        <pc:spChg chg="add mod">
           <ac:chgData name="Jay Graham" userId="95e8df3011c311b3" providerId="LiveId" clId="{933FB402-26FE-417F-B1DC-62CECACD1C6F}" dt="2025-04-01T03:34:00.260" v="263" actId="20577"/>
           <ac:spMkLst>
             <pc:docMk/>
             <pc:sldMk cId="2180713410" sldId="260"/>
             <ac:spMk id="43" creationId="{453060FA-DAC6-542D-35BC-87DA520BA8EF}"/>
-          </ac:spMkLst>
-        </pc:spChg>
-        <pc:spChg chg="add del mod">
-          <ac:chgData name="Jay Graham" userId="95e8df3011c311b3" providerId="LiveId" clId="{933FB402-26FE-417F-B1DC-62CECACD1C6F}" dt="2025-04-01T03:33:45.192" v="254" actId="478"/>
-          <ac:spMkLst>
-            <pc:docMk/>
-            <pc:sldMk cId="2180713410" sldId="260"/>
-            <ac:spMk id="44" creationId="{487CD56C-1B8D-433D-C2C0-5701C8787957}"/>
           </ac:spMkLst>
         </pc:spChg>
         <pc:spChg chg="add mod">
@@ -1030,158 +982,6 @@
             <ac:spMk id="47" creationId="{9BCCD4CD-3D4E-A191-20D0-A776E4976237}"/>
           </ac:spMkLst>
         </pc:spChg>
-        <pc:spChg chg="add del mod">
-          <ac:chgData name="Jay Graham" userId="95e8df3011c311b3" providerId="LiveId" clId="{933FB402-26FE-417F-B1DC-62CECACD1C6F}" dt="2025-04-01T03:29:21.647" v="170" actId="478"/>
-          <ac:spMkLst>
-            <pc:docMk/>
-            <pc:sldMk cId="2180713410" sldId="260"/>
-            <ac:spMk id="48" creationId="{FE2078C7-7A42-6148-6E6B-686204FAB307}"/>
-          </ac:spMkLst>
-        </pc:spChg>
-        <pc:spChg chg="add mod">
-          <ac:chgData name="Jay Graham" userId="95e8df3011c311b3" providerId="LiveId" clId="{933FB402-26FE-417F-B1DC-62CECACD1C6F}" dt="2025-04-01T03:26:57.720" v="95" actId="1076"/>
-          <ac:spMkLst>
-            <pc:docMk/>
-            <pc:sldMk cId="2180713410" sldId="260"/>
-            <ac:spMk id="49" creationId="{91D46238-4BF3-E97F-1CB6-A1166EA1767C}"/>
-          </ac:spMkLst>
-        </pc:spChg>
-        <pc:spChg chg="add mod">
-          <ac:chgData name="Jay Graham" userId="95e8df3011c311b3" providerId="LiveId" clId="{933FB402-26FE-417F-B1DC-62CECACD1C6F}" dt="2025-04-01T03:26:57.720" v="95" actId="1076"/>
-          <ac:spMkLst>
-            <pc:docMk/>
-            <pc:sldMk cId="2180713410" sldId="260"/>
-            <ac:spMk id="50" creationId="{7D83430A-9A93-F958-2167-EC024B746718}"/>
-          </ac:spMkLst>
-        </pc:spChg>
-        <pc:spChg chg="add mod">
-          <ac:chgData name="Jay Graham" userId="95e8df3011c311b3" providerId="LiveId" clId="{933FB402-26FE-417F-B1DC-62CECACD1C6F}" dt="2025-04-01T03:27:19.369" v="100" actId="1076"/>
-          <ac:spMkLst>
-            <pc:docMk/>
-            <pc:sldMk cId="2180713410" sldId="260"/>
-            <ac:spMk id="51" creationId="{BD230633-3582-D733-3C19-FD4B2F0EB864}"/>
-          </ac:spMkLst>
-        </pc:spChg>
-        <pc:spChg chg="add mod">
-          <ac:chgData name="Jay Graham" userId="95e8df3011c311b3" providerId="LiveId" clId="{933FB402-26FE-417F-B1DC-62CECACD1C6F}" dt="2025-04-01T03:27:19.369" v="100" actId="1076"/>
-          <ac:spMkLst>
-            <pc:docMk/>
-            <pc:sldMk cId="2180713410" sldId="260"/>
-            <ac:spMk id="52" creationId="{C981B3D3-9FAF-2D47-64CE-5BDE99377085}"/>
-          </ac:spMkLst>
-        </pc:spChg>
-        <pc:spChg chg="add mod">
-          <ac:chgData name="Jay Graham" userId="95e8df3011c311b3" providerId="LiveId" clId="{933FB402-26FE-417F-B1DC-62CECACD1C6F}" dt="2025-04-01T03:27:19.369" v="100" actId="1076"/>
-          <ac:spMkLst>
-            <pc:docMk/>
-            <pc:sldMk cId="2180713410" sldId="260"/>
-            <ac:spMk id="53" creationId="{547191FC-E6AF-D758-06A5-7AB176B6ED9C}"/>
-          </ac:spMkLst>
-        </pc:spChg>
-        <pc:spChg chg="add mod">
-          <ac:chgData name="Jay Graham" userId="95e8df3011c311b3" providerId="LiveId" clId="{933FB402-26FE-417F-B1DC-62CECACD1C6F}" dt="2025-04-01T03:27:19.369" v="100" actId="1076"/>
-          <ac:spMkLst>
-            <pc:docMk/>
-            <pc:sldMk cId="2180713410" sldId="260"/>
-            <ac:spMk id="54" creationId="{DE689C2C-C3BF-DE95-36E6-AB0DC81AE70C}"/>
-          </ac:spMkLst>
-        </pc:spChg>
-        <pc:spChg chg="add mod">
-          <ac:chgData name="Jay Graham" userId="95e8df3011c311b3" providerId="LiveId" clId="{933FB402-26FE-417F-B1DC-62CECACD1C6F}" dt="2025-04-01T03:27:19.369" v="100" actId="1076"/>
-          <ac:spMkLst>
-            <pc:docMk/>
-            <pc:sldMk cId="2180713410" sldId="260"/>
-            <ac:spMk id="55" creationId="{624BF51E-EC7A-5978-A203-AC6ABAE6F5E0}"/>
-          </ac:spMkLst>
-        </pc:spChg>
-        <pc:spChg chg="add mod">
-          <ac:chgData name="Jay Graham" userId="95e8df3011c311b3" providerId="LiveId" clId="{933FB402-26FE-417F-B1DC-62CECACD1C6F}" dt="2025-04-01T03:27:19.369" v="100" actId="1076"/>
-          <ac:spMkLst>
-            <pc:docMk/>
-            <pc:sldMk cId="2180713410" sldId="260"/>
-            <ac:spMk id="56" creationId="{58A46C4A-8D04-CDFE-99C5-3F745E03FE31}"/>
-          </ac:spMkLst>
-        </pc:spChg>
-        <pc:spChg chg="add mod">
-          <ac:chgData name="Jay Graham" userId="95e8df3011c311b3" providerId="LiveId" clId="{933FB402-26FE-417F-B1DC-62CECACD1C6F}" dt="2025-04-01T03:27:19.369" v="100" actId="1076"/>
-          <ac:spMkLst>
-            <pc:docMk/>
-            <pc:sldMk cId="2180713410" sldId="260"/>
-            <ac:spMk id="57" creationId="{5A86D6B2-1BFE-A8E0-C54B-CE1D802DC930}"/>
-          </ac:spMkLst>
-        </pc:spChg>
-        <pc:spChg chg="add mod">
-          <ac:chgData name="Jay Graham" userId="95e8df3011c311b3" providerId="LiveId" clId="{933FB402-26FE-417F-B1DC-62CECACD1C6F}" dt="2025-04-01T03:27:19.369" v="100" actId="1076"/>
-          <ac:spMkLst>
-            <pc:docMk/>
-            <pc:sldMk cId="2180713410" sldId="260"/>
-            <ac:spMk id="58" creationId="{356C64D7-A302-4949-9C7C-6DBAE4EA5C0A}"/>
-          </ac:spMkLst>
-        </pc:spChg>
-        <pc:spChg chg="add mod">
-          <ac:chgData name="Jay Graham" userId="95e8df3011c311b3" providerId="LiveId" clId="{933FB402-26FE-417F-B1DC-62CECACD1C6F}" dt="2025-04-01T03:27:18.838" v="99"/>
-          <ac:spMkLst>
-            <pc:docMk/>
-            <pc:sldMk cId="2180713410" sldId="260"/>
-            <ac:spMk id="59" creationId="{DB03AD52-280A-410A-EA67-EF3BB12B94F3}"/>
-          </ac:spMkLst>
-        </pc:spChg>
-        <pc:spChg chg="add mod">
-          <ac:chgData name="Jay Graham" userId="95e8df3011c311b3" providerId="LiveId" clId="{933FB402-26FE-417F-B1DC-62CECACD1C6F}" dt="2025-04-01T03:27:18.838" v="99"/>
-          <ac:spMkLst>
-            <pc:docMk/>
-            <pc:sldMk cId="2180713410" sldId="260"/>
-            <ac:spMk id="60" creationId="{25A66FAF-B464-CD05-BC14-4AE45553129D}"/>
-          </ac:spMkLst>
-        </pc:spChg>
-        <pc:spChg chg="add mod">
-          <ac:chgData name="Jay Graham" userId="95e8df3011c311b3" providerId="LiveId" clId="{933FB402-26FE-417F-B1DC-62CECACD1C6F}" dt="2025-04-01T03:27:18.838" v="99"/>
-          <ac:spMkLst>
-            <pc:docMk/>
-            <pc:sldMk cId="2180713410" sldId="260"/>
-            <ac:spMk id="61" creationId="{4AC0E381-3038-2BCB-D92B-A9333468C7C6}"/>
-          </ac:spMkLst>
-        </pc:spChg>
-        <pc:spChg chg="add mod">
-          <ac:chgData name="Jay Graham" userId="95e8df3011c311b3" providerId="LiveId" clId="{933FB402-26FE-417F-B1DC-62CECACD1C6F}" dt="2025-04-01T03:27:18.838" v="99"/>
-          <ac:spMkLst>
-            <pc:docMk/>
-            <pc:sldMk cId="2180713410" sldId="260"/>
-            <ac:spMk id="62" creationId="{58CF7BB2-4CB8-5141-11E6-4D6A21C1F44B}"/>
-          </ac:spMkLst>
-        </pc:spChg>
-        <pc:spChg chg="add mod">
-          <ac:chgData name="Jay Graham" userId="95e8df3011c311b3" providerId="LiveId" clId="{933FB402-26FE-417F-B1DC-62CECACD1C6F}" dt="2025-04-01T03:27:18.838" v="99"/>
-          <ac:spMkLst>
-            <pc:docMk/>
-            <pc:sldMk cId="2180713410" sldId="260"/>
-            <ac:spMk id="63" creationId="{275D4263-0EC7-6623-6CA8-94E61F4B6C17}"/>
-          </ac:spMkLst>
-        </pc:spChg>
-        <pc:spChg chg="add mod">
-          <ac:chgData name="Jay Graham" userId="95e8df3011c311b3" providerId="LiveId" clId="{933FB402-26FE-417F-B1DC-62CECACD1C6F}" dt="2025-04-01T03:27:18.838" v="99"/>
-          <ac:spMkLst>
-            <pc:docMk/>
-            <pc:sldMk cId="2180713410" sldId="260"/>
-            <ac:spMk id="64" creationId="{6454FA75-CC76-FF87-76B7-21D2FFDFD18D}"/>
-          </ac:spMkLst>
-        </pc:spChg>
-        <pc:spChg chg="add mod">
-          <ac:chgData name="Jay Graham" userId="95e8df3011c311b3" providerId="LiveId" clId="{933FB402-26FE-417F-B1DC-62CECACD1C6F}" dt="2025-04-01T03:27:18.838" v="99"/>
-          <ac:spMkLst>
-            <pc:docMk/>
-            <pc:sldMk cId="2180713410" sldId="260"/>
-            <ac:spMk id="65" creationId="{D8A4490E-ED23-A94C-53CC-EA1CE2BC8702}"/>
-          </ac:spMkLst>
-        </pc:spChg>
-        <pc:spChg chg="add mod">
-          <ac:chgData name="Jay Graham" userId="95e8df3011c311b3" providerId="LiveId" clId="{933FB402-26FE-417F-B1DC-62CECACD1C6F}" dt="2025-04-01T03:27:18.838" v="99"/>
-          <ac:spMkLst>
-            <pc:docMk/>
-            <pc:sldMk cId="2180713410" sldId="260"/>
-            <ac:spMk id="66" creationId="{14C5A753-EB5B-C7A2-17ED-64B6B10DA3E3}"/>
-          </ac:spMkLst>
-        </pc:spChg>
         <pc:spChg chg="add mod">
           <ac:chgData name="Jay Graham" userId="95e8df3011c311b3" providerId="LiveId" clId="{933FB402-26FE-417F-B1DC-62CECACD1C6F}" dt="2025-04-01T03:42:23.220" v="338" actId="20577"/>
           <ac:spMkLst>
@@ -1190,20 +990,12 @@
             <ac:spMk id="67" creationId="{74DC5D96-7AA4-F336-75BD-3CA8DBDD126C}"/>
           </ac:spMkLst>
         </pc:spChg>
-        <pc:spChg chg="add del mod">
-          <ac:chgData name="Jay Graham" userId="95e8df3011c311b3" providerId="LiveId" clId="{933FB402-26FE-417F-B1DC-62CECACD1C6F}" dt="2025-04-01T03:29:24.132" v="171" actId="478"/>
-          <ac:spMkLst>
-            <pc:docMk/>
-            <pc:sldMk cId="2180713410" sldId="260"/>
-            <ac:spMk id="68" creationId="{7410D741-05C9-2046-C711-D2D1096D7473}"/>
-          </ac:spMkLst>
-        </pc:spChg>
         <pc:spChg chg="add mod">
           <ac:chgData name="Jay Graham" userId="95e8df3011c311b3" providerId="LiveId" clId="{933FB402-26FE-417F-B1DC-62CECACD1C6F}" dt="2025-04-01T03:27:37.847" v="102" actId="1076"/>
           <ac:spMkLst>
             <pc:docMk/>
             <pc:sldMk cId="2180713410" sldId="260"/>
-            <ac:spMk id="69" creationId="{AB685BF1-9D98-272F-2A42-873FCC669C8E}"/>
+            <ac:spMk id="73" creationId="{5D461ABE-16C7-72B0-D601-8B65985BF60F}"/>
           </ac:spMkLst>
         </pc:spChg>
         <pc:spChg chg="add mod">
@@ -1211,38 +1003,6 @@
           <ac:spMkLst>
             <pc:docMk/>
             <pc:sldMk cId="2180713410" sldId="260"/>
-            <ac:spMk id="70" creationId="{26529299-6D5D-934C-98E3-A54D00F48439}"/>
-          </ac:spMkLst>
-        </pc:spChg>
-        <pc:spChg chg="add del mod">
-          <ac:chgData name="Jay Graham" userId="95e8df3011c311b3" providerId="LiveId" clId="{933FB402-26FE-417F-B1DC-62CECACD1C6F}" dt="2025-04-01T03:40:03.145" v="314" actId="478"/>
-          <ac:spMkLst>
-            <pc:docMk/>
-            <pc:sldMk cId="2180713410" sldId="260"/>
-            <ac:spMk id="71" creationId="{AB859975-7720-36FD-3CB4-49C542556825}"/>
-          </ac:spMkLst>
-        </pc:spChg>
-        <pc:spChg chg="add del mod">
-          <ac:chgData name="Jay Graham" userId="95e8df3011c311b3" providerId="LiveId" clId="{933FB402-26FE-417F-B1DC-62CECACD1C6F}" dt="2025-04-01T03:33:51.152" v="256" actId="478"/>
-          <ac:spMkLst>
-            <pc:docMk/>
-            <pc:sldMk cId="2180713410" sldId="260"/>
-            <ac:spMk id="72" creationId="{4DC38F8B-26B4-B943-7DAC-DA1AC17FF12A}"/>
-          </ac:spMkLst>
-        </pc:spChg>
-        <pc:spChg chg="add mod">
-          <ac:chgData name="Jay Graham" userId="95e8df3011c311b3" providerId="LiveId" clId="{933FB402-26FE-417F-B1DC-62CECACD1C6F}" dt="2025-04-01T03:27:37.847" v="102" actId="1076"/>
-          <ac:spMkLst>
-            <pc:docMk/>
-            <pc:sldMk cId="2180713410" sldId="260"/>
-            <ac:spMk id="73" creationId="{5D461ABE-16C7-72B0-D601-8B65985BF60F}"/>
-          </ac:spMkLst>
-        </pc:spChg>
-        <pc:spChg chg="add mod">
-          <ac:chgData name="Jay Graham" userId="95e8df3011c311b3" providerId="LiveId" clId="{933FB402-26FE-417F-B1DC-62CECACD1C6F}" dt="2025-04-01T03:27:37.847" v="102" actId="1076"/>
-          <ac:spMkLst>
-            <pc:docMk/>
-            <pc:sldMk cId="2180713410" sldId="260"/>
             <ac:spMk id="74" creationId="{C3897D93-6C1C-6FAE-349A-71DD027D8138}"/>
           </ac:spMkLst>
         </pc:spChg>
@@ -1255,67 +1015,11 @@
           </ac:spMkLst>
         </pc:spChg>
         <pc:spChg chg="add mod">
-          <ac:chgData name="Jay Graham" userId="95e8df3011c311b3" providerId="LiveId" clId="{933FB402-26FE-417F-B1DC-62CECACD1C6F}" dt="2025-04-01T03:28:33.257" v="159" actId="20577"/>
-          <ac:spMkLst>
-            <pc:docMk/>
-            <pc:sldMk cId="2180713410" sldId="260"/>
-            <ac:spMk id="76" creationId="{325408E5-B961-F282-826E-F4AC8213B60B}"/>
-          </ac:spMkLst>
-        </pc:spChg>
-        <pc:spChg chg="add mod">
           <ac:chgData name="Jay Graham" userId="95e8df3011c311b3" providerId="LiveId" clId="{933FB402-26FE-417F-B1DC-62CECACD1C6F}" dt="2025-04-01T03:29:42.796" v="174" actId="1076"/>
           <ac:spMkLst>
             <pc:docMk/>
             <pc:sldMk cId="2180713410" sldId="260"/>
             <ac:spMk id="77" creationId="{F27AF97D-8228-78D8-2477-51418B83C241}"/>
-          </ac:spMkLst>
-        </pc:spChg>
-        <pc:spChg chg="add mod">
-          <ac:chgData name="Jay Graham" userId="95e8df3011c311b3" providerId="LiveId" clId="{933FB402-26FE-417F-B1DC-62CECACD1C6F}" dt="2025-04-01T03:31:14.461" v="214" actId="1076"/>
-          <ac:spMkLst>
-            <pc:docMk/>
-            <pc:sldMk cId="2180713410" sldId="260"/>
-            <ac:spMk id="84" creationId="{BC20E16F-376C-F7C9-CC64-FEBBCD0F5778}"/>
-          </ac:spMkLst>
-        </pc:spChg>
-        <pc:spChg chg="add mod">
-          <ac:chgData name="Jay Graham" userId="95e8df3011c311b3" providerId="LiveId" clId="{933FB402-26FE-417F-B1DC-62CECACD1C6F}" dt="2025-04-01T03:31:15.798" v="215"/>
-          <ac:spMkLst>
-            <pc:docMk/>
-            <pc:sldMk cId="2180713410" sldId="260"/>
-            <ac:spMk id="85" creationId="{2D9C7E58-752B-05D5-85A6-4D95081D274E}"/>
-          </ac:spMkLst>
-        </pc:spChg>
-        <pc:spChg chg="add mod">
-          <ac:chgData name="Jay Graham" userId="95e8df3011c311b3" providerId="LiveId" clId="{933FB402-26FE-417F-B1DC-62CECACD1C6F}" dt="2025-04-01T03:31:36.437" v="218" actId="1076"/>
-          <ac:spMkLst>
-            <pc:docMk/>
-            <pc:sldMk cId="2180713410" sldId="260"/>
-            <ac:spMk id="86" creationId="{22A68DC3-2CC5-7C9C-0AD6-185ADFDD38F2}"/>
-          </ac:spMkLst>
-        </pc:spChg>
-        <pc:spChg chg="add del mod">
-          <ac:chgData name="Jay Graham" userId="95e8df3011c311b3" providerId="LiveId" clId="{933FB402-26FE-417F-B1DC-62CECACD1C6F}" dt="2025-04-01T03:31:40.988" v="221" actId="478"/>
-          <ac:spMkLst>
-            <pc:docMk/>
-            <pc:sldMk cId="2180713410" sldId="260"/>
-            <ac:spMk id="87" creationId="{9D2FFD2B-3876-DED1-FB08-8E95CFC15EC4}"/>
-          </ac:spMkLst>
-        </pc:spChg>
-        <pc:spChg chg="add mod">
-          <ac:chgData name="Jay Graham" userId="95e8df3011c311b3" providerId="LiveId" clId="{933FB402-26FE-417F-B1DC-62CECACD1C6F}" dt="2025-04-01T03:31:52.980" v="223" actId="1076"/>
-          <ac:spMkLst>
-            <pc:docMk/>
-            <pc:sldMk cId="2180713410" sldId="260"/>
-            <ac:spMk id="88" creationId="{198F47A5-7943-AAAC-DDD3-9D27EC15F00D}"/>
-          </ac:spMkLst>
-        </pc:spChg>
-        <pc:spChg chg="add mod">
-          <ac:chgData name="Jay Graham" userId="95e8df3011c311b3" providerId="LiveId" clId="{933FB402-26FE-417F-B1DC-62CECACD1C6F}" dt="2025-04-01T03:31:52.980" v="223" actId="1076"/>
-          <ac:spMkLst>
-            <pc:docMk/>
-            <pc:sldMk cId="2180713410" sldId="260"/>
-            <ac:spMk id="89" creationId="{F9317C0B-BD62-F32D-A0E7-BE06D68E9E7D}"/>
           </ac:spMkLst>
         </pc:spChg>
         <pc:spChg chg="add mod">
@@ -1326,14 +1030,6 @@
             <ac:spMk id="140" creationId="{F72DEF0B-23CD-54B3-BFDB-E3FCE905B5A4}"/>
           </ac:spMkLst>
         </pc:spChg>
-        <pc:picChg chg="add del mod">
-          <ac:chgData name="Jay Graham" userId="95e8df3011c311b3" providerId="LiveId" clId="{933FB402-26FE-417F-B1DC-62CECACD1C6F}" dt="2025-04-01T03:36:34.478" v="290" actId="478"/>
-          <ac:picMkLst>
-            <pc:docMk/>
-            <pc:sldMk cId="2180713410" sldId="260"/>
-            <ac:picMk id="120" creationId="{95A61D98-E007-E9CB-646A-C0A3D518B833}"/>
-          </ac:picMkLst>
-        </pc:picChg>
         <pc:picChg chg="add del mod">
           <ac:chgData name="Jay Graham" userId="95e8df3011c311b3" providerId="LiveId" clId="{933FB402-26FE-417F-B1DC-62CECACD1C6F}" dt="2025-04-01T03:41:04.870" v="329" actId="14100"/>
           <ac:picMkLst>
@@ -1350,22 +1046,6 @@
             <ac:picMk id="122" creationId="{F3EE8DA1-1FE1-D312-6BC8-9975DB3314DE}"/>
           </ac:picMkLst>
         </pc:picChg>
-        <pc:picChg chg="add mod">
-          <ac:chgData name="Jay Graham" userId="95e8df3011c311b3" providerId="LiveId" clId="{933FB402-26FE-417F-B1DC-62CECACD1C6F}" dt="2025-04-01T03:41:16.185" v="331" actId="14100"/>
-          <ac:picMkLst>
-            <pc:docMk/>
-            <pc:sldMk cId="2180713410" sldId="260"/>
-            <ac:picMk id="123" creationId="{EC1C2412-057A-7995-764D-E407371700EC}"/>
-          </ac:picMkLst>
-        </pc:picChg>
-        <pc:picChg chg="add mod">
-          <ac:chgData name="Jay Graham" userId="95e8df3011c311b3" providerId="LiveId" clId="{933FB402-26FE-417F-B1DC-62CECACD1C6F}" dt="2025-04-01T03:41:18.744" v="332" actId="14100"/>
-          <ac:picMkLst>
-            <pc:docMk/>
-            <pc:sldMk cId="2180713410" sldId="260"/>
-            <ac:picMk id="124" creationId="{6797324B-8982-670B-53CB-66979B83C4C2}"/>
-          </ac:picMkLst>
-        </pc:picChg>
         <pc:cxnChg chg="add mod">
           <ac:chgData name="Jay Graham" userId="95e8df3011c311b3" providerId="LiveId" clId="{933FB402-26FE-417F-B1DC-62CECACD1C6F}" dt="2025-04-01T03:30:04.493" v="176" actId="1076"/>
           <ac:cxnSpMkLst>
@@ -1431,46 +1111,6 @@
           </ac:cxnSpMkLst>
         </pc:cxnChg>
         <pc:cxnChg chg="add mod">
-          <ac:chgData name="Jay Graham" userId="95e8df3011c311b3" providerId="LiveId" clId="{933FB402-26FE-417F-B1DC-62CECACD1C6F}" dt="2025-04-01T03:33:24.515" v="251" actId="14100"/>
-          <ac:cxnSpMkLst>
-            <pc:docMk/>
-            <pc:sldMk cId="2180713410" sldId="260"/>
-            <ac:cxnSpMk id="104" creationId="{02618B11-C363-AA83-5E09-DA17DC52E284}"/>
-          </ac:cxnSpMkLst>
-        </pc:cxnChg>
-        <pc:cxnChg chg="add mod">
-          <ac:chgData name="Jay Graham" userId="95e8df3011c311b3" providerId="LiveId" clId="{933FB402-26FE-417F-B1DC-62CECACD1C6F}" dt="2025-04-01T03:33:20.215" v="249" actId="14100"/>
-          <ac:cxnSpMkLst>
-            <pc:docMk/>
-            <pc:sldMk cId="2180713410" sldId="260"/>
-            <ac:cxnSpMk id="105" creationId="{C89A6A36-A4C3-1FA5-6DED-7F87013607BA}"/>
-          </ac:cxnSpMkLst>
-        </pc:cxnChg>
-        <pc:cxnChg chg="add mod">
-          <ac:chgData name="Jay Graham" userId="95e8df3011c311b3" providerId="LiveId" clId="{933FB402-26FE-417F-B1DC-62CECACD1C6F}" dt="2025-04-01T03:33:15.789" v="247" actId="14100"/>
-          <ac:cxnSpMkLst>
-            <pc:docMk/>
-            <pc:sldMk cId="2180713410" sldId="260"/>
-            <ac:cxnSpMk id="106" creationId="{0631F68D-401D-96F7-7836-CDF2E1FB7280}"/>
-          </ac:cxnSpMkLst>
-        </pc:cxnChg>
-        <pc:cxnChg chg="add mod">
-          <ac:chgData name="Jay Graham" userId="95e8df3011c311b3" providerId="LiveId" clId="{933FB402-26FE-417F-B1DC-62CECACD1C6F}" dt="2025-04-01T03:33:11.611" v="245" actId="14100"/>
-          <ac:cxnSpMkLst>
-            <pc:docMk/>
-            <pc:sldMk cId="2180713410" sldId="260"/>
-            <ac:cxnSpMk id="107" creationId="{4D4DB6BC-255A-DBDA-581A-26C9445DEE0D}"/>
-          </ac:cxnSpMkLst>
-        </pc:cxnChg>
-        <pc:cxnChg chg="add del mod">
-          <ac:chgData name="Jay Graham" userId="95e8df3011c311b3" providerId="LiveId" clId="{933FB402-26FE-417F-B1DC-62CECACD1C6F}" dt="2025-04-01T03:33:48.168" v="255" actId="478"/>
-          <ac:cxnSpMkLst>
-            <pc:docMk/>
-            <pc:sldMk cId="2180713410" sldId="260"/>
-            <ac:cxnSpMk id="116" creationId="{BF2B850C-8F99-F2BA-A715-72E60C2DA658}"/>
-          </ac:cxnSpMkLst>
-        </pc:cxnChg>
-        <pc:cxnChg chg="add mod">
           <ac:chgData name="Jay Graham" userId="95e8df3011c311b3" providerId="LiveId" clId="{933FB402-26FE-417F-B1DC-62CECACD1C6F}" dt="2025-04-01T03:40:15.737" v="316" actId="14100"/>
           <ac:cxnSpMkLst>
             <pc:docMk/>
@@ -1500,22 +1140,6 @@
             <pc:docMk/>
             <pc:sldMk cId="2180713410" sldId="260"/>
             <ac:cxnSpMk id="125" creationId="{A8F7A685-42AF-5F66-445F-BAFA5C1D50D3}"/>
-          </ac:cxnSpMkLst>
-        </pc:cxnChg>
-        <pc:cxnChg chg="add mod">
-          <ac:chgData name="Jay Graham" userId="95e8df3011c311b3" providerId="LiveId" clId="{933FB402-26FE-417F-B1DC-62CECACD1C6F}" dt="2025-04-01T03:37:54.208" v="309" actId="14100"/>
-          <ac:cxnSpMkLst>
-            <pc:docMk/>
-            <pc:sldMk cId="2180713410" sldId="260"/>
-            <ac:cxnSpMk id="126" creationId="{90911BEE-3134-A0AD-C4BD-2B53552A447B}"/>
-          </ac:cxnSpMkLst>
-        </pc:cxnChg>
-        <pc:cxnChg chg="add mod">
-          <ac:chgData name="Jay Graham" userId="95e8df3011c311b3" providerId="LiveId" clId="{933FB402-26FE-417F-B1DC-62CECACD1C6F}" dt="2025-04-01T03:37:58.840" v="311" actId="14100"/>
-          <ac:cxnSpMkLst>
-            <pc:docMk/>
-            <pc:sldMk cId="2180713410" sldId="260"/>
-            <ac:cxnSpMk id="127" creationId="{38A754A1-9448-F925-CBD6-D38432E3730B}"/>
           </ac:cxnSpMkLst>
         </pc:cxnChg>
       </pc:sldChg>
@@ -1541,350 +1165,6 @@
           <pc:docMk/>
           <pc:sldMk cId="2796565901" sldId="259"/>
         </pc:sldMkLst>
-        <pc:spChg chg="add mod">
-          <ac:chgData name="Jay Graham" userId="95e8df3011c311b3" providerId="LiveId" clId="{F5E6EC4E-0B58-4C6A-8D96-E4CA0A883DE5}" dt="2025-03-27T16:46:42.101" v="102" actId="1076"/>
-          <ac:spMkLst>
-            <pc:docMk/>
-            <pc:sldMk cId="2796565901" sldId="259"/>
-            <ac:spMk id="3" creationId="{B36BB382-952F-3A56-6EEF-4ED6F7B2FBD1}"/>
-          </ac:spMkLst>
-        </pc:spChg>
-        <pc:spChg chg="add mod">
-          <ac:chgData name="Jay Graham" userId="95e8df3011c311b3" providerId="LiveId" clId="{F5E6EC4E-0B58-4C6A-8D96-E4CA0A883DE5}" dt="2025-03-27T16:46:42.101" v="102" actId="1076"/>
-          <ac:spMkLst>
-            <pc:docMk/>
-            <pc:sldMk cId="2796565901" sldId="259"/>
-            <ac:spMk id="7" creationId="{85AA3FDC-B777-BED2-6B00-0BC88C8AEC75}"/>
-          </ac:spMkLst>
-        </pc:spChg>
-        <pc:spChg chg="add mod">
-          <ac:chgData name="Jay Graham" userId="95e8df3011c311b3" providerId="LiveId" clId="{F5E6EC4E-0B58-4C6A-8D96-E4CA0A883DE5}" dt="2025-03-27T16:46:42.101" v="102" actId="1076"/>
-          <ac:spMkLst>
-            <pc:docMk/>
-            <pc:sldMk cId="2796565901" sldId="259"/>
-            <ac:spMk id="8" creationId="{A8FA96CD-950D-1F44-0EA0-9484D5EC586C}"/>
-          </ac:spMkLst>
-        </pc:spChg>
-        <pc:spChg chg="add mod">
-          <ac:chgData name="Jay Graham" userId="95e8df3011c311b3" providerId="LiveId" clId="{F5E6EC4E-0B58-4C6A-8D96-E4CA0A883DE5}" dt="2025-03-27T16:46:42.101" v="102" actId="1076"/>
-          <ac:spMkLst>
-            <pc:docMk/>
-            <pc:sldMk cId="2796565901" sldId="259"/>
-            <ac:spMk id="9" creationId="{6C797019-E758-50D5-CECC-DA51DA12D2B7}"/>
-          </ac:spMkLst>
-        </pc:spChg>
-        <pc:spChg chg="add mod">
-          <ac:chgData name="Jay Graham" userId="95e8df3011c311b3" providerId="LiveId" clId="{F5E6EC4E-0B58-4C6A-8D96-E4CA0A883DE5}" dt="2025-03-27T16:48:20.803" v="126" actId="20577"/>
-          <ac:spMkLst>
-            <pc:docMk/>
-            <pc:sldMk cId="2796565901" sldId="259"/>
-            <ac:spMk id="22" creationId="{79D9EB69-C53E-0935-0538-5A71B91D0D75}"/>
-          </ac:spMkLst>
-        </pc:spChg>
-        <pc:spChg chg="add mod">
-          <ac:chgData name="Jay Graham" userId="95e8df3011c311b3" providerId="LiveId" clId="{F5E6EC4E-0B58-4C6A-8D96-E4CA0A883DE5}" dt="2025-03-27T16:48:18.056" v="120" actId="20577"/>
-          <ac:spMkLst>
-            <pc:docMk/>
-            <pc:sldMk cId="2796565901" sldId="259"/>
-            <ac:spMk id="23" creationId="{56AD0026-DCC2-8E73-8487-1B35E6A2A1B4}"/>
-          </ac:spMkLst>
-        </pc:spChg>
-        <pc:spChg chg="add mod">
-          <ac:chgData name="Jay Graham" userId="95e8df3011c311b3" providerId="LiveId" clId="{F5E6EC4E-0B58-4C6A-8D96-E4CA0A883DE5}" dt="2025-03-27T16:47:36.689" v="112" actId="1076"/>
-          <ac:spMkLst>
-            <pc:docMk/>
-            <pc:sldMk cId="2796565901" sldId="259"/>
-            <ac:spMk id="24" creationId="{B2E0823B-953B-7580-7E4E-9C307BFB561B}"/>
-          </ac:spMkLst>
-        </pc:spChg>
-        <pc:spChg chg="add mod">
-          <ac:chgData name="Jay Graham" userId="95e8df3011c311b3" providerId="LiveId" clId="{F5E6EC4E-0B58-4C6A-8D96-E4CA0A883DE5}" dt="2025-03-27T16:47:36.689" v="112" actId="1076"/>
-          <ac:spMkLst>
-            <pc:docMk/>
-            <pc:sldMk cId="2796565901" sldId="259"/>
-            <ac:spMk id="25" creationId="{AC8DEA8A-DF0B-04D7-0825-7FE57181CB8B}"/>
-          </ac:spMkLst>
-        </pc:spChg>
-        <pc:spChg chg="add mod">
-          <ac:chgData name="Jay Graham" userId="95e8df3011c311b3" providerId="LiveId" clId="{F5E6EC4E-0B58-4C6A-8D96-E4CA0A883DE5}" dt="2025-03-27T16:49:26.799" v="136" actId="207"/>
-          <ac:spMkLst>
-            <pc:docMk/>
-            <pc:sldMk cId="2796565901" sldId="259"/>
-            <ac:spMk id="38" creationId="{4BBF8CA7-B219-284D-D1E6-828CD539EF57}"/>
-          </ac:spMkLst>
-        </pc:spChg>
-        <pc:spChg chg="add mod">
-          <ac:chgData name="Jay Graham" userId="95e8df3011c311b3" providerId="LiveId" clId="{F5E6EC4E-0B58-4C6A-8D96-E4CA0A883DE5}" dt="2025-03-27T16:49:46.319" v="168" actId="1076"/>
-          <ac:spMkLst>
-            <pc:docMk/>
-            <pc:sldMk cId="2796565901" sldId="259"/>
-            <ac:spMk id="39" creationId="{52904DC0-EC7A-E375-D935-57737F07F417}"/>
-          </ac:spMkLst>
-        </pc:spChg>
-        <pc:spChg chg="mod">
-          <ac:chgData name="Jay Graham" userId="95e8df3011c311b3" providerId="LiveId" clId="{F5E6EC4E-0B58-4C6A-8D96-E4CA0A883DE5}" dt="2025-03-27T16:45:47.809" v="29" actId="20577"/>
-          <ac:spMkLst>
-            <pc:docMk/>
-            <pc:sldMk cId="2796565901" sldId="259"/>
-            <ac:spMk id="1115" creationId="{D06B13C9-D41E-B591-9D54-E4DB959B88CA}"/>
-          </ac:spMkLst>
-        </pc:spChg>
-        <pc:spChg chg="mod">
-          <ac:chgData name="Jay Graham" userId="95e8df3011c311b3" providerId="LiveId" clId="{F5E6EC4E-0B58-4C6A-8D96-E4CA0A883DE5}" dt="2025-03-27T16:45:50.763" v="37" actId="20577"/>
-          <ac:spMkLst>
-            <pc:docMk/>
-            <pc:sldMk cId="2796565901" sldId="259"/>
-            <ac:spMk id="1116" creationId="{9E4C8BD6-0293-C3C7-DFC4-9975C6998B19}"/>
-          </ac:spMkLst>
-        </pc:spChg>
-        <pc:spChg chg="mod">
-          <ac:chgData name="Jay Graham" userId="95e8df3011c311b3" providerId="LiveId" clId="{F5E6EC4E-0B58-4C6A-8D96-E4CA0A883DE5}" dt="2025-03-27T16:45:55.424" v="43" actId="20577"/>
-          <ac:spMkLst>
-            <pc:docMk/>
-            <pc:sldMk cId="2796565901" sldId="259"/>
-            <ac:spMk id="1117" creationId="{8D2E8B6C-E4F2-77BE-7BAE-9A16AEE408F6}"/>
-          </ac:spMkLst>
-        </pc:spChg>
-        <pc:spChg chg="mod">
-          <ac:chgData name="Jay Graham" userId="95e8df3011c311b3" providerId="LiveId" clId="{F5E6EC4E-0B58-4C6A-8D96-E4CA0A883DE5}" dt="2025-03-27T16:45:57.505" v="49" actId="20577"/>
-          <ac:spMkLst>
-            <pc:docMk/>
-            <pc:sldMk cId="2796565901" sldId="259"/>
-            <ac:spMk id="1118" creationId="{4AAC580A-7850-2DEB-9868-6712E4C4B898}"/>
-          </ac:spMkLst>
-        </pc:spChg>
-        <pc:spChg chg="mod">
-          <ac:chgData name="Jay Graham" userId="95e8df3011c311b3" providerId="LiveId" clId="{F5E6EC4E-0B58-4C6A-8D96-E4CA0A883DE5}" dt="2025-03-27T16:45:45.596" v="23" actId="20577"/>
-          <ac:spMkLst>
-            <pc:docMk/>
-            <pc:sldMk cId="2796565901" sldId="259"/>
-            <ac:spMk id="1119" creationId="{5FE731CA-DE48-6EBA-C90D-ED280F10160E}"/>
-          </ac:spMkLst>
-        </pc:spChg>
-        <pc:spChg chg="mod">
-          <ac:chgData name="Jay Graham" userId="95e8df3011c311b3" providerId="LiveId" clId="{F5E6EC4E-0B58-4C6A-8D96-E4CA0A883DE5}" dt="2025-03-27T16:45:43.603" v="17" actId="20577"/>
-          <ac:spMkLst>
-            <pc:docMk/>
-            <pc:sldMk cId="2796565901" sldId="259"/>
-            <ac:spMk id="1120" creationId="{74C4D7B6-A8E4-ECC6-56E2-4754F70CB7C7}"/>
-          </ac:spMkLst>
-        </pc:spChg>
-        <pc:spChg chg="mod">
-          <ac:chgData name="Jay Graham" userId="95e8df3011c311b3" providerId="LiveId" clId="{F5E6EC4E-0B58-4C6A-8D96-E4CA0A883DE5}" dt="2025-03-27T16:45:40.490" v="11" actId="20577"/>
-          <ac:spMkLst>
-            <pc:docMk/>
-            <pc:sldMk cId="2796565901" sldId="259"/>
-            <ac:spMk id="1121" creationId="{E1AD1A9E-A5C7-D6AA-1C58-C2A5AF684ACC}"/>
-          </ac:spMkLst>
-        </pc:spChg>
-        <pc:spChg chg="mod">
-          <ac:chgData name="Jay Graham" userId="95e8df3011c311b3" providerId="LiveId" clId="{F5E6EC4E-0B58-4C6A-8D96-E4CA0A883DE5}" dt="2025-03-27T16:45:37.282" v="5" actId="20577"/>
-          <ac:spMkLst>
-            <pc:docMk/>
-            <pc:sldMk cId="2796565901" sldId="259"/>
-            <ac:spMk id="1122" creationId="{9BC017C6-9201-4AB1-E259-8C60B91E4A02}"/>
-          </ac:spMkLst>
-        </pc:spChg>
-        <pc:spChg chg="mod">
-          <ac:chgData name="Jay Graham" userId="95e8df3011c311b3" providerId="LiveId" clId="{F5E6EC4E-0B58-4C6A-8D96-E4CA0A883DE5}" dt="2025-03-27T16:48:31.281" v="128" actId="1076"/>
-          <ac:spMkLst>
-            <pc:docMk/>
-            <pc:sldMk cId="2796565901" sldId="259"/>
-            <ac:spMk id="1138" creationId="{02914594-83E9-DEF8-F95B-4CF500CE62E0}"/>
-          </ac:spMkLst>
-        </pc:spChg>
-        <pc:spChg chg="mod">
-          <ac:chgData name="Jay Graham" userId="95e8df3011c311b3" providerId="LiveId" clId="{F5E6EC4E-0B58-4C6A-8D96-E4CA0A883DE5}" dt="2025-03-27T16:46:12.774" v="81" actId="20577"/>
-          <ac:spMkLst>
-            <pc:docMk/>
-            <pc:sldMk cId="2796565901" sldId="259"/>
-            <ac:spMk id="1145" creationId="{5A199558-1F81-ED2D-17E3-925F88DCFBE9}"/>
-          </ac:spMkLst>
-        </pc:spChg>
-        <pc:spChg chg="mod">
-          <ac:chgData name="Jay Graham" userId="95e8df3011c311b3" providerId="LiveId" clId="{F5E6EC4E-0B58-4C6A-8D96-E4CA0A883DE5}" dt="2025-03-27T16:46:15.015" v="87" actId="20577"/>
-          <ac:spMkLst>
-            <pc:docMk/>
-            <pc:sldMk cId="2796565901" sldId="259"/>
-            <ac:spMk id="1147" creationId="{F1B11480-5F76-8246-BBE9-D9E50A5F72C7}"/>
-          </ac:spMkLst>
-        </pc:spChg>
-        <pc:spChg chg="mod">
-          <ac:chgData name="Jay Graham" userId="95e8df3011c311b3" providerId="LiveId" clId="{F5E6EC4E-0B58-4C6A-8D96-E4CA0A883DE5}" dt="2025-03-27T16:46:18.067" v="93" actId="20577"/>
-          <ac:spMkLst>
-            <pc:docMk/>
-            <pc:sldMk cId="2796565901" sldId="259"/>
-            <ac:spMk id="1148" creationId="{995EAA5A-44A4-63F0-9861-35029BBC1FA0}"/>
-          </ac:spMkLst>
-        </pc:spChg>
-        <pc:spChg chg="mod">
-          <ac:chgData name="Jay Graham" userId="95e8df3011c311b3" providerId="LiveId" clId="{F5E6EC4E-0B58-4C6A-8D96-E4CA0A883DE5}" dt="2025-03-27T16:46:20.459" v="99" actId="20577"/>
-          <ac:spMkLst>
-            <pc:docMk/>
-            <pc:sldMk cId="2796565901" sldId="259"/>
-            <ac:spMk id="1149" creationId="{A05A9A80-0F04-436D-9694-A76CE7D0B84D}"/>
-          </ac:spMkLst>
-        </pc:spChg>
-        <pc:spChg chg="mod">
-          <ac:chgData name="Jay Graham" userId="95e8df3011c311b3" providerId="LiveId" clId="{F5E6EC4E-0B58-4C6A-8D96-E4CA0A883DE5}" dt="2025-03-27T16:46:10.354" v="75" actId="20577"/>
-          <ac:spMkLst>
-            <pc:docMk/>
-            <pc:sldMk cId="2796565901" sldId="259"/>
-            <ac:spMk id="1150" creationId="{C15927DB-D2FC-4F24-45B4-159D399BFBAD}"/>
-          </ac:spMkLst>
-        </pc:spChg>
-        <pc:spChg chg="mod">
-          <ac:chgData name="Jay Graham" userId="95e8df3011c311b3" providerId="LiveId" clId="{F5E6EC4E-0B58-4C6A-8D96-E4CA0A883DE5}" dt="2025-03-27T16:46:07.247" v="69" actId="20577"/>
-          <ac:spMkLst>
-            <pc:docMk/>
-            <pc:sldMk cId="2796565901" sldId="259"/>
-            <ac:spMk id="1151" creationId="{96061CB3-7100-338F-1357-60B22E5185B3}"/>
-          </ac:spMkLst>
-        </pc:spChg>
-        <pc:spChg chg="mod">
-          <ac:chgData name="Jay Graham" userId="95e8df3011c311b3" providerId="LiveId" clId="{F5E6EC4E-0B58-4C6A-8D96-E4CA0A883DE5}" dt="2025-03-27T16:46:03.408" v="61" actId="20577"/>
-          <ac:spMkLst>
-            <pc:docMk/>
-            <pc:sldMk cId="2796565901" sldId="259"/>
-            <ac:spMk id="1152" creationId="{420F65C6-18E3-0279-72E4-B0D3B5D3F960}"/>
-          </ac:spMkLst>
-        </pc:spChg>
-        <pc:spChg chg="mod">
-          <ac:chgData name="Jay Graham" userId="95e8df3011c311b3" providerId="LiveId" clId="{F5E6EC4E-0B58-4C6A-8D96-E4CA0A883DE5}" dt="2025-03-27T16:46:00.561" v="55" actId="20577"/>
-          <ac:spMkLst>
-            <pc:docMk/>
-            <pc:sldMk cId="2796565901" sldId="259"/>
-            <ac:spMk id="1153" creationId="{D102DAC6-E741-6E45-48C3-69304D097927}"/>
-          </ac:spMkLst>
-        </pc:spChg>
-        <pc:cxnChg chg="add mod">
-          <ac:chgData name="Jay Graham" userId="95e8df3011c311b3" providerId="LiveId" clId="{F5E6EC4E-0B58-4C6A-8D96-E4CA0A883DE5}" dt="2025-03-27T16:47:16.741" v="106" actId="14100"/>
-          <ac:cxnSpMkLst>
-            <pc:docMk/>
-            <pc:sldMk cId="2796565901" sldId="259"/>
-            <ac:cxnSpMk id="10" creationId="{75D13634-4CA2-F1F1-489E-C794B27ADC5E}"/>
-          </ac:cxnSpMkLst>
-        </pc:cxnChg>
-        <pc:cxnChg chg="add mod">
-          <ac:chgData name="Jay Graham" userId="95e8df3011c311b3" providerId="LiveId" clId="{F5E6EC4E-0B58-4C6A-8D96-E4CA0A883DE5}" dt="2025-03-27T16:47:19.034" v="107" actId="14100"/>
-          <ac:cxnSpMkLst>
-            <pc:docMk/>
-            <pc:sldMk cId="2796565901" sldId="259"/>
-            <ac:cxnSpMk id="11" creationId="{5FF98BFA-DB8F-7941-9D9F-CE91E3C6D83C}"/>
-          </ac:cxnSpMkLst>
-        </pc:cxnChg>
-        <pc:cxnChg chg="add mod">
-          <ac:chgData name="Jay Graham" userId="95e8df3011c311b3" providerId="LiveId" clId="{F5E6EC4E-0B58-4C6A-8D96-E4CA0A883DE5}" dt="2025-03-27T16:47:21.076" v="108" actId="14100"/>
-          <ac:cxnSpMkLst>
-            <pc:docMk/>
-            <pc:sldMk cId="2796565901" sldId="259"/>
-            <ac:cxnSpMk id="12" creationId="{46D271E3-335A-E148-9D37-C3DA1DCF4432}"/>
-          </ac:cxnSpMkLst>
-        </pc:cxnChg>
-        <pc:cxnChg chg="add mod">
-          <ac:chgData name="Jay Graham" userId="95e8df3011c311b3" providerId="LiveId" clId="{F5E6EC4E-0B58-4C6A-8D96-E4CA0A883DE5}" dt="2025-03-27T16:47:14.258" v="105" actId="14100"/>
-          <ac:cxnSpMkLst>
-            <pc:docMk/>
-            <pc:sldMk cId="2796565901" sldId="259"/>
-            <ac:cxnSpMk id="13" creationId="{09456959-5624-36A3-38B6-4605B9F0ADCC}"/>
-          </ac:cxnSpMkLst>
-        </pc:cxnChg>
-        <pc:cxnChg chg="add mod">
-          <ac:chgData name="Jay Graham" userId="95e8df3011c311b3" providerId="LiveId" clId="{F5E6EC4E-0B58-4C6A-8D96-E4CA0A883DE5}" dt="2025-03-27T16:47:43.618" v="114" actId="14100"/>
-          <ac:cxnSpMkLst>
-            <pc:docMk/>
-            <pc:sldMk cId="2796565901" sldId="259"/>
-            <ac:cxnSpMk id="18" creationId="{2BB1AF95-A5FB-4A89-FB0B-7D13B83FAD71}"/>
-          </ac:cxnSpMkLst>
-        </pc:cxnChg>
-        <pc:cxnChg chg="add mod">
-          <ac:chgData name="Jay Graham" userId="95e8df3011c311b3" providerId="LiveId" clId="{F5E6EC4E-0B58-4C6A-8D96-E4CA0A883DE5}" dt="2025-03-27T16:47:45.676" v="115" actId="14100"/>
-          <ac:cxnSpMkLst>
-            <pc:docMk/>
-            <pc:sldMk cId="2796565901" sldId="259"/>
-            <ac:cxnSpMk id="19" creationId="{B509BAAB-515D-F3EA-4DC9-A6DD213A9FA1}"/>
-          </ac:cxnSpMkLst>
-        </pc:cxnChg>
-        <pc:cxnChg chg="add mod">
-          <ac:chgData name="Jay Graham" userId="95e8df3011c311b3" providerId="LiveId" clId="{F5E6EC4E-0B58-4C6A-8D96-E4CA0A883DE5}" dt="2025-03-27T16:47:48.309" v="116" actId="14100"/>
-          <ac:cxnSpMkLst>
-            <pc:docMk/>
-            <pc:sldMk cId="2796565901" sldId="259"/>
-            <ac:cxnSpMk id="20" creationId="{DCA0B8C0-9042-2BF7-C449-1B49A5692B7A}"/>
-          </ac:cxnSpMkLst>
-        </pc:cxnChg>
-        <pc:cxnChg chg="add mod">
-          <ac:chgData name="Jay Graham" userId="95e8df3011c311b3" providerId="LiveId" clId="{F5E6EC4E-0B58-4C6A-8D96-E4CA0A883DE5}" dt="2025-03-27T16:47:41.346" v="113" actId="14100"/>
-          <ac:cxnSpMkLst>
-            <pc:docMk/>
-            <pc:sldMk cId="2796565901" sldId="259"/>
-            <ac:cxnSpMk id="21" creationId="{E93F209D-394D-0419-700C-5A04D99016C2}"/>
-          </ac:cxnSpMkLst>
-        </pc:cxnChg>
-        <pc:cxnChg chg="add mod">
-          <ac:chgData name="Jay Graham" userId="95e8df3011c311b3" providerId="LiveId" clId="{F5E6EC4E-0B58-4C6A-8D96-E4CA0A883DE5}" dt="2025-03-27T16:48:51.948" v="130" actId="1076"/>
-          <ac:cxnSpMkLst>
-            <pc:docMk/>
-            <pc:sldMk cId="2796565901" sldId="259"/>
-            <ac:cxnSpMk id="30" creationId="{0532E74C-5C0F-435B-4C9D-FE8FAFFF6DB7}"/>
-          </ac:cxnSpMkLst>
-        </pc:cxnChg>
-        <pc:cxnChg chg="add mod">
-          <ac:chgData name="Jay Graham" userId="95e8df3011c311b3" providerId="LiveId" clId="{F5E6EC4E-0B58-4C6A-8D96-E4CA0A883DE5}" dt="2025-03-27T16:48:51.948" v="130" actId="1076"/>
-          <ac:cxnSpMkLst>
-            <pc:docMk/>
-            <pc:sldMk cId="2796565901" sldId="259"/>
-            <ac:cxnSpMk id="31" creationId="{963EB62D-B84E-4B5F-D116-8F81AB3CC5E8}"/>
-          </ac:cxnSpMkLst>
-        </pc:cxnChg>
-        <pc:cxnChg chg="add mod">
-          <ac:chgData name="Jay Graham" userId="95e8df3011c311b3" providerId="LiveId" clId="{F5E6EC4E-0B58-4C6A-8D96-E4CA0A883DE5}" dt="2025-03-27T16:48:51.948" v="130" actId="1076"/>
-          <ac:cxnSpMkLst>
-            <pc:docMk/>
-            <pc:sldMk cId="2796565901" sldId="259"/>
-            <ac:cxnSpMk id="32" creationId="{7B76DF1A-1318-A20C-C695-63E42243AAEA}"/>
-          </ac:cxnSpMkLst>
-        </pc:cxnChg>
-        <pc:cxnChg chg="add mod">
-          <ac:chgData name="Jay Graham" userId="95e8df3011c311b3" providerId="LiveId" clId="{F5E6EC4E-0B58-4C6A-8D96-E4CA0A883DE5}" dt="2025-03-27T16:48:51.948" v="130" actId="1076"/>
-          <ac:cxnSpMkLst>
-            <pc:docMk/>
-            <pc:sldMk cId="2796565901" sldId="259"/>
-            <ac:cxnSpMk id="33" creationId="{BC290A07-F39F-9A8D-B350-01B1D770BBB5}"/>
-          </ac:cxnSpMkLst>
-        </pc:cxnChg>
-        <pc:cxnChg chg="add mod">
-          <ac:chgData name="Jay Graham" userId="95e8df3011c311b3" providerId="LiveId" clId="{F5E6EC4E-0B58-4C6A-8D96-E4CA0A883DE5}" dt="2025-03-27T16:48:51.948" v="130" actId="1076"/>
-          <ac:cxnSpMkLst>
-            <pc:docMk/>
-            <pc:sldMk cId="2796565901" sldId="259"/>
-            <ac:cxnSpMk id="34" creationId="{188D9283-C083-7347-2D94-0707D16E49A9}"/>
-          </ac:cxnSpMkLst>
-        </pc:cxnChg>
-        <pc:cxnChg chg="add mod">
-          <ac:chgData name="Jay Graham" userId="95e8df3011c311b3" providerId="LiveId" clId="{F5E6EC4E-0B58-4C6A-8D96-E4CA0A883DE5}" dt="2025-03-27T16:48:51.948" v="130" actId="1076"/>
-          <ac:cxnSpMkLst>
-            <pc:docMk/>
-            <pc:sldMk cId="2796565901" sldId="259"/>
-            <ac:cxnSpMk id="35" creationId="{4DF866E6-7879-2589-A452-2825E37A5CA6}"/>
-          </ac:cxnSpMkLst>
-        </pc:cxnChg>
-        <pc:cxnChg chg="add mod">
-          <ac:chgData name="Jay Graham" userId="95e8df3011c311b3" providerId="LiveId" clId="{F5E6EC4E-0B58-4C6A-8D96-E4CA0A883DE5}" dt="2025-03-27T16:48:51.948" v="130" actId="1076"/>
-          <ac:cxnSpMkLst>
-            <pc:docMk/>
-            <pc:sldMk cId="2796565901" sldId="259"/>
-            <ac:cxnSpMk id="36" creationId="{B4A00508-BF37-2854-CF70-7BEE86755510}"/>
-          </ac:cxnSpMkLst>
-        </pc:cxnChg>
-        <pc:cxnChg chg="add mod">
-          <ac:chgData name="Jay Graham" userId="95e8df3011c311b3" providerId="LiveId" clId="{F5E6EC4E-0B58-4C6A-8D96-E4CA0A883DE5}" dt="2025-03-27T16:48:51.948" v="130" actId="1076"/>
-          <ac:cxnSpMkLst>
-            <pc:docMk/>
-            <pc:sldMk cId="2796565901" sldId="259"/>
-            <ac:cxnSpMk id="37" creationId="{0902EC70-A169-2AF2-D418-34BFAB19B8FF}"/>
-          </ac:cxnSpMkLst>
-        </pc:cxnChg>
       </pc:sldChg>
     </pc:docChg>
   </pc:docChgLst>
@@ -2038,7 +1318,7 @@
           <a:p>
             <a:fld id="{298767BF-8302-47B2-9BB9-DDE0834E9382}" type="datetimeFigureOut">
               <a:rPr lang="en-US" smtClean="0"/>
-              <a:t>3/31/2025</a:t>
+              <a:t>4/29/2025</a:t>
             </a:fld>
             <a:endParaRPr lang="en-US"/>
           </a:p>
@@ -2236,7 +1516,7 @@
           <a:p>
             <a:fld id="{298767BF-8302-47B2-9BB9-DDE0834E9382}" type="datetimeFigureOut">
               <a:rPr lang="en-US" smtClean="0"/>
-              <a:t>3/31/2025</a:t>
+              <a:t>4/29/2025</a:t>
             </a:fld>
             <a:endParaRPr lang="en-US"/>
           </a:p>
@@ -2444,7 +1724,7 @@
           <a:p>
             <a:fld id="{298767BF-8302-47B2-9BB9-DDE0834E9382}" type="datetimeFigureOut">
               <a:rPr lang="en-US" smtClean="0"/>
-              <a:t>3/31/2025</a:t>
+              <a:t>4/29/2025</a:t>
             </a:fld>
             <a:endParaRPr lang="en-US"/>
           </a:p>
@@ -2642,7 +1922,7 @@
           <a:p>
             <a:fld id="{298767BF-8302-47B2-9BB9-DDE0834E9382}" type="datetimeFigureOut">
               <a:rPr lang="en-US" smtClean="0"/>
-              <a:t>3/31/2025</a:t>
+              <a:t>4/29/2025</a:t>
             </a:fld>
             <a:endParaRPr lang="en-US"/>
           </a:p>
@@ -2917,7 +2197,7 @@
           <a:p>
             <a:fld id="{298767BF-8302-47B2-9BB9-DDE0834E9382}" type="datetimeFigureOut">
               <a:rPr lang="en-US" smtClean="0"/>
-              <a:t>3/31/2025</a:t>
+              <a:t>4/29/2025</a:t>
             </a:fld>
             <a:endParaRPr lang="en-US"/>
           </a:p>
@@ -3182,7 +2462,7 @@
           <a:p>
             <a:fld id="{298767BF-8302-47B2-9BB9-DDE0834E9382}" type="datetimeFigureOut">
               <a:rPr lang="en-US" smtClean="0"/>
-              <a:t>3/31/2025</a:t>
+              <a:t>4/29/2025</a:t>
             </a:fld>
             <a:endParaRPr lang="en-US"/>
           </a:p>
@@ -3594,7 +2874,7 @@
           <a:p>
             <a:fld id="{298767BF-8302-47B2-9BB9-DDE0834E9382}" type="datetimeFigureOut">
               <a:rPr lang="en-US" smtClean="0"/>
-              <a:t>3/31/2025</a:t>
+              <a:t>4/29/2025</a:t>
             </a:fld>
             <a:endParaRPr lang="en-US"/>
           </a:p>
@@ -3735,7 +3015,7 @@
           <a:p>
             <a:fld id="{298767BF-8302-47B2-9BB9-DDE0834E9382}" type="datetimeFigureOut">
               <a:rPr lang="en-US" smtClean="0"/>
-              <a:t>3/31/2025</a:t>
+              <a:t>4/29/2025</a:t>
             </a:fld>
             <a:endParaRPr lang="en-US"/>
           </a:p>
@@ -3848,7 +3128,7 @@
           <a:p>
             <a:fld id="{298767BF-8302-47B2-9BB9-DDE0834E9382}" type="datetimeFigureOut">
               <a:rPr lang="en-US" smtClean="0"/>
-              <a:t>3/31/2025</a:t>
+              <a:t>4/29/2025</a:t>
             </a:fld>
             <a:endParaRPr lang="en-US"/>
           </a:p>
@@ -4159,7 +3439,7 @@
           <a:p>
             <a:fld id="{298767BF-8302-47B2-9BB9-DDE0834E9382}" type="datetimeFigureOut">
               <a:rPr lang="en-US" smtClean="0"/>
-              <a:t>3/31/2025</a:t>
+              <a:t>4/29/2025</a:t>
             </a:fld>
             <a:endParaRPr lang="en-US"/>
           </a:p>
@@ -4447,7 +3727,7 @@
           <a:p>
             <a:fld id="{298767BF-8302-47B2-9BB9-DDE0834E9382}" type="datetimeFigureOut">
               <a:rPr lang="en-US" smtClean="0"/>
-              <a:t>3/31/2025</a:t>
+              <a:t>4/29/2025</a:t>
             </a:fld>
             <a:endParaRPr lang="en-US"/>
           </a:p>
@@ -4688,7 +3968,7 @@
           <a:p>
             <a:fld id="{298767BF-8302-47B2-9BB9-DDE0834E9382}" type="datetimeFigureOut">
               <a:rPr lang="en-US" smtClean="0"/>
-              <a:t>3/31/2025</a:t>
+              <a:t>4/29/2025</a:t>
             </a:fld>
             <a:endParaRPr lang="en-US"/>
           </a:p>
@@ -5220,7 +4500,7 @@
         </p:nvSpPr>
         <p:spPr>
           <a:xfrm>
-            <a:off x="6889658" y="1706811"/>
+            <a:off x="6889658" y="1638141"/>
             <a:ext cx="672718" cy="348062"/>
           </a:xfrm>
           <a:prstGeom prst="rect">
@@ -5252,7 +4532,7 @@
             <a:pPr algn="ctr"/>
             <a:r>
               <a:rPr lang="en-US" dirty="0"/>
-              <a:t>P1.3</a:t>
+              <a:t>P4.6</a:t>
             </a:r>
           </a:p>
         </p:txBody>
@@ -5271,7 +4551,7 @@
         </p:nvSpPr>
         <p:spPr>
           <a:xfrm>
-            <a:off x="6889658" y="1366358"/>
+            <a:off x="6889658" y="1297688"/>
             <a:ext cx="672718" cy="348062"/>
           </a:xfrm>
           <a:prstGeom prst="rect">
@@ -5303,7 +4583,7 @@
             <a:pPr algn="ctr"/>
             <a:r>
               <a:rPr lang="en-US" dirty="0"/>
-              <a:t>P1.2</a:t>
+              <a:t>3.3V</a:t>
             </a:r>
           </a:p>
         </p:txBody>
@@ -5322,7 +4602,7 @@
         </p:nvSpPr>
         <p:spPr>
           <a:xfrm>
-            <a:off x="6889658" y="2066845"/>
+            <a:off x="6889658" y="1998175"/>
             <a:ext cx="672718" cy="348062"/>
           </a:xfrm>
           <a:prstGeom prst="rect">
@@ -5354,7 +4634,7 @@
             <a:pPr algn="ctr"/>
             <a:r>
               <a:rPr lang="en-US" dirty="0"/>
-              <a:t>3.3V</a:t>
+              <a:t>P4.7</a:t>
             </a:r>
           </a:p>
         </p:txBody>
@@ -5373,7 +4653,7 @@
         </p:nvSpPr>
         <p:spPr>
           <a:xfrm>
-            <a:off x="6884582" y="2409849"/>
+            <a:off x="6884582" y="2341179"/>
             <a:ext cx="672718" cy="348062"/>
           </a:xfrm>
           <a:prstGeom prst="rect">
@@ -5412,10 +4692,10 @@
       </p:sp>
       <p:sp>
         <p:nvSpPr>
-          <p:cNvPr id="16" name="Rectangle 15">
-            <a:extLst>
-              <a:ext uri="{FF2B5EF4-FFF2-40B4-BE49-F238E27FC236}">
-                <a16:creationId xmlns:a16="http://schemas.microsoft.com/office/drawing/2014/main" id="{6B08A227-12BC-5700-33EE-6532F9D0DCFB}"/>
+          <p:cNvPr id="20" name="Rectangle 19">
+            <a:extLst>
+              <a:ext uri="{FF2B5EF4-FFF2-40B4-BE49-F238E27FC236}">
+                <a16:creationId xmlns:a16="http://schemas.microsoft.com/office/drawing/2014/main" id="{A1BDA227-CC2E-EEB9-239E-9687DD012D6B}"/>
               </a:ext>
             </a:extLst>
           </p:cNvPr>
@@ -5424,211 +4704,7 @@
         </p:nvSpPr>
         <p:spPr>
           <a:xfrm>
-            <a:off x="6905817" y="4847154"/>
-            <a:ext cx="672718" cy="348062"/>
-          </a:xfrm>
-          <a:prstGeom prst="rect">
-            <a:avLst/>
-          </a:prstGeom>
-          <a:noFill/>
-          <a:ln w="28575"/>
-        </p:spPr>
-        <p:style>
-          <a:lnRef idx="2">
-            <a:schemeClr val="accent1">
-              <a:shade val="15000"/>
-            </a:schemeClr>
-          </a:lnRef>
-          <a:fillRef idx="1">
-            <a:schemeClr val="accent1"/>
-          </a:fillRef>
-          <a:effectRef idx="0">
-            <a:schemeClr val="accent1"/>
-          </a:effectRef>
-          <a:fontRef idx="minor">
-            <a:schemeClr val="lt1"/>
-          </a:fontRef>
-        </p:style>
-        <p:txBody>
-          <a:bodyPr rtlCol="0" anchor="ctr"/>
-          <a:lstStyle/>
-          <a:p>
-            <a:pPr algn="ctr"/>
-            <a:r>
-              <a:rPr lang="en-US" dirty="0"/>
-              <a:t>P4.7</a:t>
-            </a:r>
-          </a:p>
-        </p:txBody>
-      </p:sp>
-      <p:sp>
-        <p:nvSpPr>
-          <p:cNvPr id="17" name="Rectangle 16">
-            <a:extLst>
-              <a:ext uri="{FF2B5EF4-FFF2-40B4-BE49-F238E27FC236}">
-                <a16:creationId xmlns:a16="http://schemas.microsoft.com/office/drawing/2014/main" id="{E34AC315-EF30-AEF6-FEEA-6E927AB1E163}"/>
-              </a:ext>
-            </a:extLst>
-          </p:cNvPr>
-          <p:cNvSpPr/>
-          <p:nvPr/>
-        </p:nvSpPr>
-        <p:spPr>
-          <a:xfrm>
-            <a:off x="6905817" y="4506701"/>
-            <a:ext cx="672718" cy="348062"/>
-          </a:xfrm>
-          <a:prstGeom prst="rect">
-            <a:avLst/>
-          </a:prstGeom>
-          <a:noFill/>
-          <a:ln w="28575"/>
-        </p:spPr>
-        <p:style>
-          <a:lnRef idx="2">
-            <a:schemeClr val="accent1">
-              <a:shade val="15000"/>
-            </a:schemeClr>
-          </a:lnRef>
-          <a:fillRef idx="1">
-            <a:schemeClr val="accent1"/>
-          </a:fillRef>
-          <a:effectRef idx="0">
-            <a:schemeClr val="accent1"/>
-          </a:effectRef>
-          <a:fontRef idx="minor">
-            <a:schemeClr val="lt1"/>
-          </a:fontRef>
-        </p:style>
-        <p:txBody>
-          <a:bodyPr rtlCol="0" anchor="ctr"/>
-          <a:lstStyle/>
-          <a:p>
-            <a:pPr algn="ctr"/>
-            <a:r>
-              <a:rPr lang="en-US" dirty="0"/>
-              <a:t>P4.6</a:t>
-            </a:r>
-          </a:p>
-        </p:txBody>
-      </p:sp>
-      <p:sp>
-        <p:nvSpPr>
-          <p:cNvPr id="18" name="Rectangle 17">
-            <a:extLst>
-              <a:ext uri="{FF2B5EF4-FFF2-40B4-BE49-F238E27FC236}">
-                <a16:creationId xmlns:a16="http://schemas.microsoft.com/office/drawing/2014/main" id="{18194753-B109-7647-8FF9-77BEA2E9FCCB}"/>
-              </a:ext>
-            </a:extLst>
-          </p:cNvPr>
-          <p:cNvSpPr/>
-          <p:nvPr/>
-        </p:nvSpPr>
-        <p:spPr>
-          <a:xfrm>
-            <a:off x="6905817" y="5207188"/>
-            <a:ext cx="672718" cy="348062"/>
-          </a:xfrm>
-          <a:prstGeom prst="rect">
-            <a:avLst/>
-          </a:prstGeom>
-          <a:noFill/>
-          <a:ln w="28575"/>
-        </p:spPr>
-        <p:style>
-          <a:lnRef idx="2">
-            <a:schemeClr val="accent1">
-              <a:shade val="15000"/>
-            </a:schemeClr>
-          </a:lnRef>
-          <a:fillRef idx="1">
-            <a:schemeClr val="accent1"/>
-          </a:fillRef>
-          <a:effectRef idx="0">
-            <a:schemeClr val="accent1"/>
-          </a:effectRef>
-          <a:fontRef idx="minor">
-            <a:schemeClr val="lt1"/>
-          </a:fontRef>
-        </p:style>
-        <p:txBody>
-          <a:bodyPr rtlCol="0" anchor="ctr"/>
-          <a:lstStyle/>
-          <a:p>
-            <a:pPr algn="ctr"/>
-            <a:r>
-              <a:rPr lang="en-US" dirty="0"/>
-              <a:t>3.3V</a:t>
-            </a:r>
-          </a:p>
-        </p:txBody>
-      </p:sp>
-      <p:sp>
-        <p:nvSpPr>
-          <p:cNvPr id="19" name="Rectangle 18">
-            <a:extLst>
-              <a:ext uri="{FF2B5EF4-FFF2-40B4-BE49-F238E27FC236}">
-                <a16:creationId xmlns:a16="http://schemas.microsoft.com/office/drawing/2014/main" id="{78A6F4B5-2C29-F0D0-E828-ABC31BB0ECCA}"/>
-              </a:ext>
-            </a:extLst>
-          </p:cNvPr>
-          <p:cNvSpPr/>
-          <p:nvPr/>
-        </p:nvSpPr>
-        <p:spPr>
-          <a:xfrm>
-            <a:off x="6900741" y="5550192"/>
-            <a:ext cx="672718" cy="348062"/>
-          </a:xfrm>
-          <a:prstGeom prst="rect">
-            <a:avLst/>
-          </a:prstGeom>
-          <a:noFill/>
-          <a:ln w="28575"/>
-        </p:spPr>
-        <p:style>
-          <a:lnRef idx="2">
-            <a:schemeClr val="accent1">
-              <a:shade val="15000"/>
-            </a:schemeClr>
-          </a:lnRef>
-          <a:fillRef idx="1">
-            <a:schemeClr val="accent1"/>
-          </a:fillRef>
-          <a:effectRef idx="0">
-            <a:schemeClr val="accent1"/>
-          </a:effectRef>
-          <a:fontRef idx="minor">
-            <a:schemeClr val="lt1"/>
-          </a:fontRef>
-        </p:style>
-        <p:txBody>
-          <a:bodyPr rtlCol="0" anchor="ctr"/>
-          <a:lstStyle/>
-          <a:p>
-            <a:pPr algn="ctr"/>
-            <a:r>
-              <a:rPr lang="en-US" dirty="0"/>
-              <a:t>GND</a:t>
-            </a:r>
-          </a:p>
-        </p:txBody>
-      </p:sp>
-      <p:sp>
-        <p:nvSpPr>
-          <p:cNvPr id="20" name="Rectangle 19">
-            <a:extLst>
-              <a:ext uri="{FF2B5EF4-FFF2-40B4-BE49-F238E27FC236}">
-                <a16:creationId xmlns:a16="http://schemas.microsoft.com/office/drawing/2014/main" id="{A1BDA227-CC2E-EEB9-239E-9687DD012D6B}"/>
-              </a:ext>
-            </a:extLst>
-          </p:cNvPr>
-          <p:cNvSpPr/>
-          <p:nvPr/>
-        </p:nvSpPr>
-        <p:spPr>
-          <a:xfrm>
-            <a:off x="8984150" y="705266"/>
+            <a:off x="8984150" y="636596"/>
             <a:ext cx="2002432" cy="2699213"/>
           </a:xfrm>
           <a:prstGeom prst="rect">
@@ -5682,7 +4758,7 @@
         </p:nvSpPr>
         <p:spPr>
           <a:xfrm>
-            <a:off x="9028217" y="705266"/>
+            <a:off x="9028217" y="636596"/>
             <a:ext cx="1914298" cy="369332"/>
           </a:xfrm>
           <a:prstGeom prst="rect">
@@ -5706,10 +4782,10 @@
       </p:sp>
       <p:sp>
         <p:nvSpPr>
-          <p:cNvPr id="22" name="Rectangle 21">
-            <a:extLst>
-              <a:ext uri="{FF2B5EF4-FFF2-40B4-BE49-F238E27FC236}">
-                <a16:creationId xmlns:a16="http://schemas.microsoft.com/office/drawing/2014/main" id="{A96E663A-F58D-00B7-BB10-753716A128E4}"/>
+          <p:cNvPr id="32" name="Rectangle 31">
+            <a:extLst>
+              <a:ext uri="{FF2B5EF4-FFF2-40B4-BE49-F238E27FC236}">
+                <a16:creationId xmlns:a16="http://schemas.microsoft.com/office/drawing/2014/main" id="{600FE8AB-DA10-7C2F-06D6-42923262BA6C}"/>
               </a:ext>
             </a:extLst>
           </p:cNvPr>
@@ -5718,20 +4794,14 @@
         </p:nvSpPr>
         <p:spPr>
           <a:xfrm>
-            <a:off x="8984150" y="3857581"/>
-            <a:ext cx="2002432" cy="2699213"/>
+            <a:off x="8984150" y="1641514"/>
+            <a:ext cx="672718" cy="348062"/>
           </a:xfrm>
           <a:prstGeom prst="rect">
             <a:avLst/>
           </a:prstGeom>
-          <a:solidFill>
-            <a:schemeClr val="accent6"/>
-          </a:solidFill>
-          <a:ln w="28575">
-            <a:solidFill>
-              <a:schemeClr val="tx1"/>
-            </a:solidFill>
-          </a:ln>
+          <a:noFill/>
+          <a:ln w="28575"/>
         </p:spPr>
         <p:style>
           <a:lnRef idx="2">
@@ -5754,52 +4824,19 @@
           <a:lstStyle/>
           <a:p>
             <a:pPr algn="ctr"/>
-            <a:endParaRPr lang="en-US" dirty="0"/>
-          </a:p>
-        </p:txBody>
-      </p:sp>
-      <p:sp>
-        <p:nvSpPr>
-          <p:cNvPr id="23" name="TextBox 22">
-            <a:extLst>
-              <a:ext uri="{FF2B5EF4-FFF2-40B4-BE49-F238E27FC236}">
-                <a16:creationId xmlns:a16="http://schemas.microsoft.com/office/drawing/2014/main" id="{7CFF5734-B237-D205-1079-807A1D44AAA6}"/>
-              </a:ext>
-            </a:extLst>
-          </p:cNvPr>
-          <p:cNvSpPr txBox="1"/>
-          <p:nvPr/>
-        </p:nvSpPr>
-        <p:spPr>
-          <a:xfrm>
-            <a:off x="9028217" y="3857581"/>
-            <a:ext cx="1914298" cy="369332"/>
-          </a:xfrm>
-          <a:prstGeom prst="rect">
-            <a:avLst/>
-          </a:prstGeom>
-          <a:noFill/>
-        </p:spPr>
-        <p:txBody>
-          <a:bodyPr wrap="square" rtlCol="0">
-            <a:spAutoFit/>
-          </a:bodyPr>
-          <a:lstStyle/>
-          <a:p>
-            <a:pPr algn="ctr"/>
             <a:r>
               <a:rPr lang="en-US" dirty="0"/>
-              <a:t>OLED Display</a:t>
-            </a:r>
-          </a:p>
-        </p:txBody>
-      </p:sp>
-      <p:sp>
-        <p:nvSpPr>
-          <p:cNvPr id="28" name="Rectangle 27">
-            <a:extLst>
-              <a:ext uri="{FF2B5EF4-FFF2-40B4-BE49-F238E27FC236}">
-                <a16:creationId xmlns:a16="http://schemas.microsoft.com/office/drawing/2014/main" id="{52467834-CE66-60F1-4B45-0EC8E8EF15F6}"/>
+              <a:t>SDA</a:t>
+            </a:r>
+          </a:p>
+        </p:txBody>
+      </p:sp>
+      <p:sp>
+        <p:nvSpPr>
+          <p:cNvPr id="33" name="Rectangle 32">
+            <a:extLst>
+              <a:ext uri="{FF2B5EF4-FFF2-40B4-BE49-F238E27FC236}">
+                <a16:creationId xmlns:a16="http://schemas.microsoft.com/office/drawing/2014/main" id="{40BCDD8A-EBF2-9955-EBB1-EFAC3F27561E}"/>
               </a:ext>
             </a:extLst>
           </p:cNvPr>
@@ -5808,7 +4845,7 @@
         </p:nvSpPr>
         <p:spPr>
           <a:xfrm>
-            <a:off x="8989226" y="4846437"/>
+            <a:off x="8984150" y="1301061"/>
             <a:ext cx="672718" cy="348062"/>
           </a:xfrm>
           <a:prstGeom prst="rect">
@@ -5840,17 +4877,17 @@
             <a:pPr algn="ctr"/>
             <a:r>
               <a:rPr lang="en-US" dirty="0"/>
-              <a:t>SCL</a:t>
-            </a:r>
-          </a:p>
-        </p:txBody>
-      </p:sp>
-      <p:sp>
-        <p:nvSpPr>
-          <p:cNvPr id="29" name="Rectangle 28">
-            <a:extLst>
-              <a:ext uri="{FF2B5EF4-FFF2-40B4-BE49-F238E27FC236}">
-                <a16:creationId xmlns:a16="http://schemas.microsoft.com/office/drawing/2014/main" id="{0095A673-37E0-07B7-CE29-7EAD4DC5D7FA}"/>
+              <a:t>5V</a:t>
+            </a:r>
+          </a:p>
+        </p:txBody>
+      </p:sp>
+      <p:sp>
+        <p:nvSpPr>
+          <p:cNvPr id="34" name="Rectangle 33">
+            <a:extLst>
+              <a:ext uri="{FF2B5EF4-FFF2-40B4-BE49-F238E27FC236}">
+                <a16:creationId xmlns:a16="http://schemas.microsoft.com/office/drawing/2014/main" id="{5C860FA9-0CB3-830C-E36E-8203A94E61BA}"/>
               </a:ext>
             </a:extLst>
           </p:cNvPr>
@@ -5859,7 +4896,7 @@
         </p:nvSpPr>
         <p:spPr>
           <a:xfrm>
-            <a:off x="8989226" y="4505984"/>
+            <a:off x="8984150" y="2001548"/>
             <a:ext cx="672718" cy="348062"/>
           </a:xfrm>
           <a:prstGeom prst="rect">
@@ -5891,17 +4928,17 @@
             <a:pPr algn="ctr"/>
             <a:r>
               <a:rPr lang="en-US" dirty="0"/>
-              <a:t>SDA</a:t>
-            </a:r>
-          </a:p>
-        </p:txBody>
-      </p:sp>
-      <p:sp>
-        <p:nvSpPr>
-          <p:cNvPr id="30" name="Rectangle 29">
-            <a:extLst>
-              <a:ext uri="{FF2B5EF4-FFF2-40B4-BE49-F238E27FC236}">
-                <a16:creationId xmlns:a16="http://schemas.microsoft.com/office/drawing/2014/main" id="{177AEBDD-ECD9-E40A-C886-089B09EAEDFA}"/>
+              <a:t>SCL</a:t>
+            </a:r>
+          </a:p>
+        </p:txBody>
+      </p:sp>
+      <p:sp>
+        <p:nvSpPr>
+          <p:cNvPr id="35" name="Rectangle 34">
+            <a:extLst>
+              <a:ext uri="{FF2B5EF4-FFF2-40B4-BE49-F238E27FC236}">
+                <a16:creationId xmlns:a16="http://schemas.microsoft.com/office/drawing/2014/main" id="{36943EC5-F7CF-7129-DF3F-14F060641592}"/>
               </a:ext>
             </a:extLst>
           </p:cNvPr>
@@ -5910,7 +4947,7 @@
         </p:nvSpPr>
         <p:spPr>
           <a:xfrm>
-            <a:off x="8989226" y="5206471"/>
+            <a:off x="8979074" y="2344552"/>
             <a:ext cx="672718" cy="348062"/>
           </a:xfrm>
           <a:prstGeom prst="rect">
@@ -5942,17 +4979,17 @@
             <a:pPr algn="ctr"/>
             <a:r>
               <a:rPr lang="en-US" dirty="0"/>
-              <a:t>3.3V</a:t>
-            </a:r>
-          </a:p>
-        </p:txBody>
-      </p:sp>
-      <p:sp>
-        <p:nvSpPr>
-          <p:cNvPr id="31" name="Rectangle 30">
-            <a:extLst>
-              <a:ext uri="{FF2B5EF4-FFF2-40B4-BE49-F238E27FC236}">
-                <a16:creationId xmlns:a16="http://schemas.microsoft.com/office/drawing/2014/main" id="{C6003DBE-8A89-9A43-AB38-1A803F016303}"/>
+              <a:t>GND</a:t>
+            </a:r>
+          </a:p>
+        </p:txBody>
+      </p:sp>
+      <p:sp>
+        <p:nvSpPr>
+          <p:cNvPr id="37" name="Rectangle 36">
+            <a:extLst>
+              <a:ext uri="{FF2B5EF4-FFF2-40B4-BE49-F238E27FC236}">
+                <a16:creationId xmlns:a16="http://schemas.microsoft.com/office/drawing/2014/main" id="{648A5523-704C-C789-D63E-764DBE8B2DB7}"/>
               </a:ext>
             </a:extLst>
           </p:cNvPr>
@@ -5961,262 +4998,7 @@
         </p:nvSpPr>
         <p:spPr>
           <a:xfrm>
-            <a:off x="8984150" y="5549475"/>
-            <a:ext cx="672718" cy="348062"/>
-          </a:xfrm>
-          <a:prstGeom prst="rect">
-            <a:avLst/>
-          </a:prstGeom>
-          <a:noFill/>
-          <a:ln w="28575"/>
-        </p:spPr>
-        <p:style>
-          <a:lnRef idx="2">
-            <a:schemeClr val="accent1">
-              <a:shade val="15000"/>
-            </a:schemeClr>
-          </a:lnRef>
-          <a:fillRef idx="1">
-            <a:schemeClr val="accent1"/>
-          </a:fillRef>
-          <a:effectRef idx="0">
-            <a:schemeClr val="accent1"/>
-          </a:effectRef>
-          <a:fontRef idx="minor">
-            <a:schemeClr val="lt1"/>
-          </a:fontRef>
-        </p:style>
-        <p:txBody>
-          <a:bodyPr rtlCol="0" anchor="ctr"/>
-          <a:lstStyle/>
-          <a:p>
-            <a:pPr algn="ctr"/>
-            <a:r>
-              <a:rPr lang="en-US" dirty="0"/>
-              <a:t>GND</a:t>
-            </a:r>
-          </a:p>
-        </p:txBody>
-      </p:sp>
-      <p:sp>
-        <p:nvSpPr>
-          <p:cNvPr id="32" name="Rectangle 31">
-            <a:extLst>
-              <a:ext uri="{FF2B5EF4-FFF2-40B4-BE49-F238E27FC236}">
-                <a16:creationId xmlns:a16="http://schemas.microsoft.com/office/drawing/2014/main" id="{600FE8AB-DA10-7C2F-06D6-42923262BA6C}"/>
-              </a:ext>
-            </a:extLst>
-          </p:cNvPr>
-          <p:cNvSpPr/>
-          <p:nvPr/>
-        </p:nvSpPr>
-        <p:spPr>
-          <a:xfrm>
-            <a:off x="8984150" y="1710184"/>
-            <a:ext cx="672718" cy="348062"/>
-          </a:xfrm>
-          <a:prstGeom prst="rect">
-            <a:avLst/>
-          </a:prstGeom>
-          <a:noFill/>
-          <a:ln w="28575"/>
-        </p:spPr>
-        <p:style>
-          <a:lnRef idx="2">
-            <a:schemeClr val="accent1">
-              <a:shade val="15000"/>
-            </a:schemeClr>
-          </a:lnRef>
-          <a:fillRef idx="1">
-            <a:schemeClr val="accent1"/>
-          </a:fillRef>
-          <a:effectRef idx="0">
-            <a:schemeClr val="accent1"/>
-          </a:effectRef>
-          <a:fontRef idx="minor">
-            <a:schemeClr val="lt1"/>
-          </a:fontRef>
-        </p:style>
-        <p:txBody>
-          <a:bodyPr rtlCol="0" anchor="ctr"/>
-          <a:lstStyle/>
-          <a:p>
-            <a:pPr algn="ctr"/>
-            <a:r>
-              <a:rPr lang="en-US" dirty="0"/>
-              <a:t>SCL</a:t>
-            </a:r>
-          </a:p>
-        </p:txBody>
-      </p:sp>
-      <p:sp>
-        <p:nvSpPr>
-          <p:cNvPr id="33" name="Rectangle 32">
-            <a:extLst>
-              <a:ext uri="{FF2B5EF4-FFF2-40B4-BE49-F238E27FC236}">
-                <a16:creationId xmlns:a16="http://schemas.microsoft.com/office/drawing/2014/main" id="{40BCDD8A-EBF2-9955-EBB1-EFAC3F27561E}"/>
-              </a:ext>
-            </a:extLst>
-          </p:cNvPr>
-          <p:cNvSpPr/>
-          <p:nvPr/>
-        </p:nvSpPr>
-        <p:spPr>
-          <a:xfrm>
-            <a:off x="8984150" y="1369731"/>
-            <a:ext cx="672718" cy="348062"/>
-          </a:xfrm>
-          <a:prstGeom prst="rect">
-            <a:avLst/>
-          </a:prstGeom>
-          <a:noFill/>
-          <a:ln w="28575"/>
-        </p:spPr>
-        <p:style>
-          <a:lnRef idx="2">
-            <a:schemeClr val="accent1">
-              <a:shade val="15000"/>
-            </a:schemeClr>
-          </a:lnRef>
-          <a:fillRef idx="1">
-            <a:schemeClr val="accent1"/>
-          </a:fillRef>
-          <a:effectRef idx="0">
-            <a:schemeClr val="accent1"/>
-          </a:effectRef>
-          <a:fontRef idx="minor">
-            <a:schemeClr val="lt1"/>
-          </a:fontRef>
-        </p:style>
-        <p:txBody>
-          <a:bodyPr rtlCol="0" anchor="ctr"/>
-          <a:lstStyle/>
-          <a:p>
-            <a:pPr algn="ctr"/>
-            <a:r>
-              <a:rPr lang="en-US" dirty="0"/>
-              <a:t>SDA</a:t>
-            </a:r>
-          </a:p>
-        </p:txBody>
-      </p:sp>
-      <p:sp>
-        <p:nvSpPr>
-          <p:cNvPr id="34" name="Rectangle 33">
-            <a:extLst>
-              <a:ext uri="{FF2B5EF4-FFF2-40B4-BE49-F238E27FC236}">
-                <a16:creationId xmlns:a16="http://schemas.microsoft.com/office/drawing/2014/main" id="{5C860FA9-0CB3-830C-E36E-8203A94E61BA}"/>
-              </a:ext>
-            </a:extLst>
-          </p:cNvPr>
-          <p:cNvSpPr/>
-          <p:nvPr/>
-        </p:nvSpPr>
-        <p:spPr>
-          <a:xfrm>
-            <a:off x="8984150" y="2070218"/>
-            <a:ext cx="672718" cy="348062"/>
-          </a:xfrm>
-          <a:prstGeom prst="rect">
-            <a:avLst/>
-          </a:prstGeom>
-          <a:noFill/>
-          <a:ln w="28575"/>
-        </p:spPr>
-        <p:style>
-          <a:lnRef idx="2">
-            <a:schemeClr val="accent1">
-              <a:shade val="15000"/>
-            </a:schemeClr>
-          </a:lnRef>
-          <a:fillRef idx="1">
-            <a:schemeClr val="accent1"/>
-          </a:fillRef>
-          <a:effectRef idx="0">
-            <a:schemeClr val="accent1"/>
-          </a:effectRef>
-          <a:fontRef idx="minor">
-            <a:schemeClr val="lt1"/>
-          </a:fontRef>
-        </p:style>
-        <p:txBody>
-          <a:bodyPr rtlCol="0" anchor="ctr"/>
-          <a:lstStyle/>
-          <a:p>
-            <a:pPr algn="ctr"/>
-            <a:r>
-              <a:rPr lang="en-US" dirty="0"/>
-              <a:t>3.3V</a:t>
-            </a:r>
-          </a:p>
-        </p:txBody>
-      </p:sp>
-      <p:sp>
-        <p:nvSpPr>
-          <p:cNvPr id="35" name="Rectangle 34">
-            <a:extLst>
-              <a:ext uri="{FF2B5EF4-FFF2-40B4-BE49-F238E27FC236}">
-                <a16:creationId xmlns:a16="http://schemas.microsoft.com/office/drawing/2014/main" id="{36943EC5-F7CF-7129-DF3F-14F060641592}"/>
-              </a:ext>
-            </a:extLst>
-          </p:cNvPr>
-          <p:cNvSpPr/>
-          <p:nvPr/>
-        </p:nvSpPr>
-        <p:spPr>
-          <a:xfrm>
-            <a:off x="8979074" y="2413222"/>
-            <a:ext cx="672718" cy="348062"/>
-          </a:xfrm>
-          <a:prstGeom prst="rect">
-            <a:avLst/>
-          </a:prstGeom>
-          <a:noFill/>
-          <a:ln w="28575"/>
-        </p:spPr>
-        <p:style>
-          <a:lnRef idx="2">
-            <a:schemeClr val="accent1">
-              <a:shade val="15000"/>
-            </a:schemeClr>
-          </a:lnRef>
-          <a:fillRef idx="1">
-            <a:schemeClr val="accent1"/>
-          </a:fillRef>
-          <a:effectRef idx="0">
-            <a:schemeClr val="accent1"/>
-          </a:effectRef>
-          <a:fontRef idx="minor">
-            <a:schemeClr val="lt1"/>
-          </a:fontRef>
-        </p:style>
-        <p:txBody>
-          <a:bodyPr rtlCol="0" anchor="ctr"/>
-          <a:lstStyle/>
-          <a:p>
-            <a:pPr algn="ctr"/>
-            <a:r>
-              <a:rPr lang="en-US" dirty="0"/>
-              <a:t>GND</a:t>
-            </a:r>
-          </a:p>
-        </p:txBody>
-      </p:sp>
-      <p:sp>
-        <p:nvSpPr>
-          <p:cNvPr id="37" name="Rectangle 36">
-            <a:extLst>
-              <a:ext uri="{FF2B5EF4-FFF2-40B4-BE49-F238E27FC236}">
-                <a16:creationId xmlns:a16="http://schemas.microsoft.com/office/drawing/2014/main" id="{648A5523-704C-C789-D63E-764DBE8B2DB7}"/>
-              </a:ext>
-            </a:extLst>
-          </p:cNvPr>
-          <p:cNvSpPr/>
-          <p:nvPr/>
-        </p:nvSpPr>
-        <p:spPr>
-          <a:xfrm>
-            <a:off x="1205418" y="730975"/>
+            <a:off x="1205418" y="2079393"/>
             <a:ext cx="2002432" cy="2699213"/>
           </a:xfrm>
           <a:prstGeom prst="rect">
@@ -6261,10 +5043,10 @@
       </p:sp>
       <p:sp>
         <p:nvSpPr>
-          <p:cNvPr id="38" name="Rectangle 37">
-            <a:extLst>
-              <a:ext uri="{FF2B5EF4-FFF2-40B4-BE49-F238E27FC236}">
-                <a16:creationId xmlns:a16="http://schemas.microsoft.com/office/drawing/2014/main" id="{1041A753-9636-E27E-539F-FC787D3E8DCF}"/>
+          <p:cNvPr id="43" name="Rectangle 42">
+            <a:extLst>
+              <a:ext uri="{FF2B5EF4-FFF2-40B4-BE49-F238E27FC236}">
+                <a16:creationId xmlns:a16="http://schemas.microsoft.com/office/drawing/2014/main" id="{453060FA-DAC6-542D-35BC-87DA520BA8EF}"/>
               </a:ext>
             </a:extLst>
           </p:cNvPr>
@@ -6273,20 +5055,14 @@
         </p:nvSpPr>
         <p:spPr>
           <a:xfrm>
-            <a:off x="1205418" y="3857581"/>
-            <a:ext cx="2002432" cy="2699213"/>
+            <a:off x="2538939" y="2993108"/>
+            <a:ext cx="672718" cy="348062"/>
           </a:xfrm>
           <a:prstGeom prst="rect">
             <a:avLst/>
           </a:prstGeom>
-          <a:solidFill>
-            <a:srgbClr val="00B0F0"/>
-          </a:solidFill>
-          <a:ln w="28575">
-            <a:solidFill>
-              <a:schemeClr val="tx1"/>
-            </a:solidFill>
-          </a:ln>
+          <a:noFill/>
+          <a:ln w="28575"/>
         </p:spPr>
         <p:style>
           <a:lnRef idx="2">
@@ -6309,16 +5085,19 @@
           <a:lstStyle/>
           <a:p>
             <a:pPr algn="ctr"/>
-            <a:endParaRPr lang="en-US" dirty="0"/>
-          </a:p>
-        </p:txBody>
-      </p:sp>
-      <p:sp>
-        <p:nvSpPr>
-          <p:cNvPr id="43" name="Rectangle 42">
-            <a:extLst>
-              <a:ext uri="{FF2B5EF4-FFF2-40B4-BE49-F238E27FC236}">
-                <a16:creationId xmlns:a16="http://schemas.microsoft.com/office/drawing/2014/main" id="{453060FA-DAC6-542D-35BC-87DA520BA8EF}"/>
+            <a:r>
+              <a:rPr lang="en-US" dirty="0"/>
+              <a:t>5V</a:t>
+            </a:r>
+          </a:p>
+        </p:txBody>
+      </p:sp>
+      <p:sp>
+        <p:nvSpPr>
+          <p:cNvPr id="45" name="Rectangle 44">
+            <a:extLst>
+              <a:ext uri="{FF2B5EF4-FFF2-40B4-BE49-F238E27FC236}">
+                <a16:creationId xmlns:a16="http://schemas.microsoft.com/office/drawing/2014/main" id="{AE35D917-0454-A61E-6D76-91232EDB1ABD}"/>
               </a:ext>
             </a:extLst>
           </p:cNvPr>
@@ -6327,7 +5106,7 @@
         </p:nvSpPr>
         <p:spPr>
           <a:xfrm>
-            <a:off x="2540208" y="1706811"/>
+            <a:off x="2538939" y="3353142"/>
             <a:ext cx="672718" cy="348062"/>
           </a:xfrm>
           <a:prstGeom prst="rect">
@@ -6367,535 +5146,25 @@
       </p:sp>
       <p:sp>
         <p:nvSpPr>
-          <p:cNvPr id="45" name="Rectangle 44">
-            <a:extLst>
-              <a:ext uri="{FF2B5EF4-FFF2-40B4-BE49-F238E27FC236}">
-                <a16:creationId xmlns:a16="http://schemas.microsoft.com/office/drawing/2014/main" id="{AE35D917-0454-A61E-6D76-91232EDB1ABD}"/>
-              </a:ext>
-            </a:extLst>
-          </p:cNvPr>
-          <p:cNvSpPr/>
+          <p:cNvPr id="75" name="TextBox 74">
+            <a:extLst>
+              <a:ext uri="{FF2B5EF4-FFF2-40B4-BE49-F238E27FC236}">
+                <a16:creationId xmlns:a16="http://schemas.microsoft.com/office/drawing/2014/main" id="{0A25C569-CB1C-55D1-B03E-28CCEFF055EB}"/>
+              </a:ext>
+            </a:extLst>
+          </p:cNvPr>
+          <p:cNvSpPr txBox="1"/>
           <p:nvPr/>
         </p:nvSpPr>
         <p:spPr>
           <a:xfrm>
-            <a:off x="2540208" y="2066845"/>
-            <a:ext cx="672718" cy="348062"/>
+            <a:off x="1249485" y="2079393"/>
+            <a:ext cx="1914298" cy="646331"/>
           </a:xfrm>
           <a:prstGeom prst="rect">
             <a:avLst/>
           </a:prstGeom>
           <a:noFill/>
-          <a:ln w="28575"/>
-        </p:spPr>
-        <p:style>
-          <a:lnRef idx="2">
-            <a:schemeClr val="accent1">
-              <a:shade val="15000"/>
-            </a:schemeClr>
-          </a:lnRef>
-          <a:fillRef idx="1">
-            <a:schemeClr val="accent1"/>
-          </a:fillRef>
-          <a:effectRef idx="0">
-            <a:schemeClr val="accent1"/>
-          </a:effectRef>
-          <a:fontRef idx="minor">
-            <a:schemeClr val="lt1"/>
-          </a:fontRef>
-        </p:style>
-        <p:txBody>
-          <a:bodyPr rtlCol="0" anchor="ctr"/>
-          <a:lstStyle/>
-          <a:p>
-            <a:pPr algn="ctr"/>
-            <a:r>
-              <a:rPr lang="en-US" dirty="0"/>
-              <a:t>3.3V</a:t>
-            </a:r>
-          </a:p>
-        </p:txBody>
-      </p:sp>
-      <p:sp>
-        <p:nvSpPr>
-          <p:cNvPr id="46" name="Rectangle 45">
-            <a:extLst>
-              <a:ext uri="{FF2B5EF4-FFF2-40B4-BE49-F238E27FC236}">
-                <a16:creationId xmlns:a16="http://schemas.microsoft.com/office/drawing/2014/main" id="{900BA390-AFFE-EEBF-147D-03BC74BEC959}"/>
-              </a:ext>
-            </a:extLst>
-          </p:cNvPr>
-          <p:cNvSpPr/>
-          <p:nvPr/>
-        </p:nvSpPr>
-        <p:spPr>
-          <a:xfrm>
-            <a:off x="2535132" y="2409849"/>
-            <a:ext cx="672718" cy="348062"/>
-          </a:xfrm>
-          <a:prstGeom prst="rect">
-            <a:avLst/>
-          </a:prstGeom>
-          <a:noFill/>
-          <a:ln w="28575"/>
-        </p:spPr>
-        <p:style>
-          <a:lnRef idx="2">
-            <a:schemeClr val="accent1">
-              <a:shade val="15000"/>
-            </a:schemeClr>
-          </a:lnRef>
-          <a:fillRef idx="1">
-            <a:schemeClr val="accent1"/>
-          </a:fillRef>
-          <a:effectRef idx="0">
-            <a:schemeClr val="accent1"/>
-          </a:effectRef>
-          <a:fontRef idx="minor">
-            <a:schemeClr val="lt1"/>
-          </a:fontRef>
-        </p:style>
-        <p:txBody>
-          <a:bodyPr rtlCol="0" anchor="ctr"/>
-          <a:lstStyle/>
-          <a:p>
-            <a:pPr algn="ctr"/>
-            <a:r>
-              <a:rPr lang="en-US" dirty="0"/>
-              <a:t>GND</a:t>
-            </a:r>
-          </a:p>
-        </p:txBody>
-      </p:sp>
-      <p:sp>
-        <p:nvSpPr>
-          <p:cNvPr id="47" name="Rectangle 46">
-            <a:extLst>
-              <a:ext uri="{FF2B5EF4-FFF2-40B4-BE49-F238E27FC236}">
-                <a16:creationId xmlns:a16="http://schemas.microsoft.com/office/drawing/2014/main" id="{9BCCD4CD-3D4E-A191-20D0-A776E4976237}"/>
-              </a:ext>
-            </a:extLst>
-          </p:cNvPr>
-          <p:cNvSpPr/>
-          <p:nvPr/>
-        </p:nvSpPr>
-        <p:spPr>
-          <a:xfrm>
-            <a:off x="2545284" y="4846437"/>
-            <a:ext cx="672718" cy="348062"/>
-          </a:xfrm>
-          <a:prstGeom prst="rect">
-            <a:avLst/>
-          </a:prstGeom>
-          <a:noFill/>
-          <a:ln w="28575"/>
-        </p:spPr>
-        <p:style>
-          <a:lnRef idx="2">
-            <a:schemeClr val="accent1">
-              <a:shade val="15000"/>
-            </a:schemeClr>
-          </a:lnRef>
-          <a:fillRef idx="1">
-            <a:schemeClr val="accent1"/>
-          </a:fillRef>
-          <a:effectRef idx="0">
-            <a:schemeClr val="accent1"/>
-          </a:effectRef>
-          <a:fontRef idx="minor">
-            <a:schemeClr val="lt1"/>
-          </a:fontRef>
-        </p:style>
-        <p:txBody>
-          <a:bodyPr rtlCol="0" anchor="ctr"/>
-          <a:lstStyle/>
-          <a:p>
-            <a:pPr algn="ctr"/>
-            <a:r>
-              <a:rPr lang="en-US" dirty="0"/>
-              <a:t>SW</a:t>
-            </a:r>
-          </a:p>
-        </p:txBody>
-      </p:sp>
-      <p:sp>
-        <p:nvSpPr>
-          <p:cNvPr id="49" name="Rectangle 48">
-            <a:extLst>
-              <a:ext uri="{FF2B5EF4-FFF2-40B4-BE49-F238E27FC236}">
-                <a16:creationId xmlns:a16="http://schemas.microsoft.com/office/drawing/2014/main" id="{91D46238-4BF3-E97F-1CB6-A1166EA1767C}"/>
-              </a:ext>
-            </a:extLst>
-          </p:cNvPr>
-          <p:cNvSpPr/>
-          <p:nvPr/>
-        </p:nvSpPr>
-        <p:spPr>
-          <a:xfrm>
-            <a:off x="2545284" y="5206471"/>
-            <a:ext cx="672718" cy="348062"/>
-          </a:xfrm>
-          <a:prstGeom prst="rect">
-            <a:avLst/>
-          </a:prstGeom>
-          <a:noFill/>
-          <a:ln w="28575"/>
-        </p:spPr>
-        <p:style>
-          <a:lnRef idx="2">
-            <a:schemeClr val="accent1">
-              <a:shade val="15000"/>
-            </a:schemeClr>
-          </a:lnRef>
-          <a:fillRef idx="1">
-            <a:schemeClr val="accent1"/>
-          </a:fillRef>
-          <a:effectRef idx="0">
-            <a:schemeClr val="accent1"/>
-          </a:effectRef>
-          <a:fontRef idx="minor">
-            <a:schemeClr val="lt1"/>
-          </a:fontRef>
-        </p:style>
-        <p:txBody>
-          <a:bodyPr rtlCol="0" anchor="ctr"/>
-          <a:lstStyle/>
-          <a:p>
-            <a:pPr algn="ctr"/>
-            <a:r>
-              <a:rPr lang="en-US" dirty="0"/>
-              <a:t>3.3V</a:t>
-            </a:r>
-          </a:p>
-        </p:txBody>
-      </p:sp>
-      <p:sp>
-        <p:nvSpPr>
-          <p:cNvPr id="50" name="Rectangle 49">
-            <a:extLst>
-              <a:ext uri="{FF2B5EF4-FFF2-40B4-BE49-F238E27FC236}">
-                <a16:creationId xmlns:a16="http://schemas.microsoft.com/office/drawing/2014/main" id="{7D83430A-9A93-F958-2167-EC024B746718}"/>
-              </a:ext>
-            </a:extLst>
-          </p:cNvPr>
-          <p:cNvSpPr/>
-          <p:nvPr/>
-        </p:nvSpPr>
-        <p:spPr>
-          <a:xfrm>
-            <a:off x="2540208" y="5549475"/>
-            <a:ext cx="672718" cy="348062"/>
-          </a:xfrm>
-          <a:prstGeom prst="rect">
-            <a:avLst/>
-          </a:prstGeom>
-          <a:noFill/>
-          <a:ln w="28575"/>
-        </p:spPr>
-        <p:style>
-          <a:lnRef idx="2">
-            <a:schemeClr val="accent1">
-              <a:shade val="15000"/>
-            </a:schemeClr>
-          </a:lnRef>
-          <a:fillRef idx="1">
-            <a:schemeClr val="accent1"/>
-          </a:fillRef>
-          <a:effectRef idx="0">
-            <a:schemeClr val="accent1"/>
-          </a:effectRef>
-          <a:fontRef idx="minor">
-            <a:schemeClr val="lt1"/>
-          </a:fontRef>
-        </p:style>
-        <p:txBody>
-          <a:bodyPr rtlCol="0" anchor="ctr"/>
-          <a:lstStyle/>
-          <a:p>
-            <a:pPr algn="ctr"/>
-            <a:r>
-              <a:rPr lang="en-US" dirty="0"/>
-              <a:t>GND</a:t>
-            </a:r>
-          </a:p>
-        </p:txBody>
-      </p:sp>
-      <p:sp>
-        <p:nvSpPr>
-          <p:cNvPr id="67" name="Rectangle 66">
-            <a:extLst>
-              <a:ext uri="{FF2B5EF4-FFF2-40B4-BE49-F238E27FC236}">
-                <a16:creationId xmlns:a16="http://schemas.microsoft.com/office/drawing/2014/main" id="{74DC5D96-7AA4-F336-75BD-3CA8DBDD126C}"/>
-              </a:ext>
-            </a:extLst>
-          </p:cNvPr>
-          <p:cNvSpPr/>
-          <p:nvPr/>
-        </p:nvSpPr>
-        <p:spPr>
-          <a:xfrm>
-            <a:off x="4623617" y="4851495"/>
-            <a:ext cx="672718" cy="348062"/>
-          </a:xfrm>
-          <a:prstGeom prst="rect">
-            <a:avLst/>
-          </a:prstGeom>
-          <a:noFill/>
-          <a:ln w="28575"/>
-        </p:spPr>
-        <p:style>
-          <a:lnRef idx="2">
-            <a:schemeClr val="accent1">
-              <a:shade val="15000"/>
-            </a:schemeClr>
-          </a:lnRef>
-          <a:fillRef idx="1">
-            <a:schemeClr val="accent1"/>
-          </a:fillRef>
-          <a:effectRef idx="0">
-            <a:schemeClr val="accent1"/>
-          </a:effectRef>
-          <a:fontRef idx="minor">
-            <a:schemeClr val="lt1"/>
-          </a:fontRef>
-        </p:style>
-        <p:txBody>
-          <a:bodyPr rtlCol="0" anchor="ctr"/>
-          <a:lstStyle/>
-          <a:p>
-            <a:pPr algn="ctr"/>
-            <a:r>
-              <a:rPr lang="en-US" dirty="0"/>
-              <a:t>P1.1</a:t>
-            </a:r>
-          </a:p>
-        </p:txBody>
-      </p:sp>
-      <p:sp>
-        <p:nvSpPr>
-          <p:cNvPr id="69" name="Rectangle 68">
-            <a:extLst>
-              <a:ext uri="{FF2B5EF4-FFF2-40B4-BE49-F238E27FC236}">
-                <a16:creationId xmlns:a16="http://schemas.microsoft.com/office/drawing/2014/main" id="{AB685BF1-9D98-272F-2A42-873FCC669C8E}"/>
-              </a:ext>
-            </a:extLst>
-          </p:cNvPr>
-          <p:cNvSpPr/>
-          <p:nvPr/>
-        </p:nvSpPr>
-        <p:spPr>
-          <a:xfrm>
-            <a:off x="4623617" y="5211529"/>
-            <a:ext cx="672718" cy="348062"/>
-          </a:xfrm>
-          <a:prstGeom prst="rect">
-            <a:avLst/>
-          </a:prstGeom>
-          <a:noFill/>
-          <a:ln w="28575"/>
-        </p:spPr>
-        <p:style>
-          <a:lnRef idx="2">
-            <a:schemeClr val="accent1">
-              <a:shade val="15000"/>
-            </a:schemeClr>
-          </a:lnRef>
-          <a:fillRef idx="1">
-            <a:schemeClr val="accent1"/>
-          </a:fillRef>
-          <a:effectRef idx="0">
-            <a:schemeClr val="accent1"/>
-          </a:effectRef>
-          <a:fontRef idx="minor">
-            <a:schemeClr val="lt1"/>
-          </a:fontRef>
-        </p:style>
-        <p:txBody>
-          <a:bodyPr rtlCol="0" anchor="ctr"/>
-          <a:lstStyle/>
-          <a:p>
-            <a:pPr algn="ctr"/>
-            <a:r>
-              <a:rPr lang="en-US" dirty="0"/>
-              <a:t>3.3V</a:t>
-            </a:r>
-          </a:p>
-        </p:txBody>
-      </p:sp>
-      <p:sp>
-        <p:nvSpPr>
-          <p:cNvPr id="70" name="Rectangle 69">
-            <a:extLst>
-              <a:ext uri="{FF2B5EF4-FFF2-40B4-BE49-F238E27FC236}">
-                <a16:creationId xmlns:a16="http://schemas.microsoft.com/office/drawing/2014/main" id="{26529299-6D5D-934C-98E3-A54D00F48439}"/>
-              </a:ext>
-            </a:extLst>
-          </p:cNvPr>
-          <p:cNvSpPr/>
-          <p:nvPr/>
-        </p:nvSpPr>
-        <p:spPr>
-          <a:xfrm>
-            <a:off x="4618541" y="5554533"/>
-            <a:ext cx="672718" cy="348062"/>
-          </a:xfrm>
-          <a:prstGeom prst="rect">
-            <a:avLst/>
-          </a:prstGeom>
-          <a:noFill/>
-          <a:ln w="28575"/>
-        </p:spPr>
-        <p:style>
-          <a:lnRef idx="2">
-            <a:schemeClr val="accent1">
-              <a:shade val="15000"/>
-            </a:schemeClr>
-          </a:lnRef>
-          <a:fillRef idx="1">
-            <a:schemeClr val="accent1"/>
-          </a:fillRef>
-          <a:effectRef idx="0">
-            <a:schemeClr val="accent1"/>
-          </a:effectRef>
-          <a:fontRef idx="minor">
-            <a:schemeClr val="lt1"/>
-          </a:fontRef>
-        </p:style>
-        <p:txBody>
-          <a:bodyPr rtlCol="0" anchor="ctr"/>
-          <a:lstStyle/>
-          <a:p>
-            <a:pPr algn="ctr"/>
-            <a:r>
-              <a:rPr lang="en-US" dirty="0"/>
-              <a:t>GND</a:t>
-            </a:r>
-          </a:p>
-        </p:txBody>
-      </p:sp>
-      <p:sp>
-        <p:nvSpPr>
-          <p:cNvPr id="73" name="Rectangle 72">
-            <a:extLst>
-              <a:ext uri="{FF2B5EF4-FFF2-40B4-BE49-F238E27FC236}">
-                <a16:creationId xmlns:a16="http://schemas.microsoft.com/office/drawing/2014/main" id="{5D461ABE-16C7-72B0-D601-8B65985BF60F}"/>
-              </a:ext>
-            </a:extLst>
-          </p:cNvPr>
-          <p:cNvSpPr/>
-          <p:nvPr/>
-        </p:nvSpPr>
-        <p:spPr>
-          <a:xfrm>
-            <a:off x="4618541" y="2075276"/>
-            <a:ext cx="672718" cy="348062"/>
-          </a:xfrm>
-          <a:prstGeom prst="rect">
-            <a:avLst/>
-          </a:prstGeom>
-          <a:noFill/>
-          <a:ln w="28575"/>
-        </p:spPr>
-        <p:style>
-          <a:lnRef idx="2">
-            <a:schemeClr val="accent1">
-              <a:shade val="15000"/>
-            </a:schemeClr>
-          </a:lnRef>
-          <a:fillRef idx="1">
-            <a:schemeClr val="accent1"/>
-          </a:fillRef>
-          <a:effectRef idx="0">
-            <a:schemeClr val="accent1"/>
-          </a:effectRef>
-          <a:fontRef idx="minor">
-            <a:schemeClr val="lt1"/>
-          </a:fontRef>
-        </p:style>
-        <p:txBody>
-          <a:bodyPr rtlCol="0" anchor="ctr"/>
-          <a:lstStyle/>
-          <a:p>
-            <a:pPr algn="ctr"/>
-            <a:r>
-              <a:rPr lang="en-US" dirty="0"/>
-              <a:t>3.3V</a:t>
-            </a:r>
-          </a:p>
-        </p:txBody>
-      </p:sp>
-      <p:sp>
-        <p:nvSpPr>
-          <p:cNvPr id="74" name="Rectangle 73">
-            <a:extLst>
-              <a:ext uri="{FF2B5EF4-FFF2-40B4-BE49-F238E27FC236}">
-                <a16:creationId xmlns:a16="http://schemas.microsoft.com/office/drawing/2014/main" id="{C3897D93-6C1C-6FAE-349A-71DD027D8138}"/>
-              </a:ext>
-            </a:extLst>
-          </p:cNvPr>
-          <p:cNvSpPr/>
-          <p:nvPr/>
-        </p:nvSpPr>
-        <p:spPr>
-          <a:xfrm>
-            <a:off x="4613465" y="2418280"/>
-            <a:ext cx="672718" cy="348062"/>
-          </a:xfrm>
-          <a:prstGeom prst="rect">
-            <a:avLst/>
-          </a:prstGeom>
-          <a:noFill/>
-          <a:ln w="28575"/>
-        </p:spPr>
-        <p:style>
-          <a:lnRef idx="2">
-            <a:schemeClr val="accent1">
-              <a:shade val="15000"/>
-            </a:schemeClr>
-          </a:lnRef>
-          <a:fillRef idx="1">
-            <a:schemeClr val="accent1"/>
-          </a:fillRef>
-          <a:effectRef idx="0">
-            <a:schemeClr val="accent1"/>
-          </a:effectRef>
-          <a:fontRef idx="minor">
-            <a:schemeClr val="lt1"/>
-          </a:fontRef>
-        </p:style>
-        <p:txBody>
-          <a:bodyPr rtlCol="0" anchor="ctr"/>
-          <a:lstStyle/>
-          <a:p>
-            <a:pPr algn="ctr"/>
-            <a:r>
-              <a:rPr lang="en-US" dirty="0"/>
-              <a:t>GND</a:t>
-            </a:r>
-          </a:p>
-        </p:txBody>
-      </p:sp>
-      <p:sp>
-        <p:nvSpPr>
-          <p:cNvPr id="75" name="TextBox 74">
-            <a:extLst>
-              <a:ext uri="{FF2B5EF4-FFF2-40B4-BE49-F238E27FC236}">
-                <a16:creationId xmlns:a16="http://schemas.microsoft.com/office/drawing/2014/main" id="{0A25C569-CB1C-55D1-B03E-28CCEFF055EB}"/>
-              </a:ext>
-            </a:extLst>
-          </p:cNvPr>
-          <p:cNvSpPr txBox="1"/>
-          <p:nvPr/>
-        </p:nvSpPr>
-        <p:spPr>
-          <a:xfrm>
-            <a:off x="1249485" y="709370"/>
-            <a:ext cx="1914298" cy="369332"/>
-          </a:xfrm>
-          <a:prstGeom prst="rect">
-            <a:avLst/>
-          </a:prstGeom>
-          <a:noFill/>
         </p:spPr>
         <p:txBody>
           <a:bodyPr wrap="square" rtlCol="0">
@@ -6906,43 +5175,7 @@
             <a:pPr algn="ctr"/>
             <a:r>
               <a:rPr lang="en-US" dirty="0"/>
-              <a:t>Joystick</a:t>
-            </a:r>
-          </a:p>
-        </p:txBody>
-      </p:sp>
-      <p:sp>
-        <p:nvSpPr>
-          <p:cNvPr id="76" name="TextBox 75">
-            <a:extLst>
-              <a:ext uri="{FF2B5EF4-FFF2-40B4-BE49-F238E27FC236}">
-                <a16:creationId xmlns:a16="http://schemas.microsoft.com/office/drawing/2014/main" id="{325408E5-B961-F282-826E-F4AC8213B60B}"/>
-              </a:ext>
-            </a:extLst>
-          </p:cNvPr>
-          <p:cNvSpPr txBox="1"/>
-          <p:nvPr/>
-        </p:nvSpPr>
-        <p:spPr>
-          <a:xfrm>
-            <a:off x="1249485" y="3857581"/>
-            <a:ext cx="1914298" cy="369332"/>
-          </a:xfrm>
-          <a:prstGeom prst="rect">
-            <a:avLst/>
-          </a:prstGeom>
-          <a:noFill/>
-        </p:spPr>
-        <p:txBody>
-          <a:bodyPr wrap="square" rtlCol="0">
-            <a:spAutoFit/>
-          </a:bodyPr>
-          <a:lstStyle/>
-          <a:p>
-            <a:pPr algn="ctr"/>
-            <a:r>
-              <a:rPr lang="en-US" dirty="0"/>
-              <a:t>Push Button</a:t>
+              <a:t>Joystick w/ Push Button</a:t>
             </a:r>
           </a:p>
         </p:txBody>
@@ -7171,150 +5404,6 @@
           </a:fontRef>
         </p:style>
       </p:cxnSp>
-      <p:sp>
-        <p:nvSpPr>
-          <p:cNvPr id="84" name="TextBox 83">
-            <a:extLst>
-              <a:ext uri="{FF2B5EF4-FFF2-40B4-BE49-F238E27FC236}">
-                <a16:creationId xmlns:a16="http://schemas.microsoft.com/office/drawing/2014/main" id="{BC20E16F-376C-F7C9-CC64-FEBBCD0F5778}"/>
-              </a:ext>
-            </a:extLst>
-          </p:cNvPr>
-          <p:cNvSpPr txBox="1"/>
-          <p:nvPr/>
-        </p:nvSpPr>
-        <p:spPr>
-          <a:xfrm>
-            <a:off x="9592829" y="1353172"/>
-            <a:ext cx="481327" cy="369332"/>
-          </a:xfrm>
-          <a:prstGeom prst="rect">
-            <a:avLst/>
-          </a:prstGeom>
-          <a:noFill/>
-        </p:spPr>
-        <p:txBody>
-          <a:bodyPr wrap="square" rtlCol="0">
-            <a:spAutoFit/>
-          </a:bodyPr>
-          <a:lstStyle/>
-          <a:p>
-            <a:pPr algn="ctr"/>
-            <a:r>
-              <a:rPr lang="en-US" dirty="0"/>
-              <a:t>x2</a:t>
-            </a:r>
-          </a:p>
-        </p:txBody>
-      </p:sp>
-      <p:sp>
-        <p:nvSpPr>
-          <p:cNvPr id="86" name="TextBox 85">
-            <a:extLst>
-              <a:ext uri="{FF2B5EF4-FFF2-40B4-BE49-F238E27FC236}">
-                <a16:creationId xmlns:a16="http://schemas.microsoft.com/office/drawing/2014/main" id="{22A68DC3-2CC5-7C9C-0AD6-185ADFDD38F2}"/>
-              </a:ext>
-            </a:extLst>
-          </p:cNvPr>
-          <p:cNvSpPr txBox="1"/>
-          <p:nvPr/>
-        </p:nvSpPr>
-        <p:spPr>
-          <a:xfrm>
-            <a:off x="9592829" y="1711249"/>
-            <a:ext cx="481327" cy="369332"/>
-          </a:xfrm>
-          <a:prstGeom prst="rect">
-            <a:avLst/>
-          </a:prstGeom>
-          <a:noFill/>
-        </p:spPr>
-        <p:txBody>
-          <a:bodyPr wrap="square" rtlCol="0">
-            <a:spAutoFit/>
-          </a:bodyPr>
-          <a:lstStyle/>
-          <a:p>
-            <a:pPr algn="ctr"/>
-            <a:r>
-              <a:rPr lang="en-US" dirty="0"/>
-              <a:t>x2</a:t>
-            </a:r>
-          </a:p>
-        </p:txBody>
-      </p:sp>
-      <p:sp>
-        <p:nvSpPr>
-          <p:cNvPr id="88" name="TextBox 87">
-            <a:extLst>
-              <a:ext uri="{FF2B5EF4-FFF2-40B4-BE49-F238E27FC236}">
-                <a16:creationId xmlns:a16="http://schemas.microsoft.com/office/drawing/2014/main" id="{198F47A5-7943-AAAC-DDD3-9D27EC15F00D}"/>
-              </a:ext>
-            </a:extLst>
-          </p:cNvPr>
-          <p:cNvSpPr txBox="1"/>
-          <p:nvPr/>
-        </p:nvSpPr>
-        <p:spPr>
-          <a:xfrm>
-            <a:off x="9592829" y="2012772"/>
-            <a:ext cx="481327" cy="369332"/>
-          </a:xfrm>
-          <a:prstGeom prst="rect">
-            <a:avLst/>
-          </a:prstGeom>
-          <a:noFill/>
-        </p:spPr>
-        <p:txBody>
-          <a:bodyPr wrap="square" rtlCol="0">
-            <a:spAutoFit/>
-          </a:bodyPr>
-          <a:lstStyle/>
-          <a:p>
-            <a:pPr algn="ctr"/>
-            <a:r>
-              <a:rPr lang="en-US" dirty="0"/>
-              <a:t>x2</a:t>
-            </a:r>
-          </a:p>
-        </p:txBody>
-      </p:sp>
-      <p:sp>
-        <p:nvSpPr>
-          <p:cNvPr id="89" name="TextBox 88">
-            <a:extLst>
-              <a:ext uri="{FF2B5EF4-FFF2-40B4-BE49-F238E27FC236}">
-                <a16:creationId xmlns:a16="http://schemas.microsoft.com/office/drawing/2014/main" id="{F9317C0B-BD62-F32D-A0E7-BE06D68E9E7D}"/>
-              </a:ext>
-            </a:extLst>
-          </p:cNvPr>
-          <p:cNvSpPr txBox="1"/>
-          <p:nvPr/>
-        </p:nvSpPr>
-        <p:spPr>
-          <a:xfrm>
-            <a:off x="9592829" y="2370849"/>
-            <a:ext cx="481327" cy="369332"/>
-          </a:xfrm>
-          <a:prstGeom prst="rect">
-            <a:avLst/>
-          </a:prstGeom>
-          <a:noFill/>
-        </p:spPr>
-        <p:txBody>
-          <a:bodyPr wrap="square" rtlCol="0">
-            <a:spAutoFit/>
-          </a:bodyPr>
-          <a:lstStyle/>
-          <a:p>
-            <a:pPr algn="ctr"/>
-            <a:r>
-              <a:rPr lang="en-US" dirty="0"/>
-              <a:t>x2</a:t>
-            </a:r>
-          </a:p>
-        </p:txBody>
-      </p:sp>
       <p:cxnSp>
         <p:nvCxnSpPr>
           <p:cNvPr id="90" name="Straight Connector 89">
@@ -7327,14 +5416,14 @@
           <p:cNvCxnSpPr>
             <a:cxnSpLocks/>
             <a:stCxn id="13" idx="3"/>
-            <a:endCxn id="33" idx="1"/>
+            <a:endCxn id="122" idx="1"/>
           </p:cNvCxnSpPr>
           <p:nvPr/>
         </p:nvCxnSpPr>
         <p:spPr>
           <a:xfrm>
-            <a:off x="7562376" y="1540389"/>
-            <a:ext cx="1421774" cy="3373"/>
+            <a:off x="7562376" y="1471719"/>
+            <a:ext cx="807939" cy="2"/>
           </a:xfrm>
           <a:prstGeom prst="line">
             <a:avLst/>
@@ -7378,7 +5467,7 @@
         </p:nvCxnSpPr>
         <p:spPr>
           <a:xfrm>
-            <a:off x="7562376" y="1880842"/>
+            <a:off x="7562376" y="1812172"/>
             <a:ext cx="1421774" cy="3373"/>
           </a:xfrm>
           <a:prstGeom prst="line">
@@ -7423,7 +5512,7 @@
         </p:nvCxnSpPr>
         <p:spPr>
           <a:xfrm>
-            <a:off x="7562376" y="2240876"/>
+            <a:off x="7562376" y="2172206"/>
             <a:ext cx="1421774" cy="3373"/>
           </a:xfrm>
           <a:prstGeom prst="line">
@@ -7468,323 +5557,8 @@
         </p:nvCxnSpPr>
         <p:spPr>
           <a:xfrm>
-            <a:off x="7557300" y="2583880"/>
+            <a:off x="7557300" y="2515210"/>
             <a:ext cx="1421774" cy="3373"/>
-          </a:xfrm>
-          <a:prstGeom prst="line">
-            <a:avLst/>
-          </a:prstGeom>
-          <a:ln w="28575">
-            <a:solidFill>
-              <a:schemeClr val="tx1"/>
-            </a:solidFill>
-          </a:ln>
-        </p:spPr>
-        <p:style>
-          <a:lnRef idx="2">
-            <a:schemeClr val="accent1"/>
-          </a:lnRef>
-          <a:fillRef idx="0">
-            <a:schemeClr val="accent1"/>
-          </a:fillRef>
-          <a:effectRef idx="1">
-            <a:schemeClr val="accent1"/>
-          </a:effectRef>
-          <a:fontRef idx="minor">
-            <a:schemeClr val="tx1"/>
-          </a:fontRef>
-        </p:style>
-      </p:cxnSp>
-      <p:cxnSp>
-        <p:nvCxnSpPr>
-          <p:cNvPr id="104" name="Straight Connector 103">
-            <a:extLst>
-              <a:ext uri="{FF2B5EF4-FFF2-40B4-BE49-F238E27FC236}">
-                <a16:creationId xmlns:a16="http://schemas.microsoft.com/office/drawing/2014/main" id="{02618B11-C363-AA83-5E09-DA17DC52E284}"/>
-              </a:ext>
-            </a:extLst>
-          </p:cNvPr>
-          <p:cNvCxnSpPr>
-            <a:cxnSpLocks/>
-            <a:stCxn id="17" idx="3"/>
-            <a:endCxn id="29" idx="1"/>
-          </p:cNvCxnSpPr>
-          <p:nvPr/>
-        </p:nvCxnSpPr>
-        <p:spPr>
-          <a:xfrm flipV="1">
-            <a:off x="7578535" y="4680015"/>
-            <a:ext cx="1410691" cy="717"/>
-          </a:xfrm>
-          <a:prstGeom prst="line">
-            <a:avLst/>
-          </a:prstGeom>
-          <a:ln w="28575">
-            <a:solidFill>
-              <a:schemeClr val="tx1"/>
-            </a:solidFill>
-          </a:ln>
-        </p:spPr>
-        <p:style>
-          <a:lnRef idx="2">
-            <a:schemeClr val="accent1"/>
-          </a:lnRef>
-          <a:fillRef idx="0">
-            <a:schemeClr val="accent1"/>
-          </a:fillRef>
-          <a:effectRef idx="1">
-            <a:schemeClr val="accent1"/>
-          </a:effectRef>
-          <a:fontRef idx="minor">
-            <a:schemeClr val="tx1"/>
-          </a:fontRef>
-        </p:style>
-      </p:cxnSp>
-      <p:cxnSp>
-        <p:nvCxnSpPr>
-          <p:cNvPr id="105" name="Straight Connector 104">
-            <a:extLst>
-              <a:ext uri="{FF2B5EF4-FFF2-40B4-BE49-F238E27FC236}">
-                <a16:creationId xmlns:a16="http://schemas.microsoft.com/office/drawing/2014/main" id="{C89A6A36-A4C3-1FA5-6DED-7F87013607BA}"/>
-              </a:ext>
-            </a:extLst>
-          </p:cNvPr>
-          <p:cNvCxnSpPr>
-            <a:cxnSpLocks/>
-            <a:stCxn id="16" idx="3"/>
-            <a:endCxn id="28" idx="1"/>
-          </p:cNvCxnSpPr>
-          <p:nvPr/>
-        </p:nvCxnSpPr>
-        <p:spPr>
-          <a:xfrm flipV="1">
-            <a:off x="7578535" y="5020468"/>
-            <a:ext cx="1410691" cy="717"/>
-          </a:xfrm>
-          <a:prstGeom prst="line">
-            <a:avLst/>
-          </a:prstGeom>
-          <a:ln w="28575">
-            <a:solidFill>
-              <a:schemeClr val="tx1"/>
-            </a:solidFill>
-          </a:ln>
-        </p:spPr>
-        <p:style>
-          <a:lnRef idx="2">
-            <a:schemeClr val="accent1"/>
-          </a:lnRef>
-          <a:fillRef idx="0">
-            <a:schemeClr val="accent1"/>
-          </a:fillRef>
-          <a:effectRef idx="1">
-            <a:schemeClr val="accent1"/>
-          </a:effectRef>
-          <a:fontRef idx="minor">
-            <a:schemeClr val="tx1"/>
-          </a:fontRef>
-        </p:style>
-      </p:cxnSp>
-      <p:cxnSp>
-        <p:nvCxnSpPr>
-          <p:cNvPr id="106" name="Straight Connector 105">
-            <a:extLst>
-              <a:ext uri="{FF2B5EF4-FFF2-40B4-BE49-F238E27FC236}">
-                <a16:creationId xmlns:a16="http://schemas.microsoft.com/office/drawing/2014/main" id="{0631F68D-401D-96F7-7836-CDF2E1FB7280}"/>
-              </a:ext>
-            </a:extLst>
-          </p:cNvPr>
-          <p:cNvCxnSpPr>
-            <a:cxnSpLocks/>
-            <a:stCxn id="18" idx="3"/>
-            <a:endCxn id="30" idx="1"/>
-          </p:cNvCxnSpPr>
-          <p:nvPr/>
-        </p:nvCxnSpPr>
-        <p:spPr>
-          <a:xfrm flipV="1">
-            <a:off x="7578535" y="5380502"/>
-            <a:ext cx="1410691" cy="717"/>
-          </a:xfrm>
-          <a:prstGeom prst="line">
-            <a:avLst/>
-          </a:prstGeom>
-          <a:ln w="28575">
-            <a:solidFill>
-              <a:schemeClr val="tx1"/>
-            </a:solidFill>
-          </a:ln>
-        </p:spPr>
-        <p:style>
-          <a:lnRef idx="2">
-            <a:schemeClr val="accent1"/>
-          </a:lnRef>
-          <a:fillRef idx="0">
-            <a:schemeClr val="accent1"/>
-          </a:fillRef>
-          <a:effectRef idx="1">
-            <a:schemeClr val="accent1"/>
-          </a:effectRef>
-          <a:fontRef idx="minor">
-            <a:schemeClr val="tx1"/>
-          </a:fontRef>
-        </p:style>
-      </p:cxnSp>
-      <p:cxnSp>
-        <p:nvCxnSpPr>
-          <p:cNvPr id="107" name="Straight Connector 106">
-            <a:extLst>
-              <a:ext uri="{FF2B5EF4-FFF2-40B4-BE49-F238E27FC236}">
-                <a16:creationId xmlns:a16="http://schemas.microsoft.com/office/drawing/2014/main" id="{4D4DB6BC-255A-DBDA-581A-26C9445DEE0D}"/>
-              </a:ext>
-            </a:extLst>
-          </p:cNvPr>
-          <p:cNvCxnSpPr>
-            <a:cxnSpLocks/>
-            <a:stCxn id="19" idx="3"/>
-            <a:endCxn id="31" idx="1"/>
-          </p:cNvCxnSpPr>
-          <p:nvPr/>
-        </p:nvCxnSpPr>
-        <p:spPr>
-          <a:xfrm flipV="1">
-            <a:off x="7573459" y="5723506"/>
-            <a:ext cx="1410691" cy="717"/>
-          </a:xfrm>
-          <a:prstGeom prst="line">
-            <a:avLst/>
-          </a:prstGeom>
-          <a:ln w="28575">
-            <a:solidFill>
-              <a:schemeClr val="tx1"/>
-            </a:solidFill>
-          </a:ln>
-        </p:spPr>
-        <p:style>
-          <a:lnRef idx="2">
-            <a:schemeClr val="accent1"/>
-          </a:lnRef>
-          <a:fillRef idx="0">
-            <a:schemeClr val="accent1"/>
-          </a:fillRef>
-          <a:effectRef idx="1">
-            <a:schemeClr val="accent1"/>
-          </a:effectRef>
-          <a:fontRef idx="minor">
-            <a:schemeClr val="tx1"/>
-          </a:fontRef>
-        </p:style>
-      </p:cxnSp>
-      <p:cxnSp>
-        <p:nvCxnSpPr>
-          <p:cNvPr id="117" name="Straight Connector 116">
-            <a:extLst>
-              <a:ext uri="{FF2B5EF4-FFF2-40B4-BE49-F238E27FC236}">
-                <a16:creationId xmlns:a16="http://schemas.microsoft.com/office/drawing/2014/main" id="{EE83A4EA-F651-39B2-2E70-A9D355962F3C}"/>
-              </a:ext>
-            </a:extLst>
-          </p:cNvPr>
-          <p:cNvCxnSpPr>
-            <a:cxnSpLocks/>
-            <a:stCxn id="43" idx="3"/>
-            <a:endCxn id="140" idx="1"/>
-          </p:cNvCxnSpPr>
-          <p:nvPr/>
-        </p:nvCxnSpPr>
-        <p:spPr>
-          <a:xfrm>
-            <a:off x="3212926" y="1880842"/>
-            <a:ext cx="1408153" cy="21616"/>
-          </a:xfrm>
-          <a:prstGeom prst="line">
-            <a:avLst/>
-          </a:prstGeom>
-          <a:ln w="28575">
-            <a:solidFill>
-              <a:schemeClr val="tx1"/>
-            </a:solidFill>
-          </a:ln>
-        </p:spPr>
-        <p:style>
-          <a:lnRef idx="2">
-            <a:schemeClr val="accent1"/>
-          </a:lnRef>
-          <a:fillRef idx="0">
-            <a:schemeClr val="accent1"/>
-          </a:fillRef>
-          <a:effectRef idx="1">
-            <a:schemeClr val="accent1"/>
-          </a:effectRef>
-          <a:fontRef idx="minor">
-            <a:schemeClr val="tx1"/>
-          </a:fontRef>
-        </p:style>
-      </p:cxnSp>
-      <p:cxnSp>
-        <p:nvCxnSpPr>
-          <p:cNvPr id="118" name="Straight Connector 117">
-            <a:extLst>
-              <a:ext uri="{FF2B5EF4-FFF2-40B4-BE49-F238E27FC236}">
-                <a16:creationId xmlns:a16="http://schemas.microsoft.com/office/drawing/2014/main" id="{9E19B316-9611-72AA-FF8C-5FC4E988DA54}"/>
-              </a:ext>
-            </a:extLst>
-          </p:cNvPr>
-          <p:cNvCxnSpPr>
-            <a:cxnSpLocks/>
-            <a:stCxn id="45" idx="3"/>
-            <a:endCxn id="73" idx="1"/>
-          </p:cNvCxnSpPr>
-          <p:nvPr/>
-        </p:nvCxnSpPr>
-        <p:spPr>
-          <a:xfrm>
-            <a:off x="3212926" y="2240876"/>
-            <a:ext cx="1405615" cy="8431"/>
-          </a:xfrm>
-          <a:prstGeom prst="line">
-            <a:avLst/>
-          </a:prstGeom>
-          <a:ln w="28575">
-            <a:solidFill>
-              <a:schemeClr val="tx1"/>
-            </a:solidFill>
-          </a:ln>
-        </p:spPr>
-        <p:style>
-          <a:lnRef idx="2">
-            <a:schemeClr val="accent1"/>
-          </a:lnRef>
-          <a:fillRef idx="0">
-            <a:schemeClr val="accent1"/>
-          </a:fillRef>
-          <a:effectRef idx="1">
-            <a:schemeClr val="accent1"/>
-          </a:effectRef>
-          <a:fontRef idx="minor">
-            <a:schemeClr val="tx1"/>
-          </a:fontRef>
-        </p:style>
-      </p:cxnSp>
-      <p:cxnSp>
-        <p:nvCxnSpPr>
-          <p:cNvPr id="119" name="Straight Connector 118">
-            <a:extLst>
-              <a:ext uri="{FF2B5EF4-FFF2-40B4-BE49-F238E27FC236}">
-                <a16:creationId xmlns:a16="http://schemas.microsoft.com/office/drawing/2014/main" id="{0C245FFE-623C-D651-077C-79E8E509A571}"/>
-              </a:ext>
-            </a:extLst>
-          </p:cNvPr>
-          <p:cNvCxnSpPr>
-            <a:cxnSpLocks/>
-            <a:stCxn id="46" idx="3"/>
-            <a:endCxn id="74" idx="1"/>
-          </p:cNvCxnSpPr>
-          <p:nvPr/>
-        </p:nvCxnSpPr>
-        <p:spPr>
-          <a:xfrm>
-            <a:off x="3207850" y="2583880"/>
-            <a:ext cx="1405615" cy="8431"/>
           </a:xfrm>
           <a:prstGeom prst="line">
             <a:avLst/>
@@ -7837,7 +5611,7 @@
         </p:blipFill>
         <p:spPr bwMode="auto">
           <a:xfrm rot="5400000">
-            <a:off x="7754999" y="1905412"/>
+            <a:off x="7780254" y="1486915"/>
             <a:ext cx="356659" cy="307523"/>
           </a:xfrm>
           <a:prstGeom prst="rect">
@@ -7882,7 +5656,7 @@
         </p:blipFill>
         <p:spPr bwMode="auto">
           <a:xfrm rot="5400000">
-            <a:off x="8199732" y="1743604"/>
+            <a:off x="8013339" y="1674935"/>
             <a:ext cx="713952" cy="307523"/>
           </a:xfrm>
           <a:prstGeom prst="rect">
@@ -7900,12 +5674,888 @@
           </a:extLst>
         </p:spPr>
       </p:pic>
+      <p:cxnSp>
+        <p:nvCxnSpPr>
+          <p:cNvPr id="9" name="Straight Connector 8">
+            <a:extLst>
+              <a:ext uri="{FF2B5EF4-FFF2-40B4-BE49-F238E27FC236}">
+                <a16:creationId xmlns:a16="http://schemas.microsoft.com/office/drawing/2014/main" id="{683E5EE5-6BFD-6349-BCE1-F01D8EFAFBF1}"/>
+              </a:ext>
+            </a:extLst>
+          </p:cNvPr>
+          <p:cNvCxnSpPr>
+            <a:cxnSpLocks/>
+            <a:endCxn id="33" idx="1"/>
+          </p:cNvCxnSpPr>
+          <p:nvPr/>
+        </p:nvCxnSpPr>
+        <p:spPr>
+          <a:xfrm>
+            <a:off x="8656047" y="1475092"/>
+            <a:ext cx="328103" cy="0"/>
+          </a:xfrm>
+          <a:prstGeom prst="line">
+            <a:avLst/>
+          </a:prstGeom>
+          <a:ln w="28575">
+            <a:solidFill>
+              <a:schemeClr val="tx1"/>
+            </a:solidFill>
+          </a:ln>
+        </p:spPr>
+        <p:style>
+          <a:lnRef idx="2">
+            <a:schemeClr val="accent1"/>
+          </a:lnRef>
+          <a:fillRef idx="0">
+            <a:schemeClr val="accent1"/>
+          </a:fillRef>
+          <a:effectRef idx="1">
+            <a:schemeClr val="accent1"/>
+          </a:effectRef>
+          <a:fontRef idx="minor">
+            <a:schemeClr val="tx1"/>
+          </a:fontRef>
+        </p:style>
+      </p:cxnSp>
+      <p:cxnSp>
+        <p:nvCxnSpPr>
+          <p:cNvPr id="24" name="Straight Connector 23">
+            <a:extLst>
+              <a:ext uri="{FF2B5EF4-FFF2-40B4-BE49-F238E27FC236}">
+                <a16:creationId xmlns:a16="http://schemas.microsoft.com/office/drawing/2014/main" id="{E68EACB3-66A7-C51F-F787-BD60A5C314F5}"/>
+              </a:ext>
+            </a:extLst>
+          </p:cNvPr>
+          <p:cNvCxnSpPr>
+            <a:cxnSpLocks/>
+          </p:cNvCxnSpPr>
+          <p:nvPr/>
+        </p:nvCxnSpPr>
+        <p:spPr>
+          <a:xfrm>
+            <a:off x="8669741" y="1229912"/>
+            <a:ext cx="0" cy="258316"/>
+          </a:xfrm>
+          <a:prstGeom prst="line">
+            <a:avLst/>
+          </a:prstGeom>
+          <a:ln w="28575">
+            <a:solidFill>
+              <a:schemeClr val="tx1"/>
+            </a:solidFill>
+          </a:ln>
+        </p:spPr>
+        <p:style>
+          <a:lnRef idx="2">
+            <a:schemeClr val="accent1"/>
+          </a:lnRef>
+          <a:fillRef idx="0">
+            <a:schemeClr val="accent1"/>
+          </a:fillRef>
+          <a:effectRef idx="1">
+            <a:schemeClr val="accent1"/>
+          </a:effectRef>
+          <a:fontRef idx="minor">
+            <a:schemeClr val="tx1"/>
+          </a:fontRef>
+        </p:style>
+      </p:cxnSp>
+      <p:sp>
+        <p:nvSpPr>
+          <p:cNvPr id="36" name="Isosceles Triangle 35">
+            <a:extLst>
+              <a:ext uri="{FF2B5EF4-FFF2-40B4-BE49-F238E27FC236}">
+                <a16:creationId xmlns:a16="http://schemas.microsoft.com/office/drawing/2014/main" id="{B020464E-5090-3370-BEC4-CC1909BD216C}"/>
+              </a:ext>
+            </a:extLst>
+          </p:cNvPr>
+          <p:cNvSpPr/>
+          <p:nvPr/>
+        </p:nvSpPr>
+        <p:spPr>
+          <a:xfrm>
+            <a:off x="8575445" y="1088399"/>
+            <a:ext cx="188591" cy="138023"/>
+          </a:xfrm>
+          <a:prstGeom prst="triangle">
+            <a:avLst/>
+          </a:prstGeom>
+          <a:solidFill>
+            <a:schemeClr val="tx1"/>
+          </a:solidFill>
+          <a:ln>
+            <a:solidFill>
+              <a:schemeClr val="tx1"/>
+            </a:solidFill>
+          </a:ln>
+        </p:spPr>
+        <p:style>
+          <a:lnRef idx="2">
+            <a:schemeClr val="accent1">
+              <a:shade val="15000"/>
+            </a:schemeClr>
+          </a:lnRef>
+          <a:fillRef idx="1">
+            <a:schemeClr val="accent1"/>
+          </a:fillRef>
+          <a:effectRef idx="0">
+            <a:schemeClr val="accent1"/>
+          </a:effectRef>
+          <a:fontRef idx="minor">
+            <a:schemeClr val="lt1"/>
+          </a:fontRef>
+        </p:style>
+        <p:txBody>
+          <a:bodyPr rtlCol="0" anchor="ctr"/>
+          <a:lstStyle/>
+          <a:p>
+            <a:pPr algn="ctr"/>
+            <a:endParaRPr lang="en-US"/>
+          </a:p>
+        </p:txBody>
+      </p:sp>
+      <p:sp>
+        <p:nvSpPr>
+          <p:cNvPr id="39" name="Rectangle 38">
+            <a:extLst>
+              <a:ext uri="{FF2B5EF4-FFF2-40B4-BE49-F238E27FC236}">
+                <a16:creationId xmlns:a16="http://schemas.microsoft.com/office/drawing/2014/main" id="{DDBA90C3-EA5D-8AAF-0ECF-A6C2476CFFCF}"/>
+              </a:ext>
+            </a:extLst>
+          </p:cNvPr>
+          <p:cNvSpPr/>
+          <p:nvPr/>
+        </p:nvSpPr>
+        <p:spPr>
+          <a:xfrm>
+            <a:off x="8289399" y="784858"/>
+            <a:ext cx="672718" cy="348062"/>
+          </a:xfrm>
+          <a:prstGeom prst="rect">
+            <a:avLst/>
+          </a:prstGeom>
+          <a:noFill/>
+          <a:ln w="28575">
+            <a:noFill/>
+          </a:ln>
+        </p:spPr>
+        <p:style>
+          <a:lnRef idx="2">
+            <a:schemeClr val="accent1">
+              <a:shade val="15000"/>
+            </a:schemeClr>
+          </a:lnRef>
+          <a:fillRef idx="1">
+            <a:schemeClr val="accent1"/>
+          </a:fillRef>
+          <a:effectRef idx="0">
+            <a:schemeClr val="accent1"/>
+          </a:effectRef>
+          <a:fontRef idx="minor">
+            <a:schemeClr val="lt1"/>
+          </a:fontRef>
+        </p:style>
+        <p:txBody>
+          <a:bodyPr rtlCol="0" anchor="ctr"/>
+          <a:lstStyle/>
+          <a:p>
+            <a:pPr algn="ctr"/>
+            <a:r>
+              <a:rPr lang="en-US" dirty="0">
+                <a:solidFill>
+                  <a:schemeClr val="tx1"/>
+                </a:solidFill>
+              </a:rPr>
+              <a:t>+5V</a:t>
+            </a:r>
+          </a:p>
+        </p:txBody>
+      </p:sp>
+      <p:sp>
+        <p:nvSpPr>
+          <p:cNvPr id="64" name="Rectangle 63">
+            <a:extLst>
+              <a:ext uri="{FF2B5EF4-FFF2-40B4-BE49-F238E27FC236}">
+                <a16:creationId xmlns:a16="http://schemas.microsoft.com/office/drawing/2014/main" id="{01942A99-448F-0C0B-4FC2-DB1B440B7963}"/>
+              </a:ext>
+            </a:extLst>
+          </p:cNvPr>
+          <p:cNvSpPr/>
+          <p:nvPr/>
+        </p:nvSpPr>
+        <p:spPr>
+          <a:xfrm>
+            <a:off x="6889658" y="4528718"/>
+            <a:ext cx="672718" cy="348062"/>
+          </a:xfrm>
+          <a:prstGeom prst="rect">
+            <a:avLst/>
+          </a:prstGeom>
+          <a:noFill/>
+          <a:ln w="28575"/>
+        </p:spPr>
+        <p:style>
+          <a:lnRef idx="2">
+            <a:schemeClr val="accent1">
+              <a:shade val="15000"/>
+            </a:schemeClr>
+          </a:lnRef>
+          <a:fillRef idx="1">
+            <a:schemeClr val="accent1"/>
+          </a:fillRef>
+          <a:effectRef idx="0">
+            <a:schemeClr val="accent1"/>
+          </a:effectRef>
+          <a:fontRef idx="minor">
+            <a:schemeClr val="lt1"/>
+          </a:fontRef>
+        </p:style>
+        <p:txBody>
+          <a:bodyPr rtlCol="0" anchor="ctr"/>
+          <a:lstStyle/>
+          <a:p>
+            <a:pPr algn="ctr"/>
+            <a:r>
+              <a:rPr lang="en-US" dirty="0"/>
+              <a:t>P1.2</a:t>
+            </a:r>
+          </a:p>
+        </p:txBody>
+      </p:sp>
+      <p:sp>
+        <p:nvSpPr>
+          <p:cNvPr id="65" name="Rectangle 64">
+            <a:extLst>
+              <a:ext uri="{FF2B5EF4-FFF2-40B4-BE49-F238E27FC236}">
+                <a16:creationId xmlns:a16="http://schemas.microsoft.com/office/drawing/2014/main" id="{36FE9ED6-DAAE-141E-5E97-FAC725577C92}"/>
+              </a:ext>
+            </a:extLst>
+          </p:cNvPr>
+          <p:cNvSpPr/>
+          <p:nvPr/>
+        </p:nvSpPr>
+        <p:spPr>
+          <a:xfrm>
+            <a:off x="6889658" y="4188265"/>
+            <a:ext cx="672718" cy="348062"/>
+          </a:xfrm>
+          <a:prstGeom prst="rect">
+            <a:avLst/>
+          </a:prstGeom>
+          <a:noFill/>
+          <a:ln w="28575"/>
+        </p:spPr>
+        <p:style>
+          <a:lnRef idx="2">
+            <a:schemeClr val="accent1">
+              <a:shade val="15000"/>
+            </a:schemeClr>
+          </a:lnRef>
+          <a:fillRef idx="1">
+            <a:schemeClr val="accent1"/>
+          </a:fillRef>
+          <a:effectRef idx="0">
+            <a:schemeClr val="accent1"/>
+          </a:effectRef>
+          <a:fontRef idx="minor">
+            <a:schemeClr val="lt1"/>
+          </a:fontRef>
+        </p:style>
+        <p:txBody>
+          <a:bodyPr rtlCol="0" anchor="ctr"/>
+          <a:lstStyle/>
+          <a:p>
+            <a:pPr algn="ctr"/>
+            <a:r>
+              <a:rPr lang="en-US" dirty="0"/>
+              <a:t>3.3V</a:t>
+            </a:r>
+          </a:p>
+        </p:txBody>
+      </p:sp>
+      <p:sp>
+        <p:nvSpPr>
+          <p:cNvPr id="66" name="Rectangle 65">
+            <a:extLst>
+              <a:ext uri="{FF2B5EF4-FFF2-40B4-BE49-F238E27FC236}">
+                <a16:creationId xmlns:a16="http://schemas.microsoft.com/office/drawing/2014/main" id="{B7B8BA40-1FED-A684-0AD8-EBF81CCA1BAF}"/>
+              </a:ext>
+            </a:extLst>
+          </p:cNvPr>
+          <p:cNvSpPr/>
+          <p:nvPr/>
+        </p:nvSpPr>
+        <p:spPr>
+          <a:xfrm>
+            <a:off x="6889658" y="4888752"/>
+            <a:ext cx="672718" cy="348062"/>
+          </a:xfrm>
+          <a:prstGeom prst="rect">
+            <a:avLst/>
+          </a:prstGeom>
+          <a:noFill/>
+          <a:ln w="28575"/>
+        </p:spPr>
+        <p:style>
+          <a:lnRef idx="2">
+            <a:schemeClr val="accent1">
+              <a:shade val="15000"/>
+            </a:schemeClr>
+          </a:lnRef>
+          <a:fillRef idx="1">
+            <a:schemeClr val="accent1"/>
+          </a:fillRef>
+          <a:effectRef idx="0">
+            <a:schemeClr val="accent1"/>
+          </a:effectRef>
+          <a:fontRef idx="minor">
+            <a:schemeClr val="lt1"/>
+          </a:fontRef>
+        </p:style>
+        <p:txBody>
+          <a:bodyPr rtlCol="0" anchor="ctr"/>
+          <a:lstStyle/>
+          <a:p>
+            <a:pPr algn="ctr"/>
+            <a:r>
+              <a:rPr lang="en-US" dirty="0"/>
+              <a:t>P1.3</a:t>
+            </a:r>
+          </a:p>
+        </p:txBody>
+      </p:sp>
+      <p:sp>
+        <p:nvSpPr>
+          <p:cNvPr id="68" name="Rectangle 67">
+            <a:extLst>
+              <a:ext uri="{FF2B5EF4-FFF2-40B4-BE49-F238E27FC236}">
+                <a16:creationId xmlns:a16="http://schemas.microsoft.com/office/drawing/2014/main" id="{04E21DBF-1335-82FD-688C-AE0DE55DAF68}"/>
+              </a:ext>
+            </a:extLst>
+          </p:cNvPr>
+          <p:cNvSpPr/>
+          <p:nvPr/>
+        </p:nvSpPr>
+        <p:spPr>
+          <a:xfrm>
+            <a:off x="6884582" y="5231756"/>
+            <a:ext cx="672718" cy="348062"/>
+          </a:xfrm>
+          <a:prstGeom prst="rect">
+            <a:avLst/>
+          </a:prstGeom>
+          <a:noFill/>
+          <a:ln w="28575"/>
+        </p:spPr>
+        <p:style>
+          <a:lnRef idx="2">
+            <a:schemeClr val="accent1">
+              <a:shade val="15000"/>
+            </a:schemeClr>
+          </a:lnRef>
+          <a:fillRef idx="1">
+            <a:schemeClr val="accent1"/>
+          </a:fillRef>
+          <a:effectRef idx="0">
+            <a:schemeClr val="accent1"/>
+          </a:effectRef>
+          <a:fontRef idx="minor">
+            <a:schemeClr val="lt1"/>
+          </a:fontRef>
+        </p:style>
+        <p:txBody>
+          <a:bodyPr rtlCol="0" anchor="ctr"/>
+          <a:lstStyle/>
+          <a:p>
+            <a:pPr algn="ctr"/>
+            <a:r>
+              <a:rPr lang="en-US" dirty="0"/>
+              <a:t>GND</a:t>
+            </a:r>
+          </a:p>
+        </p:txBody>
+      </p:sp>
+      <p:sp>
+        <p:nvSpPr>
+          <p:cNvPr id="71" name="Rectangle 70">
+            <a:extLst>
+              <a:ext uri="{FF2B5EF4-FFF2-40B4-BE49-F238E27FC236}">
+                <a16:creationId xmlns:a16="http://schemas.microsoft.com/office/drawing/2014/main" id="{529B15D8-9B16-E74F-93F1-B778EEBDEABC}"/>
+              </a:ext>
+            </a:extLst>
+          </p:cNvPr>
+          <p:cNvSpPr/>
+          <p:nvPr/>
+        </p:nvSpPr>
+        <p:spPr>
+          <a:xfrm>
+            <a:off x="8984150" y="3527173"/>
+            <a:ext cx="2002432" cy="2699213"/>
+          </a:xfrm>
+          <a:prstGeom prst="rect">
+            <a:avLst/>
+          </a:prstGeom>
+          <a:solidFill>
+            <a:schemeClr val="accent6"/>
+          </a:solidFill>
+          <a:ln w="28575">
+            <a:solidFill>
+              <a:schemeClr val="tx1"/>
+            </a:solidFill>
+          </a:ln>
+        </p:spPr>
+        <p:style>
+          <a:lnRef idx="2">
+            <a:schemeClr val="accent1">
+              <a:shade val="15000"/>
+            </a:schemeClr>
+          </a:lnRef>
+          <a:fillRef idx="1">
+            <a:schemeClr val="accent1"/>
+          </a:fillRef>
+          <a:effectRef idx="0">
+            <a:schemeClr val="accent1"/>
+          </a:effectRef>
+          <a:fontRef idx="minor">
+            <a:schemeClr val="lt1"/>
+          </a:fontRef>
+        </p:style>
+        <p:txBody>
+          <a:bodyPr rtlCol="0" anchor="ctr"/>
+          <a:lstStyle/>
+          <a:p>
+            <a:pPr algn="ctr"/>
+            <a:endParaRPr lang="en-US" dirty="0"/>
+          </a:p>
+        </p:txBody>
+      </p:sp>
+      <p:sp>
+        <p:nvSpPr>
+          <p:cNvPr id="72" name="TextBox 71">
+            <a:extLst>
+              <a:ext uri="{FF2B5EF4-FFF2-40B4-BE49-F238E27FC236}">
+                <a16:creationId xmlns:a16="http://schemas.microsoft.com/office/drawing/2014/main" id="{9137EC3A-495A-6FD0-B243-FC1A07B0DBFC}"/>
+              </a:ext>
+            </a:extLst>
+          </p:cNvPr>
+          <p:cNvSpPr txBox="1"/>
+          <p:nvPr/>
+        </p:nvSpPr>
+        <p:spPr>
+          <a:xfrm>
+            <a:off x="9028217" y="3527173"/>
+            <a:ext cx="1914298" cy="369332"/>
+          </a:xfrm>
+          <a:prstGeom prst="rect">
+            <a:avLst/>
+          </a:prstGeom>
+          <a:noFill/>
+        </p:spPr>
+        <p:txBody>
+          <a:bodyPr wrap="square" rtlCol="0">
+            <a:spAutoFit/>
+          </a:bodyPr>
+          <a:lstStyle/>
+          <a:p>
+            <a:pPr algn="ctr"/>
+            <a:r>
+              <a:rPr lang="en-US" dirty="0"/>
+              <a:t>OLED Display</a:t>
+            </a:r>
+          </a:p>
+        </p:txBody>
+      </p:sp>
+      <p:sp>
+        <p:nvSpPr>
+          <p:cNvPr id="82" name="Rectangle 81">
+            <a:extLst>
+              <a:ext uri="{FF2B5EF4-FFF2-40B4-BE49-F238E27FC236}">
+                <a16:creationId xmlns:a16="http://schemas.microsoft.com/office/drawing/2014/main" id="{50091A5A-C51F-1CA4-0580-E211449C5737}"/>
+              </a:ext>
+            </a:extLst>
+          </p:cNvPr>
+          <p:cNvSpPr/>
+          <p:nvPr/>
+        </p:nvSpPr>
+        <p:spPr>
+          <a:xfrm>
+            <a:off x="8984150" y="4532091"/>
+            <a:ext cx="672718" cy="348062"/>
+          </a:xfrm>
+          <a:prstGeom prst="rect">
+            <a:avLst/>
+          </a:prstGeom>
+          <a:noFill/>
+          <a:ln w="28575"/>
+        </p:spPr>
+        <p:style>
+          <a:lnRef idx="2">
+            <a:schemeClr val="accent1">
+              <a:shade val="15000"/>
+            </a:schemeClr>
+          </a:lnRef>
+          <a:fillRef idx="1">
+            <a:schemeClr val="accent1"/>
+          </a:fillRef>
+          <a:effectRef idx="0">
+            <a:schemeClr val="accent1"/>
+          </a:effectRef>
+          <a:fontRef idx="minor">
+            <a:schemeClr val="lt1"/>
+          </a:fontRef>
+        </p:style>
+        <p:txBody>
+          <a:bodyPr rtlCol="0" anchor="ctr"/>
+          <a:lstStyle/>
+          <a:p>
+            <a:pPr algn="ctr"/>
+            <a:r>
+              <a:rPr lang="en-US" dirty="0"/>
+              <a:t>SDA</a:t>
+            </a:r>
+          </a:p>
+        </p:txBody>
+      </p:sp>
+      <p:sp>
+        <p:nvSpPr>
+          <p:cNvPr id="83" name="Rectangle 82">
+            <a:extLst>
+              <a:ext uri="{FF2B5EF4-FFF2-40B4-BE49-F238E27FC236}">
+                <a16:creationId xmlns:a16="http://schemas.microsoft.com/office/drawing/2014/main" id="{EC88E526-692D-6F72-25D1-1B2EE1AB0220}"/>
+              </a:ext>
+            </a:extLst>
+          </p:cNvPr>
+          <p:cNvSpPr/>
+          <p:nvPr/>
+        </p:nvSpPr>
+        <p:spPr>
+          <a:xfrm>
+            <a:off x="8984150" y="4191638"/>
+            <a:ext cx="672718" cy="348062"/>
+          </a:xfrm>
+          <a:prstGeom prst="rect">
+            <a:avLst/>
+          </a:prstGeom>
+          <a:noFill/>
+          <a:ln w="28575"/>
+        </p:spPr>
+        <p:style>
+          <a:lnRef idx="2">
+            <a:schemeClr val="accent1">
+              <a:shade val="15000"/>
+            </a:schemeClr>
+          </a:lnRef>
+          <a:fillRef idx="1">
+            <a:schemeClr val="accent1"/>
+          </a:fillRef>
+          <a:effectRef idx="0">
+            <a:schemeClr val="accent1"/>
+          </a:effectRef>
+          <a:fontRef idx="minor">
+            <a:schemeClr val="lt1"/>
+          </a:fontRef>
+        </p:style>
+        <p:txBody>
+          <a:bodyPr rtlCol="0" anchor="ctr"/>
+          <a:lstStyle/>
+          <a:p>
+            <a:pPr algn="ctr"/>
+            <a:r>
+              <a:rPr lang="en-US" dirty="0"/>
+              <a:t>5V</a:t>
+            </a:r>
+          </a:p>
+        </p:txBody>
+      </p:sp>
+      <p:sp>
+        <p:nvSpPr>
+          <p:cNvPr id="85" name="Rectangle 84">
+            <a:extLst>
+              <a:ext uri="{FF2B5EF4-FFF2-40B4-BE49-F238E27FC236}">
+                <a16:creationId xmlns:a16="http://schemas.microsoft.com/office/drawing/2014/main" id="{D50224E3-9C8B-6E5F-2C80-23230EFF4BF6}"/>
+              </a:ext>
+            </a:extLst>
+          </p:cNvPr>
+          <p:cNvSpPr/>
+          <p:nvPr/>
+        </p:nvSpPr>
+        <p:spPr>
+          <a:xfrm>
+            <a:off x="8984150" y="4892125"/>
+            <a:ext cx="672718" cy="348062"/>
+          </a:xfrm>
+          <a:prstGeom prst="rect">
+            <a:avLst/>
+          </a:prstGeom>
+          <a:noFill/>
+          <a:ln w="28575"/>
+        </p:spPr>
+        <p:style>
+          <a:lnRef idx="2">
+            <a:schemeClr val="accent1">
+              <a:shade val="15000"/>
+            </a:schemeClr>
+          </a:lnRef>
+          <a:fillRef idx="1">
+            <a:schemeClr val="accent1"/>
+          </a:fillRef>
+          <a:effectRef idx="0">
+            <a:schemeClr val="accent1"/>
+          </a:effectRef>
+          <a:fontRef idx="minor">
+            <a:schemeClr val="lt1"/>
+          </a:fontRef>
+        </p:style>
+        <p:txBody>
+          <a:bodyPr rtlCol="0" anchor="ctr"/>
+          <a:lstStyle/>
+          <a:p>
+            <a:pPr algn="ctr"/>
+            <a:r>
+              <a:rPr lang="en-US" dirty="0"/>
+              <a:t>SCL</a:t>
+            </a:r>
+          </a:p>
+        </p:txBody>
+      </p:sp>
+      <p:sp>
+        <p:nvSpPr>
+          <p:cNvPr id="87" name="Rectangle 86">
+            <a:extLst>
+              <a:ext uri="{FF2B5EF4-FFF2-40B4-BE49-F238E27FC236}">
+                <a16:creationId xmlns:a16="http://schemas.microsoft.com/office/drawing/2014/main" id="{7A8E0F01-EA5F-ECF4-A5FB-72459F0A3047}"/>
+              </a:ext>
+            </a:extLst>
+          </p:cNvPr>
+          <p:cNvSpPr/>
+          <p:nvPr/>
+        </p:nvSpPr>
+        <p:spPr>
+          <a:xfrm>
+            <a:off x="8979074" y="5235129"/>
+            <a:ext cx="672718" cy="348062"/>
+          </a:xfrm>
+          <a:prstGeom prst="rect">
+            <a:avLst/>
+          </a:prstGeom>
+          <a:noFill/>
+          <a:ln w="28575"/>
+        </p:spPr>
+        <p:style>
+          <a:lnRef idx="2">
+            <a:schemeClr val="accent1">
+              <a:shade val="15000"/>
+            </a:schemeClr>
+          </a:lnRef>
+          <a:fillRef idx="1">
+            <a:schemeClr val="accent1"/>
+          </a:fillRef>
+          <a:effectRef idx="0">
+            <a:schemeClr val="accent1"/>
+          </a:effectRef>
+          <a:fontRef idx="minor">
+            <a:schemeClr val="lt1"/>
+          </a:fontRef>
+        </p:style>
+        <p:txBody>
+          <a:bodyPr rtlCol="0" anchor="ctr"/>
+          <a:lstStyle/>
+          <a:p>
+            <a:pPr algn="ctr"/>
+            <a:r>
+              <a:rPr lang="en-US" dirty="0"/>
+              <a:t>GND</a:t>
+            </a:r>
+          </a:p>
+        </p:txBody>
+      </p:sp>
+      <p:cxnSp>
+        <p:nvCxnSpPr>
+          <p:cNvPr id="91" name="Straight Connector 90">
+            <a:extLst>
+              <a:ext uri="{FF2B5EF4-FFF2-40B4-BE49-F238E27FC236}">
+                <a16:creationId xmlns:a16="http://schemas.microsoft.com/office/drawing/2014/main" id="{A1A5E2F9-1E79-3BA4-2E72-C66A09EF9E95}"/>
+              </a:ext>
+            </a:extLst>
+          </p:cNvPr>
+          <p:cNvCxnSpPr>
+            <a:cxnSpLocks/>
+            <a:stCxn id="65" idx="3"/>
+            <a:endCxn id="98" idx="1"/>
+          </p:cNvCxnSpPr>
+          <p:nvPr/>
+        </p:nvCxnSpPr>
+        <p:spPr>
+          <a:xfrm>
+            <a:off x="7562376" y="4362296"/>
+            <a:ext cx="807939" cy="2"/>
+          </a:xfrm>
+          <a:prstGeom prst="line">
+            <a:avLst/>
+          </a:prstGeom>
+          <a:ln w="28575">
+            <a:solidFill>
+              <a:schemeClr val="tx1"/>
+            </a:solidFill>
+          </a:ln>
+        </p:spPr>
+        <p:style>
+          <a:lnRef idx="2">
+            <a:schemeClr val="accent1"/>
+          </a:lnRef>
+          <a:fillRef idx="0">
+            <a:schemeClr val="accent1"/>
+          </a:fillRef>
+          <a:effectRef idx="1">
+            <a:schemeClr val="accent1"/>
+          </a:effectRef>
+          <a:fontRef idx="minor">
+            <a:schemeClr val="tx1"/>
+          </a:fontRef>
+        </p:style>
+      </p:cxnSp>
+      <p:cxnSp>
+        <p:nvCxnSpPr>
+          <p:cNvPr id="92" name="Straight Connector 91">
+            <a:extLst>
+              <a:ext uri="{FF2B5EF4-FFF2-40B4-BE49-F238E27FC236}">
+                <a16:creationId xmlns:a16="http://schemas.microsoft.com/office/drawing/2014/main" id="{D2571534-9CE5-52A7-4857-D55819C6227A}"/>
+              </a:ext>
+            </a:extLst>
+          </p:cNvPr>
+          <p:cNvCxnSpPr>
+            <a:cxnSpLocks/>
+            <a:stCxn id="64" idx="3"/>
+            <a:endCxn id="82" idx="1"/>
+          </p:cNvCxnSpPr>
+          <p:nvPr/>
+        </p:nvCxnSpPr>
+        <p:spPr>
+          <a:xfrm>
+            <a:off x="7562376" y="4702749"/>
+            <a:ext cx="1421774" cy="3373"/>
+          </a:xfrm>
+          <a:prstGeom prst="line">
+            <a:avLst/>
+          </a:prstGeom>
+          <a:ln w="28575">
+            <a:solidFill>
+              <a:schemeClr val="tx1"/>
+            </a:solidFill>
+          </a:ln>
+        </p:spPr>
+        <p:style>
+          <a:lnRef idx="2">
+            <a:schemeClr val="accent1"/>
+          </a:lnRef>
+          <a:fillRef idx="0">
+            <a:schemeClr val="accent1"/>
+          </a:fillRef>
+          <a:effectRef idx="1">
+            <a:schemeClr val="accent1"/>
+          </a:effectRef>
+          <a:fontRef idx="minor">
+            <a:schemeClr val="tx1"/>
+          </a:fontRef>
+        </p:style>
+      </p:cxnSp>
+      <p:cxnSp>
+        <p:nvCxnSpPr>
+          <p:cNvPr id="94" name="Straight Connector 93">
+            <a:extLst>
+              <a:ext uri="{FF2B5EF4-FFF2-40B4-BE49-F238E27FC236}">
+                <a16:creationId xmlns:a16="http://schemas.microsoft.com/office/drawing/2014/main" id="{3318CD51-7162-809E-0BF0-67FF770F0D5B}"/>
+              </a:ext>
+            </a:extLst>
+          </p:cNvPr>
+          <p:cNvCxnSpPr>
+            <a:cxnSpLocks/>
+            <a:stCxn id="66" idx="3"/>
+            <a:endCxn id="85" idx="1"/>
+          </p:cNvCxnSpPr>
+          <p:nvPr/>
+        </p:nvCxnSpPr>
+        <p:spPr>
+          <a:xfrm>
+            <a:off x="7562376" y="5062783"/>
+            <a:ext cx="1421774" cy="3373"/>
+          </a:xfrm>
+          <a:prstGeom prst="line">
+            <a:avLst/>
+          </a:prstGeom>
+          <a:ln w="28575">
+            <a:solidFill>
+              <a:schemeClr val="tx1"/>
+            </a:solidFill>
+          </a:ln>
+        </p:spPr>
+        <p:style>
+          <a:lnRef idx="2">
+            <a:schemeClr val="accent1"/>
+          </a:lnRef>
+          <a:fillRef idx="0">
+            <a:schemeClr val="accent1"/>
+          </a:fillRef>
+          <a:effectRef idx="1">
+            <a:schemeClr val="accent1"/>
+          </a:effectRef>
+          <a:fontRef idx="minor">
+            <a:schemeClr val="tx1"/>
+          </a:fontRef>
+        </p:style>
+      </p:cxnSp>
+      <p:cxnSp>
+        <p:nvCxnSpPr>
+          <p:cNvPr id="95" name="Straight Connector 94">
+            <a:extLst>
+              <a:ext uri="{FF2B5EF4-FFF2-40B4-BE49-F238E27FC236}">
+                <a16:creationId xmlns:a16="http://schemas.microsoft.com/office/drawing/2014/main" id="{1E7D2F4B-6F3E-FB6D-7EF3-63EC432F4BF4}"/>
+              </a:ext>
+            </a:extLst>
+          </p:cNvPr>
+          <p:cNvCxnSpPr>
+            <a:cxnSpLocks/>
+            <a:stCxn id="68" idx="3"/>
+            <a:endCxn id="87" idx="1"/>
+          </p:cNvCxnSpPr>
+          <p:nvPr/>
+        </p:nvCxnSpPr>
+        <p:spPr>
+          <a:xfrm>
+            <a:off x="7557300" y="5405787"/>
+            <a:ext cx="1421774" cy="3373"/>
+          </a:xfrm>
+          <a:prstGeom prst="line">
+            <a:avLst/>
+          </a:prstGeom>
+          <a:ln w="28575">
+            <a:solidFill>
+              <a:schemeClr val="tx1"/>
+            </a:solidFill>
+          </a:ln>
+        </p:spPr>
+        <p:style>
+          <a:lnRef idx="2">
+            <a:schemeClr val="accent1"/>
+          </a:lnRef>
+          <a:fillRef idx="0">
+            <a:schemeClr val="accent1"/>
+          </a:fillRef>
+          <a:effectRef idx="1">
+            <a:schemeClr val="accent1"/>
+          </a:effectRef>
+          <a:fontRef idx="minor">
+            <a:schemeClr val="tx1"/>
+          </a:fontRef>
+        </p:style>
+      </p:cxnSp>
       <p:pic>
         <p:nvPicPr>
-          <p:cNvPr id="123" name="Picture 4">
-            <a:extLst>
-              <a:ext uri="{FF2B5EF4-FFF2-40B4-BE49-F238E27FC236}">
-                <a16:creationId xmlns:a16="http://schemas.microsoft.com/office/drawing/2014/main" id="{EC1C2412-057A-7995-764D-E407371700EC}"/>
+          <p:cNvPr id="96" name="Picture 4">
+            <a:extLst>
+              <a:ext uri="{FF2B5EF4-FFF2-40B4-BE49-F238E27FC236}">
+                <a16:creationId xmlns:a16="http://schemas.microsoft.com/office/drawing/2014/main" id="{6CF0F6D9-EA35-6ADA-6BEB-3A4ED6A4DB88}"/>
               </a:ext>
             </a:extLst>
           </p:cNvPr>
@@ -7927,8 +6577,8 @@
         </p:blipFill>
         <p:spPr bwMode="auto">
           <a:xfrm rot="5400000">
-            <a:off x="7784559" y="5046724"/>
-            <a:ext cx="360034" cy="307523"/>
+            <a:off x="7780254" y="4377492"/>
+            <a:ext cx="356659" cy="307523"/>
           </a:xfrm>
           <a:prstGeom prst="rect">
             <a:avLst/>
@@ -7947,10 +6597,10 @@
       </p:pic>
       <p:pic>
         <p:nvPicPr>
-          <p:cNvPr id="124" name="Picture 4">
-            <a:extLst>
-              <a:ext uri="{FF2B5EF4-FFF2-40B4-BE49-F238E27FC236}">
-                <a16:creationId xmlns:a16="http://schemas.microsoft.com/office/drawing/2014/main" id="{6797324B-8982-670B-53CB-66979B83C4C2}"/>
+          <p:cNvPr id="98" name="Picture 4">
+            <a:extLst>
+              <a:ext uri="{FF2B5EF4-FFF2-40B4-BE49-F238E27FC236}">
+                <a16:creationId xmlns:a16="http://schemas.microsoft.com/office/drawing/2014/main" id="{A0644957-2275-8264-64FD-AB1F7919E004}"/>
               </a:ext>
             </a:extLst>
           </p:cNvPr>
@@ -7972,8 +6622,8 @@
         </p:blipFill>
         <p:spPr bwMode="auto">
           <a:xfrm rot="5400000">
-            <a:off x="8237710" y="4876496"/>
-            <a:ext cx="700489" cy="307523"/>
+            <a:off x="8013339" y="4565512"/>
+            <a:ext cx="713952" cy="307523"/>
           </a:xfrm>
           <a:prstGeom prst="rect">
             <a:avLst/>
@@ -7992,24 +6642,23 @@
       </p:pic>
       <p:cxnSp>
         <p:nvCxnSpPr>
-          <p:cNvPr id="125" name="Straight Connector 124">
-            <a:extLst>
-              <a:ext uri="{FF2B5EF4-FFF2-40B4-BE49-F238E27FC236}">
-                <a16:creationId xmlns:a16="http://schemas.microsoft.com/office/drawing/2014/main" id="{A8F7A685-42AF-5F66-445F-BAFA5C1D50D3}"/>
+          <p:cNvPr id="99" name="Straight Connector 98">
+            <a:extLst>
+              <a:ext uri="{FF2B5EF4-FFF2-40B4-BE49-F238E27FC236}">
+                <a16:creationId xmlns:a16="http://schemas.microsoft.com/office/drawing/2014/main" id="{A8204DE7-AA82-9097-6412-5B5FF8111279}"/>
               </a:ext>
             </a:extLst>
           </p:cNvPr>
           <p:cNvCxnSpPr>
             <a:cxnSpLocks/>
-            <a:stCxn id="47" idx="3"/>
-            <a:endCxn id="67" idx="1"/>
+            <a:endCxn id="83" idx="1"/>
           </p:cNvCxnSpPr>
           <p:nvPr/>
         </p:nvCxnSpPr>
         <p:spPr>
           <a:xfrm>
-            <a:off x="3218002" y="5020468"/>
-            <a:ext cx="1405615" cy="5058"/>
+            <a:off x="8656047" y="4365669"/>
+            <a:ext cx="328103" cy="0"/>
           </a:xfrm>
           <a:prstGeom prst="line">
             <a:avLst/>
@@ -8037,24 +6686,22 @@
       </p:cxnSp>
       <p:cxnSp>
         <p:nvCxnSpPr>
-          <p:cNvPr id="126" name="Straight Connector 125">
-            <a:extLst>
-              <a:ext uri="{FF2B5EF4-FFF2-40B4-BE49-F238E27FC236}">
-                <a16:creationId xmlns:a16="http://schemas.microsoft.com/office/drawing/2014/main" id="{90911BEE-3134-A0AD-C4BD-2B53552A447B}"/>
+          <p:cNvPr id="101" name="Straight Connector 100">
+            <a:extLst>
+              <a:ext uri="{FF2B5EF4-FFF2-40B4-BE49-F238E27FC236}">
+                <a16:creationId xmlns:a16="http://schemas.microsoft.com/office/drawing/2014/main" id="{1DF2A90E-23D1-9753-3FE8-54BA671C0455}"/>
               </a:ext>
             </a:extLst>
           </p:cNvPr>
           <p:cNvCxnSpPr>
             <a:cxnSpLocks/>
-            <a:stCxn id="49" idx="3"/>
-            <a:endCxn id="69" idx="1"/>
           </p:cNvCxnSpPr>
           <p:nvPr/>
         </p:nvCxnSpPr>
         <p:spPr>
           <a:xfrm>
-            <a:off x="3218002" y="5380502"/>
-            <a:ext cx="1405615" cy="5058"/>
+            <a:off x="8669741" y="4120489"/>
+            <a:ext cx="0" cy="258316"/>
           </a:xfrm>
           <a:prstGeom prst="line">
             <a:avLst/>
@@ -8080,26 +6727,392 @@
           </a:fontRef>
         </p:style>
       </p:cxnSp>
+      <p:sp>
+        <p:nvSpPr>
+          <p:cNvPr id="102" name="Isosceles Triangle 101">
+            <a:extLst>
+              <a:ext uri="{FF2B5EF4-FFF2-40B4-BE49-F238E27FC236}">
+                <a16:creationId xmlns:a16="http://schemas.microsoft.com/office/drawing/2014/main" id="{75FD5CE9-06B3-D785-A981-7C597FFDCE6E}"/>
+              </a:ext>
+            </a:extLst>
+          </p:cNvPr>
+          <p:cNvSpPr/>
+          <p:nvPr/>
+        </p:nvSpPr>
+        <p:spPr>
+          <a:xfrm>
+            <a:off x="8575445" y="3978976"/>
+            <a:ext cx="188591" cy="138023"/>
+          </a:xfrm>
+          <a:prstGeom prst="triangle">
+            <a:avLst/>
+          </a:prstGeom>
+          <a:solidFill>
+            <a:schemeClr val="tx1"/>
+          </a:solidFill>
+          <a:ln>
+            <a:solidFill>
+              <a:schemeClr val="tx1"/>
+            </a:solidFill>
+          </a:ln>
+        </p:spPr>
+        <p:style>
+          <a:lnRef idx="2">
+            <a:schemeClr val="accent1">
+              <a:shade val="15000"/>
+            </a:schemeClr>
+          </a:lnRef>
+          <a:fillRef idx="1">
+            <a:schemeClr val="accent1"/>
+          </a:fillRef>
+          <a:effectRef idx="0">
+            <a:schemeClr val="accent1"/>
+          </a:effectRef>
+          <a:fontRef idx="minor">
+            <a:schemeClr val="lt1"/>
+          </a:fontRef>
+        </p:style>
+        <p:txBody>
+          <a:bodyPr rtlCol="0" anchor="ctr"/>
+          <a:lstStyle/>
+          <a:p>
+            <a:pPr algn="ctr"/>
+            <a:endParaRPr lang="en-US"/>
+          </a:p>
+        </p:txBody>
+      </p:sp>
+      <p:sp>
+        <p:nvSpPr>
+          <p:cNvPr id="103" name="Rectangle 102">
+            <a:extLst>
+              <a:ext uri="{FF2B5EF4-FFF2-40B4-BE49-F238E27FC236}">
+                <a16:creationId xmlns:a16="http://schemas.microsoft.com/office/drawing/2014/main" id="{D73C0CE3-CF96-9BE2-463E-F3E5951BE3E8}"/>
+              </a:ext>
+            </a:extLst>
+          </p:cNvPr>
+          <p:cNvSpPr/>
+          <p:nvPr/>
+        </p:nvSpPr>
+        <p:spPr>
+          <a:xfrm>
+            <a:off x="8289399" y="3675435"/>
+            <a:ext cx="672718" cy="348062"/>
+          </a:xfrm>
+          <a:prstGeom prst="rect">
+            <a:avLst/>
+          </a:prstGeom>
+          <a:noFill/>
+          <a:ln w="28575">
+            <a:noFill/>
+          </a:ln>
+        </p:spPr>
+        <p:style>
+          <a:lnRef idx="2">
+            <a:schemeClr val="accent1">
+              <a:shade val="15000"/>
+            </a:schemeClr>
+          </a:lnRef>
+          <a:fillRef idx="1">
+            <a:schemeClr val="accent1"/>
+          </a:fillRef>
+          <a:effectRef idx="0">
+            <a:schemeClr val="accent1"/>
+          </a:effectRef>
+          <a:fontRef idx="minor">
+            <a:schemeClr val="lt1"/>
+          </a:fontRef>
+        </p:style>
+        <p:txBody>
+          <a:bodyPr rtlCol="0" anchor="ctr"/>
+          <a:lstStyle/>
+          <a:p>
+            <a:pPr algn="ctr"/>
+            <a:r>
+              <a:rPr lang="en-US" dirty="0">
+                <a:solidFill>
+                  <a:schemeClr val="tx1"/>
+                </a:solidFill>
+              </a:rPr>
+              <a:t>+5V</a:t>
+            </a:r>
+          </a:p>
+        </p:txBody>
+      </p:sp>
+      <p:sp>
+        <p:nvSpPr>
+          <p:cNvPr id="110" name="Rectangle 109">
+            <a:extLst>
+              <a:ext uri="{FF2B5EF4-FFF2-40B4-BE49-F238E27FC236}">
+                <a16:creationId xmlns:a16="http://schemas.microsoft.com/office/drawing/2014/main" id="{17710121-639E-AD1C-0474-320EF1EB0AFF}"/>
+              </a:ext>
+            </a:extLst>
+          </p:cNvPr>
+          <p:cNvSpPr/>
+          <p:nvPr/>
+        </p:nvSpPr>
+        <p:spPr>
+          <a:xfrm>
+            <a:off x="2539574" y="3707431"/>
+            <a:ext cx="672718" cy="348062"/>
+          </a:xfrm>
+          <a:prstGeom prst="rect">
+            <a:avLst/>
+          </a:prstGeom>
+          <a:noFill/>
+          <a:ln w="28575"/>
+        </p:spPr>
+        <p:style>
+          <a:lnRef idx="2">
+            <a:schemeClr val="accent1">
+              <a:shade val="15000"/>
+            </a:schemeClr>
+          </a:lnRef>
+          <a:fillRef idx="1">
+            <a:schemeClr val="accent1"/>
+          </a:fillRef>
+          <a:effectRef idx="0">
+            <a:schemeClr val="accent1"/>
+          </a:effectRef>
+          <a:fontRef idx="minor">
+            <a:schemeClr val="lt1"/>
+          </a:fontRef>
+        </p:style>
+        <p:txBody>
+          <a:bodyPr rtlCol="0" anchor="ctr"/>
+          <a:lstStyle/>
+          <a:p>
+            <a:pPr algn="ctr"/>
+            <a:r>
+              <a:rPr lang="en-US" dirty="0"/>
+              <a:t>SW</a:t>
+            </a:r>
+          </a:p>
+        </p:txBody>
+      </p:sp>
+      <p:sp>
+        <p:nvSpPr>
+          <p:cNvPr id="111" name="Rectangle 110">
+            <a:extLst>
+              <a:ext uri="{FF2B5EF4-FFF2-40B4-BE49-F238E27FC236}">
+                <a16:creationId xmlns:a16="http://schemas.microsoft.com/office/drawing/2014/main" id="{B7984127-A9E1-6FDF-9E32-E9A25EDB1718}"/>
+              </a:ext>
+            </a:extLst>
+          </p:cNvPr>
+          <p:cNvSpPr/>
+          <p:nvPr/>
+        </p:nvSpPr>
+        <p:spPr>
+          <a:xfrm>
+            <a:off x="2539574" y="4067465"/>
+            <a:ext cx="672718" cy="348062"/>
+          </a:xfrm>
+          <a:prstGeom prst="rect">
+            <a:avLst/>
+          </a:prstGeom>
+          <a:noFill/>
+          <a:ln w="28575"/>
+        </p:spPr>
+        <p:style>
+          <a:lnRef idx="2">
+            <a:schemeClr val="accent1">
+              <a:shade val="15000"/>
+            </a:schemeClr>
+          </a:lnRef>
+          <a:fillRef idx="1">
+            <a:schemeClr val="accent1"/>
+          </a:fillRef>
+          <a:effectRef idx="0">
+            <a:schemeClr val="accent1"/>
+          </a:effectRef>
+          <a:fontRef idx="minor">
+            <a:schemeClr val="lt1"/>
+          </a:fontRef>
+        </p:style>
+        <p:txBody>
+          <a:bodyPr rtlCol="0" anchor="ctr"/>
+          <a:lstStyle/>
+          <a:p>
+            <a:pPr algn="ctr"/>
+            <a:r>
+              <a:rPr lang="en-US" dirty="0"/>
+              <a:t>GND</a:t>
+            </a:r>
+          </a:p>
+        </p:txBody>
+      </p:sp>
+      <p:sp>
+        <p:nvSpPr>
+          <p:cNvPr id="113" name="Rectangle 112">
+            <a:extLst>
+              <a:ext uri="{FF2B5EF4-FFF2-40B4-BE49-F238E27FC236}">
+                <a16:creationId xmlns:a16="http://schemas.microsoft.com/office/drawing/2014/main" id="{68430BE9-FD3A-C02E-8EEF-AC05ADA05EC4}"/>
+              </a:ext>
+            </a:extLst>
+          </p:cNvPr>
+          <p:cNvSpPr/>
+          <p:nvPr/>
+        </p:nvSpPr>
+        <p:spPr>
+          <a:xfrm>
+            <a:off x="4629625" y="3363081"/>
+            <a:ext cx="672718" cy="348062"/>
+          </a:xfrm>
+          <a:prstGeom prst="rect">
+            <a:avLst/>
+          </a:prstGeom>
+          <a:noFill/>
+          <a:ln w="28575"/>
+        </p:spPr>
+        <p:style>
+          <a:lnRef idx="2">
+            <a:schemeClr val="accent1">
+              <a:shade val="15000"/>
+            </a:schemeClr>
+          </a:lnRef>
+          <a:fillRef idx="1">
+            <a:schemeClr val="accent1"/>
+          </a:fillRef>
+          <a:effectRef idx="0">
+            <a:schemeClr val="accent1"/>
+          </a:effectRef>
+          <a:fontRef idx="minor">
+            <a:schemeClr val="lt1"/>
+          </a:fontRef>
+        </p:style>
+        <p:txBody>
+          <a:bodyPr rtlCol="0" anchor="ctr"/>
+          <a:lstStyle/>
+          <a:p>
+            <a:pPr algn="ctr"/>
+            <a:r>
+              <a:rPr lang="en-US" dirty="0"/>
+              <a:t>P1.0</a:t>
+            </a:r>
+          </a:p>
+        </p:txBody>
+      </p:sp>
+      <p:sp>
+        <p:nvSpPr>
+          <p:cNvPr id="114" name="Rectangle 113">
+            <a:extLst>
+              <a:ext uri="{FF2B5EF4-FFF2-40B4-BE49-F238E27FC236}">
+                <a16:creationId xmlns:a16="http://schemas.microsoft.com/office/drawing/2014/main" id="{F815182F-B407-D5F6-8EF2-28E68AD8A879}"/>
+              </a:ext>
+            </a:extLst>
+          </p:cNvPr>
+          <p:cNvSpPr/>
+          <p:nvPr/>
+        </p:nvSpPr>
+        <p:spPr>
+          <a:xfrm>
+            <a:off x="4630260" y="3717370"/>
+            <a:ext cx="672718" cy="348062"/>
+          </a:xfrm>
+          <a:prstGeom prst="rect">
+            <a:avLst/>
+          </a:prstGeom>
+          <a:noFill/>
+          <a:ln w="28575"/>
+        </p:spPr>
+        <p:style>
+          <a:lnRef idx="2">
+            <a:schemeClr val="accent1">
+              <a:shade val="15000"/>
+            </a:schemeClr>
+          </a:lnRef>
+          <a:fillRef idx="1">
+            <a:schemeClr val="accent1"/>
+          </a:fillRef>
+          <a:effectRef idx="0">
+            <a:schemeClr val="accent1"/>
+          </a:effectRef>
+          <a:fontRef idx="minor">
+            <a:schemeClr val="lt1"/>
+          </a:fontRef>
+        </p:style>
+        <p:txBody>
+          <a:bodyPr rtlCol="0" anchor="ctr"/>
+          <a:lstStyle/>
+          <a:p>
+            <a:pPr algn="ctr"/>
+            <a:r>
+              <a:rPr lang="en-US" dirty="0"/>
+              <a:t>P1.1</a:t>
+            </a:r>
+          </a:p>
+        </p:txBody>
+      </p:sp>
+      <p:sp>
+        <p:nvSpPr>
+          <p:cNvPr id="115" name="Rectangle 114">
+            <a:extLst>
+              <a:ext uri="{FF2B5EF4-FFF2-40B4-BE49-F238E27FC236}">
+                <a16:creationId xmlns:a16="http://schemas.microsoft.com/office/drawing/2014/main" id="{56C654E2-5328-AC02-B046-C647180931FA}"/>
+              </a:ext>
+            </a:extLst>
+          </p:cNvPr>
+          <p:cNvSpPr/>
+          <p:nvPr/>
+        </p:nvSpPr>
+        <p:spPr>
+          <a:xfrm>
+            <a:off x="4630260" y="4077404"/>
+            <a:ext cx="672718" cy="348062"/>
+          </a:xfrm>
+          <a:prstGeom prst="rect">
+            <a:avLst/>
+          </a:prstGeom>
+          <a:noFill/>
+          <a:ln w="28575"/>
+        </p:spPr>
+        <p:style>
+          <a:lnRef idx="2">
+            <a:schemeClr val="accent1">
+              <a:shade val="15000"/>
+            </a:schemeClr>
+          </a:lnRef>
+          <a:fillRef idx="1">
+            <a:schemeClr val="accent1"/>
+          </a:fillRef>
+          <a:effectRef idx="0">
+            <a:schemeClr val="accent1"/>
+          </a:effectRef>
+          <a:fontRef idx="minor">
+            <a:schemeClr val="lt1"/>
+          </a:fontRef>
+        </p:style>
+        <p:txBody>
+          <a:bodyPr rtlCol="0" anchor="ctr"/>
+          <a:lstStyle/>
+          <a:p>
+            <a:pPr algn="ctr"/>
+            <a:r>
+              <a:rPr lang="en-US" dirty="0"/>
+              <a:t>GND</a:t>
+            </a:r>
+          </a:p>
+        </p:txBody>
+      </p:sp>
       <p:cxnSp>
         <p:nvCxnSpPr>
-          <p:cNvPr id="127" name="Straight Connector 126">
-            <a:extLst>
-              <a:ext uri="{FF2B5EF4-FFF2-40B4-BE49-F238E27FC236}">
-                <a16:creationId xmlns:a16="http://schemas.microsoft.com/office/drawing/2014/main" id="{38A754A1-9448-F925-CBD6-D38432E3730B}"/>
+          <p:cNvPr id="116" name="Straight Connector 115">
+            <a:extLst>
+              <a:ext uri="{FF2B5EF4-FFF2-40B4-BE49-F238E27FC236}">
+                <a16:creationId xmlns:a16="http://schemas.microsoft.com/office/drawing/2014/main" id="{6ECB9C6B-4EAE-A6D7-7FB4-9E501E803E39}"/>
               </a:ext>
             </a:extLst>
           </p:cNvPr>
           <p:cNvCxnSpPr>
             <a:cxnSpLocks/>
-            <a:stCxn id="50" idx="3"/>
-            <a:endCxn id="70" idx="1"/>
+            <a:stCxn id="45" idx="3"/>
+            <a:endCxn id="113" idx="1"/>
           </p:cNvCxnSpPr>
           <p:nvPr/>
         </p:nvCxnSpPr>
         <p:spPr>
           <a:xfrm>
-            <a:off x="3212926" y="5723506"/>
-            <a:ext cx="1405615" cy="5058"/>
+            <a:off x="3211657" y="3527173"/>
+            <a:ext cx="1417968" cy="9939"/>
           </a:xfrm>
           <a:prstGeom prst="line">
             <a:avLst/>
@@ -8125,12 +7138,188 @@
           </a:fontRef>
         </p:style>
       </p:cxnSp>
-      <p:sp>
-        <p:nvSpPr>
-          <p:cNvPr id="140" name="Rectangle 139">
-            <a:extLst>
-              <a:ext uri="{FF2B5EF4-FFF2-40B4-BE49-F238E27FC236}">
-                <a16:creationId xmlns:a16="http://schemas.microsoft.com/office/drawing/2014/main" id="{F72DEF0B-23CD-54B3-BFDB-E3FCE905B5A4}"/>
+      <p:cxnSp>
+        <p:nvCxnSpPr>
+          <p:cNvPr id="129" name="Straight Connector 128">
+            <a:extLst>
+              <a:ext uri="{FF2B5EF4-FFF2-40B4-BE49-F238E27FC236}">
+                <a16:creationId xmlns:a16="http://schemas.microsoft.com/office/drawing/2014/main" id="{36359E7E-4DEF-9301-7513-EE52FCE20698}"/>
+              </a:ext>
+            </a:extLst>
+          </p:cNvPr>
+          <p:cNvCxnSpPr>
+            <a:cxnSpLocks/>
+            <a:stCxn id="110" idx="3"/>
+            <a:endCxn id="114" idx="1"/>
+          </p:cNvCxnSpPr>
+          <p:nvPr/>
+        </p:nvCxnSpPr>
+        <p:spPr>
+          <a:xfrm>
+            <a:off x="3212292" y="3881462"/>
+            <a:ext cx="1417968" cy="9939"/>
+          </a:xfrm>
+          <a:prstGeom prst="line">
+            <a:avLst/>
+          </a:prstGeom>
+          <a:ln w="28575">
+            <a:solidFill>
+              <a:schemeClr val="tx1"/>
+            </a:solidFill>
+          </a:ln>
+        </p:spPr>
+        <p:style>
+          <a:lnRef idx="2">
+            <a:schemeClr val="accent1"/>
+          </a:lnRef>
+          <a:fillRef idx="0">
+            <a:schemeClr val="accent1"/>
+          </a:fillRef>
+          <a:effectRef idx="1">
+            <a:schemeClr val="accent1"/>
+          </a:effectRef>
+          <a:fontRef idx="minor">
+            <a:schemeClr val="tx1"/>
+          </a:fontRef>
+        </p:style>
+      </p:cxnSp>
+      <p:cxnSp>
+        <p:nvCxnSpPr>
+          <p:cNvPr id="132" name="Straight Connector 131">
+            <a:extLst>
+              <a:ext uri="{FF2B5EF4-FFF2-40B4-BE49-F238E27FC236}">
+                <a16:creationId xmlns:a16="http://schemas.microsoft.com/office/drawing/2014/main" id="{CE4B5EC9-8418-4236-B6A5-95476B66F3A7}"/>
+              </a:ext>
+            </a:extLst>
+          </p:cNvPr>
+          <p:cNvCxnSpPr>
+            <a:cxnSpLocks/>
+            <a:stCxn id="111" idx="3"/>
+            <a:endCxn id="115" idx="1"/>
+          </p:cNvCxnSpPr>
+          <p:nvPr/>
+        </p:nvCxnSpPr>
+        <p:spPr>
+          <a:xfrm>
+            <a:off x="3212292" y="4241496"/>
+            <a:ext cx="1417968" cy="9939"/>
+          </a:xfrm>
+          <a:prstGeom prst="line">
+            <a:avLst/>
+          </a:prstGeom>
+          <a:ln w="28575">
+            <a:solidFill>
+              <a:schemeClr val="tx1"/>
+            </a:solidFill>
+          </a:ln>
+        </p:spPr>
+        <p:style>
+          <a:lnRef idx="2">
+            <a:schemeClr val="accent1"/>
+          </a:lnRef>
+          <a:fillRef idx="0">
+            <a:schemeClr val="accent1"/>
+          </a:fillRef>
+          <a:effectRef idx="1">
+            <a:schemeClr val="accent1"/>
+          </a:effectRef>
+          <a:fontRef idx="minor">
+            <a:schemeClr val="tx1"/>
+          </a:fontRef>
+        </p:style>
+      </p:cxnSp>
+      <p:cxnSp>
+        <p:nvCxnSpPr>
+          <p:cNvPr id="135" name="Straight Connector 134">
+            <a:extLst>
+              <a:ext uri="{FF2B5EF4-FFF2-40B4-BE49-F238E27FC236}">
+                <a16:creationId xmlns:a16="http://schemas.microsoft.com/office/drawing/2014/main" id="{AB29141B-DA5E-7C51-E0F1-9958786E12BE}"/>
+              </a:ext>
+            </a:extLst>
+          </p:cNvPr>
+          <p:cNvCxnSpPr>
+            <a:cxnSpLocks/>
+          </p:cNvCxnSpPr>
+          <p:nvPr/>
+        </p:nvCxnSpPr>
+        <p:spPr>
+          <a:xfrm>
+            <a:off x="3207850" y="3165681"/>
+            <a:ext cx="328103" cy="0"/>
+          </a:xfrm>
+          <a:prstGeom prst="line">
+            <a:avLst/>
+          </a:prstGeom>
+          <a:ln w="28575">
+            <a:solidFill>
+              <a:schemeClr val="tx1"/>
+            </a:solidFill>
+          </a:ln>
+        </p:spPr>
+        <p:style>
+          <a:lnRef idx="2">
+            <a:schemeClr val="accent1"/>
+          </a:lnRef>
+          <a:fillRef idx="0">
+            <a:schemeClr val="accent1"/>
+          </a:fillRef>
+          <a:effectRef idx="1">
+            <a:schemeClr val="accent1"/>
+          </a:effectRef>
+          <a:fontRef idx="minor">
+            <a:schemeClr val="tx1"/>
+          </a:fontRef>
+        </p:style>
+      </p:cxnSp>
+      <p:cxnSp>
+        <p:nvCxnSpPr>
+          <p:cNvPr id="136" name="Straight Connector 135">
+            <a:extLst>
+              <a:ext uri="{FF2B5EF4-FFF2-40B4-BE49-F238E27FC236}">
+                <a16:creationId xmlns:a16="http://schemas.microsoft.com/office/drawing/2014/main" id="{17428F16-4259-5513-BC9D-3FA6D0D7F4A9}"/>
+              </a:ext>
+            </a:extLst>
+          </p:cNvPr>
+          <p:cNvCxnSpPr>
+            <a:cxnSpLocks/>
+          </p:cNvCxnSpPr>
+          <p:nvPr/>
+        </p:nvCxnSpPr>
+        <p:spPr>
+          <a:xfrm>
+            <a:off x="3521517" y="2915424"/>
+            <a:ext cx="0" cy="258316"/>
+          </a:xfrm>
+          <a:prstGeom prst="line">
+            <a:avLst/>
+          </a:prstGeom>
+          <a:ln w="28575">
+            <a:solidFill>
+              <a:schemeClr val="tx1"/>
+            </a:solidFill>
+          </a:ln>
+        </p:spPr>
+        <p:style>
+          <a:lnRef idx="2">
+            <a:schemeClr val="accent1"/>
+          </a:lnRef>
+          <a:fillRef idx="0">
+            <a:schemeClr val="accent1"/>
+          </a:fillRef>
+          <a:effectRef idx="1">
+            <a:schemeClr val="accent1"/>
+          </a:effectRef>
+          <a:fontRef idx="minor">
+            <a:schemeClr val="tx1"/>
+          </a:fontRef>
+        </p:style>
+      </p:cxnSp>
+      <p:sp>
+        <p:nvSpPr>
+          <p:cNvPr id="137" name="Isosceles Triangle 136">
+            <a:extLst>
+              <a:ext uri="{FF2B5EF4-FFF2-40B4-BE49-F238E27FC236}">
+                <a16:creationId xmlns:a16="http://schemas.microsoft.com/office/drawing/2014/main" id="{79D76F7A-0CB3-0923-3C15-FA85018F6BDB}"/>
               </a:ext>
             </a:extLst>
           </p:cNvPr>
@@ -8139,14 +7328,20 @@
         </p:nvSpPr>
         <p:spPr>
           <a:xfrm>
-            <a:off x="4621079" y="1728427"/>
-            <a:ext cx="672718" cy="348062"/>
-          </a:xfrm>
-          <a:prstGeom prst="rect">
+            <a:off x="3425956" y="2769343"/>
+            <a:ext cx="188591" cy="138023"/>
+          </a:xfrm>
+          <a:prstGeom prst="triangle">
             <a:avLst/>
           </a:prstGeom>
-          <a:noFill/>
-          <a:ln w="28575"/>
+          <a:solidFill>
+            <a:schemeClr val="tx1"/>
+          </a:solidFill>
+          <a:ln>
+            <a:solidFill>
+              <a:schemeClr val="tx1"/>
+            </a:solidFill>
+          </a:ln>
         </p:spPr>
         <p:style>
           <a:lnRef idx="2">
@@ -8169,9 +7364,63 @@
           <a:lstStyle/>
           <a:p>
             <a:pPr algn="ctr"/>
-            <a:r>
-              <a:rPr lang="en-US" dirty="0"/>
-              <a:t>A0</a:t>
+            <a:endParaRPr lang="en-US"/>
+          </a:p>
+        </p:txBody>
+      </p:sp>
+      <p:sp>
+        <p:nvSpPr>
+          <p:cNvPr id="138" name="Rectangle 137">
+            <a:extLst>
+              <a:ext uri="{FF2B5EF4-FFF2-40B4-BE49-F238E27FC236}">
+                <a16:creationId xmlns:a16="http://schemas.microsoft.com/office/drawing/2014/main" id="{A99F67BC-FBC2-EF03-9777-50B68EB25E48}"/>
+              </a:ext>
+            </a:extLst>
+          </p:cNvPr>
+          <p:cNvSpPr/>
+          <p:nvPr/>
+        </p:nvSpPr>
+        <p:spPr>
+          <a:xfrm>
+            <a:off x="3141832" y="2490292"/>
+            <a:ext cx="672718" cy="348062"/>
+          </a:xfrm>
+          <a:prstGeom prst="rect">
+            <a:avLst/>
+          </a:prstGeom>
+          <a:noFill/>
+          <a:ln w="28575">
+            <a:noFill/>
+          </a:ln>
+        </p:spPr>
+        <p:style>
+          <a:lnRef idx="2">
+            <a:schemeClr val="accent1">
+              <a:shade val="15000"/>
+            </a:schemeClr>
+          </a:lnRef>
+          <a:fillRef idx="1">
+            <a:schemeClr val="accent1"/>
+          </a:fillRef>
+          <a:effectRef idx="0">
+            <a:schemeClr val="accent1"/>
+          </a:effectRef>
+          <a:fontRef idx="minor">
+            <a:schemeClr val="lt1"/>
+          </a:fontRef>
+        </p:style>
+        <p:txBody>
+          <a:bodyPr rtlCol="0" anchor="ctr"/>
+          <a:lstStyle/>
+          <a:p>
+            <a:pPr algn="ctr"/>
+            <a:r>
+              <a:rPr lang="en-US" dirty="0">
+                <a:solidFill>
+                  <a:schemeClr val="tx1"/>
+                </a:solidFill>
+              </a:rPr>
+              <a:t>+5V</a:t>
             </a:r>
           </a:p>
         </p:txBody>

--- a/docs/planning/final_project_circuit_diagram.pptx
+++ b/docs/planning/final_project_circuit_diagram.pptx
@@ -115,7 +115,7 @@
 <file path=ppt/revisionInfo.xml><?xml version="1.0" encoding="utf-8"?>
 <p1510:revInfo xmlns:a="http://schemas.openxmlformats.org/drawingml/2006/main" xmlns:r="http://schemas.openxmlformats.org/officeDocument/2006/relationships" xmlns:p1510="http://schemas.microsoft.com/office/powerpoint/2015/10/main">
   <p1510:revLst>
-    <p1510:client id="{40FA9C22-86E2-4DFC-8479-05FA8FA29154}" v="21" dt="2025-04-29T23:33:36.822"/>
+    <p1510:client id="{40FA9C22-86E2-4DFC-8479-05FA8FA29154}" v="24" dt="2025-05-05T23:35:51.547"/>
   </p1510:revLst>
 </p1510:revInfo>
 </file>
@@ -125,22 +125,30 @@
   <pc:docChgLst>
     <pc:chgData name="Jay Graham" userId="95e8df3011c311b3" providerId="LiveId" clId="{40FA9C22-86E2-4DFC-8479-05FA8FA29154}"/>
     <pc:docChg chg="undo custSel modSld">
-      <pc:chgData name="Jay Graham" userId="95e8df3011c311b3" providerId="LiveId" clId="{40FA9C22-86E2-4DFC-8479-05FA8FA29154}" dt="2025-04-29T23:35:34.140" v="258" actId="20577"/>
+      <pc:chgData name="Jay Graham" userId="95e8df3011c311b3" providerId="LiveId" clId="{40FA9C22-86E2-4DFC-8479-05FA8FA29154}" dt="2025-05-05T23:36:03.074" v="279" actId="14100"/>
       <pc:docMkLst>
         <pc:docMk/>
       </pc:docMkLst>
       <pc:sldChg chg="addSp delSp modSp mod">
-        <pc:chgData name="Jay Graham" userId="95e8df3011c311b3" providerId="LiveId" clId="{40FA9C22-86E2-4DFC-8479-05FA8FA29154}" dt="2025-04-29T23:35:34.140" v="258" actId="20577"/>
+        <pc:chgData name="Jay Graham" userId="95e8df3011c311b3" providerId="LiveId" clId="{40FA9C22-86E2-4DFC-8479-05FA8FA29154}" dt="2025-05-05T23:36:03.074" v="279" actId="14100"/>
         <pc:sldMkLst>
           <pc:docMk/>
           <pc:sldMk cId="2180713410" sldId="260"/>
         </pc:sldMkLst>
         <pc:spChg chg="add mod">
-          <ac:chgData name="Jay Graham" userId="95e8df3011c311b3" providerId="LiveId" clId="{40FA9C22-86E2-4DFC-8479-05FA8FA29154}" dt="2025-04-29T23:21:50.476" v="37"/>
+          <ac:chgData name="Jay Graham" userId="95e8df3011c311b3" providerId="LiveId" clId="{40FA9C22-86E2-4DFC-8479-05FA8FA29154}" dt="2025-05-05T23:35:52.281" v="273" actId="20577"/>
           <ac:spMkLst>
             <pc:docMk/>
             <pc:sldMk cId="2180713410" sldId="260"/>
-            <ac:spMk id="5" creationId="{942782DD-20AA-779E-8EF9-FE2B979279D7}"/>
+            <ac:spMk id="4" creationId="{F4C2E92F-B3A9-2DAE-26B5-A68015320177}"/>
+          </ac:spMkLst>
+        </pc:spChg>
+        <pc:spChg chg="add mod">
+          <ac:chgData name="Jay Graham" userId="95e8df3011c311b3" providerId="LiveId" clId="{40FA9C22-86E2-4DFC-8479-05FA8FA29154}" dt="2025-05-05T23:35:50.717" v="272"/>
+          <ac:spMkLst>
+            <pc:docMk/>
+            <pc:sldMk cId="2180713410" sldId="260"/>
+            <ac:spMk id="5" creationId="{4921AB82-F51F-D440-507D-1E38B7F1A75B}"/>
           </ac:spMkLst>
         </pc:spChg>
         <pc:spChg chg="mod">
@@ -175,76 +183,12 @@
             <ac:spMk id="15" creationId="{36E04A1B-E755-F381-1177-368A1AA73073}"/>
           </ac:spMkLst>
         </pc:spChg>
-        <pc:spChg chg="del">
-          <ac:chgData name="Jay Graham" userId="95e8df3011c311b3" providerId="LiveId" clId="{40FA9C22-86E2-4DFC-8479-05FA8FA29154}" dt="2025-04-29T23:24:19.481" v="66" actId="478"/>
-          <ac:spMkLst>
-            <pc:docMk/>
-            <pc:sldMk cId="2180713410" sldId="260"/>
-            <ac:spMk id="16" creationId="{6B08A227-12BC-5700-33EE-6532F9D0DCFB}"/>
-          </ac:spMkLst>
-        </pc:spChg>
-        <pc:spChg chg="del">
-          <ac:chgData name="Jay Graham" userId="95e8df3011c311b3" providerId="LiveId" clId="{40FA9C22-86E2-4DFC-8479-05FA8FA29154}" dt="2025-04-29T23:24:19.481" v="66" actId="478"/>
-          <ac:spMkLst>
-            <pc:docMk/>
-            <pc:sldMk cId="2180713410" sldId="260"/>
-            <ac:spMk id="17" creationId="{E34AC315-EF30-AEF6-FEEA-6E927AB1E163}"/>
-          </ac:spMkLst>
-        </pc:spChg>
-        <pc:spChg chg="del">
-          <ac:chgData name="Jay Graham" userId="95e8df3011c311b3" providerId="LiveId" clId="{40FA9C22-86E2-4DFC-8479-05FA8FA29154}" dt="2025-04-29T23:24:19.481" v="66" actId="478"/>
-          <ac:spMkLst>
-            <pc:docMk/>
-            <pc:sldMk cId="2180713410" sldId="260"/>
-            <ac:spMk id="18" creationId="{18194753-B109-7647-8FF9-77BEA2E9FCCB}"/>
-          </ac:spMkLst>
-        </pc:spChg>
-        <pc:spChg chg="del">
-          <ac:chgData name="Jay Graham" userId="95e8df3011c311b3" providerId="LiveId" clId="{40FA9C22-86E2-4DFC-8479-05FA8FA29154}" dt="2025-04-29T23:24:19.481" v="66" actId="478"/>
-          <ac:spMkLst>
-            <pc:docMk/>
-            <pc:sldMk cId="2180713410" sldId="260"/>
-            <ac:spMk id="19" creationId="{78A6F4B5-2C29-F0D0-E828-ABC31BB0ECCA}"/>
-          </ac:spMkLst>
-        </pc:spChg>
         <pc:spChg chg="mod">
           <ac:chgData name="Jay Graham" userId="95e8df3011c311b3" providerId="LiveId" clId="{40FA9C22-86E2-4DFC-8479-05FA8FA29154}" dt="2025-04-29T23:27:42.445" v="118" actId="1076"/>
           <ac:spMkLst>
             <pc:docMk/>
             <pc:sldMk cId="2180713410" sldId="260"/>
             <ac:spMk id="21" creationId="{315B5259-FEF9-FA7E-33B9-BF004EF54F44}"/>
-          </ac:spMkLst>
-        </pc:spChg>
-        <pc:spChg chg="del">
-          <ac:chgData name="Jay Graham" userId="95e8df3011c311b3" providerId="LiveId" clId="{40FA9C22-86E2-4DFC-8479-05FA8FA29154}" dt="2025-04-29T23:24:19.481" v="66" actId="478"/>
-          <ac:spMkLst>
-            <pc:docMk/>
-            <pc:sldMk cId="2180713410" sldId="260"/>
-            <ac:spMk id="28" creationId="{52467834-CE66-60F1-4B45-0EC8E8EF15F6}"/>
-          </ac:spMkLst>
-        </pc:spChg>
-        <pc:spChg chg="del">
-          <ac:chgData name="Jay Graham" userId="95e8df3011c311b3" providerId="LiveId" clId="{40FA9C22-86E2-4DFC-8479-05FA8FA29154}" dt="2025-04-29T23:24:19.481" v="66" actId="478"/>
-          <ac:spMkLst>
-            <pc:docMk/>
-            <pc:sldMk cId="2180713410" sldId="260"/>
-            <ac:spMk id="29" creationId="{0095A673-37E0-07B7-CE29-7EAD4DC5D7FA}"/>
-          </ac:spMkLst>
-        </pc:spChg>
-        <pc:spChg chg="del">
-          <ac:chgData name="Jay Graham" userId="95e8df3011c311b3" providerId="LiveId" clId="{40FA9C22-86E2-4DFC-8479-05FA8FA29154}" dt="2025-04-29T23:24:19.481" v="66" actId="478"/>
-          <ac:spMkLst>
-            <pc:docMk/>
-            <pc:sldMk cId="2180713410" sldId="260"/>
-            <ac:spMk id="30" creationId="{177AEBDD-ECD9-E40A-C886-089B09EAEDFA}"/>
-          </ac:spMkLst>
-        </pc:spChg>
-        <pc:spChg chg="del">
-          <ac:chgData name="Jay Graham" userId="95e8df3011c311b3" providerId="LiveId" clId="{40FA9C22-86E2-4DFC-8479-05FA8FA29154}" dt="2025-04-29T23:24:19.481" v="66" actId="478"/>
-          <ac:spMkLst>
-            <pc:docMk/>
-            <pc:sldMk cId="2180713410" sldId="260"/>
-            <ac:spMk id="31" creationId="{C6003DBE-8A89-9A43-AB38-1A803F016303}"/>
           </ac:spMkLst>
         </pc:spChg>
         <pc:spChg chg="mod">
@@ -295,14 +239,6 @@
             <ac:spMk id="37" creationId="{648A5523-704C-C789-D63E-764DBE8B2DB7}"/>
           </ac:spMkLst>
         </pc:spChg>
-        <pc:spChg chg="del">
-          <ac:chgData name="Jay Graham" userId="95e8df3011c311b3" providerId="LiveId" clId="{40FA9C22-86E2-4DFC-8479-05FA8FA29154}" dt="2025-04-29T23:29:07.673" v="147" actId="478"/>
-          <ac:spMkLst>
-            <pc:docMk/>
-            <pc:sldMk cId="2180713410" sldId="260"/>
-            <ac:spMk id="38" creationId="{1041A753-9636-E27E-539F-FC787D3E8DCF}"/>
-          </ac:spMkLst>
-        </pc:spChg>
         <pc:spChg chg="add mod">
           <ac:chgData name="Jay Graham" userId="95e8df3011c311b3" providerId="LiveId" clId="{40FA9C22-86E2-4DFC-8479-05FA8FA29154}" dt="2025-04-29T23:27:42.445" v="118" actId="1076"/>
           <ac:spMkLst>
@@ -311,44 +247,12 @@
             <ac:spMk id="39" creationId="{DDBA90C3-EA5D-8AAF-0ECF-A6C2476CFFCF}"/>
           </ac:spMkLst>
         </pc:spChg>
-        <pc:spChg chg="add del mod">
-          <ac:chgData name="Jay Graham" userId="95e8df3011c311b3" providerId="LiveId" clId="{40FA9C22-86E2-4DFC-8479-05FA8FA29154}" dt="2025-04-29T23:25:51.763" v="81" actId="478"/>
-          <ac:spMkLst>
-            <pc:docMk/>
-            <pc:sldMk cId="2180713410" sldId="260"/>
-            <ac:spMk id="40" creationId="{12D36139-4AD0-7D17-029B-02B4AC4ACF61}"/>
-          </ac:spMkLst>
-        </pc:spChg>
-        <pc:spChg chg="add del mod">
-          <ac:chgData name="Jay Graham" userId="95e8df3011c311b3" providerId="LiveId" clId="{40FA9C22-86E2-4DFC-8479-05FA8FA29154}" dt="2025-04-29T23:25:51.763" v="81" actId="478"/>
-          <ac:spMkLst>
-            <pc:docMk/>
-            <pc:sldMk cId="2180713410" sldId="260"/>
-            <ac:spMk id="41" creationId="{E6DE403F-20CC-6713-1FDE-F812F37D299C}"/>
-          </ac:spMkLst>
-        </pc:spChg>
-        <pc:spChg chg="add del mod">
-          <ac:chgData name="Jay Graham" userId="95e8df3011c311b3" providerId="LiveId" clId="{40FA9C22-86E2-4DFC-8479-05FA8FA29154}" dt="2025-04-29T23:25:51.763" v="81" actId="478"/>
-          <ac:spMkLst>
-            <pc:docMk/>
-            <pc:sldMk cId="2180713410" sldId="260"/>
-            <ac:spMk id="42" creationId="{3C8C6E2E-4DFB-D877-E019-6D58327176BE}"/>
-          </ac:spMkLst>
-        </pc:spChg>
         <pc:spChg chg="mod">
-          <ac:chgData name="Jay Graham" userId="95e8df3011c311b3" providerId="LiveId" clId="{40FA9C22-86E2-4DFC-8479-05FA8FA29154}" dt="2025-04-29T23:30:53.084" v="171" actId="20577"/>
+          <ac:chgData name="Jay Graham" userId="95e8df3011c311b3" providerId="LiveId" clId="{40FA9C22-86E2-4DFC-8479-05FA8FA29154}" dt="2025-05-05T23:35:55.944" v="278" actId="20577"/>
           <ac:spMkLst>
             <pc:docMk/>
             <pc:sldMk cId="2180713410" sldId="260"/>
             <ac:spMk id="43" creationId="{453060FA-DAC6-542D-35BC-87DA520BA8EF}"/>
-          </ac:spMkLst>
-        </pc:spChg>
-        <pc:spChg chg="add del mod">
-          <ac:chgData name="Jay Graham" userId="95e8df3011c311b3" providerId="LiveId" clId="{40FA9C22-86E2-4DFC-8479-05FA8FA29154}" dt="2025-04-29T23:25:51.763" v="81" actId="478"/>
-          <ac:spMkLst>
-            <pc:docMk/>
-            <pc:sldMk cId="2180713410" sldId="260"/>
-            <ac:spMk id="44" creationId="{CDA5D5C3-A487-12DD-E98F-34ADB7FC5977}"/>
           </ac:spMkLst>
         </pc:spChg>
         <pc:spChg chg="mod">
@@ -357,86 +261,6 @@
             <pc:docMk/>
             <pc:sldMk cId="2180713410" sldId="260"/>
             <ac:spMk id="45" creationId="{AE35D917-0454-A61E-6D76-91232EDB1ABD}"/>
-          </ac:spMkLst>
-        </pc:spChg>
-        <pc:spChg chg="del mod">
-          <ac:chgData name="Jay Graham" userId="95e8df3011c311b3" providerId="LiveId" clId="{40FA9C22-86E2-4DFC-8479-05FA8FA29154}" dt="2025-04-29T23:31:35.047" v="199" actId="478"/>
-          <ac:spMkLst>
-            <pc:docMk/>
-            <pc:sldMk cId="2180713410" sldId="260"/>
-            <ac:spMk id="46" creationId="{900BA390-AFFE-EEBF-147D-03BC74BEC959}"/>
-          </ac:spMkLst>
-        </pc:spChg>
-        <pc:spChg chg="del mod">
-          <ac:chgData name="Jay Graham" userId="95e8df3011c311b3" providerId="LiveId" clId="{40FA9C22-86E2-4DFC-8479-05FA8FA29154}" dt="2025-04-29T23:31:35.047" v="199" actId="478"/>
-          <ac:spMkLst>
-            <pc:docMk/>
-            <pc:sldMk cId="2180713410" sldId="260"/>
-            <ac:spMk id="47" creationId="{9BCCD4CD-3D4E-A191-20D0-A776E4976237}"/>
-          </ac:spMkLst>
-        </pc:spChg>
-        <pc:spChg chg="add del mod">
-          <ac:chgData name="Jay Graham" userId="95e8df3011c311b3" providerId="LiveId" clId="{40FA9C22-86E2-4DFC-8479-05FA8FA29154}" dt="2025-04-29T23:25:51.763" v="81" actId="478"/>
-          <ac:spMkLst>
-            <pc:docMk/>
-            <pc:sldMk cId="2180713410" sldId="260"/>
-            <ac:spMk id="48" creationId="{6CBD7651-C240-50B7-5BD9-B02D1458564D}"/>
-          </ac:spMkLst>
-        </pc:spChg>
-        <pc:spChg chg="del">
-          <ac:chgData name="Jay Graham" userId="95e8df3011c311b3" providerId="LiveId" clId="{40FA9C22-86E2-4DFC-8479-05FA8FA29154}" dt="2025-04-29T23:29:07.673" v="147" actId="478"/>
-          <ac:spMkLst>
-            <pc:docMk/>
-            <pc:sldMk cId="2180713410" sldId="260"/>
-            <ac:spMk id="49" creationId="{91D46238-4BF3-E97F-1CB6-A1166EA1767C}"/>
-          </ac:spMkLst>
-        </pc:spChg>
-        <pc:spChg chg="del">
-          <ac:chgData name="Jay Graham" userId="95e8df3011c311b3" providerId="LiveId" clId="{40FA9C22-86E2-4DFC-8479-05FA8FA29154}" dt="2025-04-29T23:29:07.673" v="147" actId="478"/>
-          <ac:spMkLst>
-            <pc:docMk/>
-            <pc:sldMk cId="2180713410" sldId="260"/>
-            <ac:spMk id="50" creationId="{7D83430A-9A93-F958-2167-EC024B746718}"/>
-          </ac:spMkLst>
-        </pc:spChg>
-        <pc:spChg chg="add del mod">
-          <ac:chgData name="Jay Graham" userId="95e8df3011c311b3" providerId="LiveId" clId="{40FA9C22-86E2-4DFC-8479-05FA8FA29154}" dt="2025-04-29T23:25:51.763" v="81" actId="478"/>
-          <ac:spMkLst>
-            <pc:docMk/>
-            <pc:sldMk cId="2180713410" sldId="260"/>
-            <ac:spMk id="51" creationId="{CD1BFE7A-7D86-53B5-2947-00C3FF1FD5DF}"/>
-          </ac:spMkLst>
-        </pc:spChg>
-        <pc:spChg chg="add del mod">
-          <ac:chgData name="Jay Graham" userId="95e8df3011c311b3" providerId="LiveId" clId="{40FA9C22-86E2-4DFC-8479-05FA8FA29154}" dt="2025-04-29T23:25:51.763" v="81" actId="478"/>
-          <ac:spMkLst>
-            <pc:docMk/>
-            <pc:sldMk cId="2180713410" sldId="260"/>
-            <ac:spMk id="52" creationId="{F69AB838-9BEE-073A-4500-72F901D621F0}"/>
-          </ac:spMkLst>
-        </pc:spChg>
-        <pc:spChg chg="add del mod">
-          <ac:chgData name="Jay Graham" userId="95e8df3011c311b3" providerId="LiveId" clId="{40FA9C22-86E2-4DFC-8479-05FA8FA29154}" dt="2025-04-29T23:25:51.763" v="81" actId="478"/>
-          <ac:spMkLst>
-            <pc:docMk/>
-            <pc:sldMk cId="2180713410" sldId="260"/>
-            <ac:spMk id="53" creationId="{46993B6A-C523-3E27-CB83-B0F020EF5606}"/>
-          </ac:spMkLst>
-        </pc:spChg>
-        <pc:spChg chg="add del mod">
-          <ac:chgData name="Jay Graham" userId="95e8df3011c311b3" providerId="LiveId" clId="{40FA9C22-86E2-4DFC-8479-05FA8FA29154}" dt="2025-04-29T23:25:51.763" v="81" actId="478"/>
-          <ac:spMkLst>
-            <pc:docMk/>
-            <pc:sldMk cId="2180713410" sldId="260"/>
-            <ac:spMk id="62" creationId="{CD040261-5350-3C97-14C6-60989BACE26A}"/>
-          </ac:spMkLst>
-        </pc:spChg>
-        <pc:spChg chg="add del mod">
-          <ac:chgData name="Jay Graham" userId="95e8df3011c311b3" providerId="LiveId" clId="{40FA9C22-86E2-4DFC-8479-05FA8FA29154}" dt="2025-04-29T23:25:51.763" v="81" actId="478"/>
-          <ac:spMkLst>
-            <pc:docMk/>
-            <pc:sldMk cId="2180713410" sldId="260"/>
-            <ac:spMk id="63" creationId="{7841E838-4DDE-DA8E-D153-463016FC03F2}"/>
           </ac:spMkLst>
         </pc:spChg>
         <pc:spChg chg="add mod">
@@ -463,36 +287,12 @@
             <ac:spMk id="66" creationId="{B7B8BA40-1FED-A684-0AD8-EBF81CCA1BAF}"/>
           </ac:spMkLst>
         </pc:spChg>
-        <pc:spChg chg="del mod">
-          <ac:chgData name="Jay Graham" userId="95e8df3011c311b3" providerId="LiveId" clId="{40FA9C22-86E2-4DFC-8479-05FA8FA29154}" dt="2025-04-29T23:32:09.119" v="212" actId="478"/>
-          <ac:spMkLst>
-            <pc:docMk/>
-            <pc:sldMk cId="2180713410" sldId="260"/>
-            <ac:spMk id="67" creationId="{74DC5D96-7AA4-F336-75BD-3CA8DBDD126C}"/>
-          </ac:spMkLst>
-        </pc:spChg>
         <pc:spChg chg="add mod">
           <ac:chgData name="Jay Graham" userId="95e8df3011c311b3" providerId="LiveId" clId="{40FA9C22-86E2-4DFC-8479-05FA8FA29154}" dt="2025-04-29T23:26:14.166" v="83" actId="1076"/>
           <ac:spMkLst>
             <pc:docMk/>
             <pc:sldMk cId="2180713410" sldId="260"/>
             <ac:spMk id="68" creationId="{04E21DBF-1335-82FD-688C-AE0DE55DAF68}"/>
-          </ac:spMkLst>
-        </pc:spChg>
-        <pc:spChg chg="del">
-          <ac:chgData name="Jay Graham" userId="95e8df3011c311b3" providerId="LiveId" clId="{40FA9C22-86E2-4DFC-8479-05FA8FA29154}" dt="2025-04-29T23:29:07.673" v="147" actId="478"/>
-          <ac:spMkLst>
-            <pc:docMk/>
-            <pc:sldMk cId="2180713410" sldId="260"/>
-            <ac:spMk id="69" creationId="{AB685BF1-9D98-272F-2A42-873FCC669C8E}"/>
-          </ac:spMkLst>
-        </pc:spChg>
-        <pc:spChg chg="del">
-          <ac:chgData name="Jay Graham" userId="95e8df3011c311b3" providerId="LiveId" clId="{40FA9C22-86E2-4DFC-8479-05FA8FA29154}" dt="2025-04-29T23:29:07.673" v="147" actId="478"/>
-          <ac:spMkLst>
-            <pc:docMk/>
-            <pc:sldMk cId="2180713410" sldId="260"/>
-            <ac:spMk id="70" creationId="{26529299-6D5D-934C-98E3-A54D00F48439}"/>
           </ac:spMkLst>
         </pc:spChg>
         <pc:spChg chg="add mod">
@@ -511,36 +311,12 @@
             <ac:spMk id="72" creationId="{9137EC3A-495A-6FD0-B243-FC1A07B0DBFC}"/>
           </ac:spMkLst>
         </pc:spChg>
-        <pc:spChg chg="del mod">
-          <ac:chgData name="Jay Graham" userId="95e8df3011c311b3" providerId="LiveId" clId="{40FA9C22-86E2-4DFC-8479-05FA8FA29154}" dt="2025-04-29T23:32:09.119" v="212" actId="478"/>
-          <ac:spMkLst>
-            <pc:docMk/>
-            <pc:sldMk cId="2180713410" sldId="260"/>
-            <ac:spMk id="73" creationId="{5D461ABE-16C7-72B0-D601-8B65985BF60F}"/>
-          </ac:spMkLst>
-        </pc:spChg>
-        <pc:spChg chg="del mod">
-          <ac:chgData name="Jay Graham" userId="95e8df3011c311b3" providerId="LiveId" clId="{40FA9C22-86E2-4DFC-8479-05FA8FA29154}" dt="2025-04-29T23:32:09.119" v="212" actId="478"/>
-          <ac:spMkLst>
-            <pc:docMk/>
-            <pc:sldMk cId="2180713410" sldId="260"/>
-            <ac:spMk id="74" creationId="{C3897D93-6C1C-6FAE-349A-71DD027D8138}"/>
-          </ac:spMkLst>
-        </pc:spChg>
         <pc:spChg chg="mod">
           <ac:chgData name="Jay Graham" userId="95e8df3011c311b3" providerId="LiveId" clId="{40FA9C22-86E2-4DFC-8479-05FA8FA29154}" dt="2025-04-29T23:29:49.385" v="151" actId="1076"/>
           <ac:spMkLst>
             <pc:docMk/>
             <pc:sldMk cId="2180713410" sldId="260"/>
             <ac:spMk id="75" creationId="{0A25C569-CB1C-55D1-B03E-28CCEFF055EB}"/>
-          </ac:spMkLst>
-        </pc:spChg>
-        <pc:spChg chg="del">
-          <ac:chgData name="Jay Graham" userId="95e8df3011c311b3" providerId="LiveId" clId="{40FA9C22-86E2-4DFC-8479-05FA8FA29154}" dt="2025-04-29T23:29:07.673" v="147" actId="478"/>
-          <ac:spMkLst>
-            <pc:docMk/>
-            <pc:sldMk cId="2180713410" sldId="260"/>
-            <ac:spMk id="76" creationId="{325408E5-B961-F282-826E-F4AC8213B60B}"/>
           </ac:spMkLst>
         </pc:spChg>
         <pc:spChg chg="add mod">
@@ -551,14 +327,6 @@
             <ac:spMk id="82" creationId="{50091A5A-C51F-1CA4-0580-E211449C5737}"/>
           </ac:spMkLst>
         </pc:spChg>
-        <pc:spChg chg="del">
-          <ac:chgData name="Jay Graham" userId="95e8df3011c311b3" providerId="LiveId" clId="{40FA9C22-86E2-4DFC-8479-05FA8FA29154}" dt="2025-04-29T23:21:15.946" v="26" actId="478"/>
-          <ac:spMkLst>
-            <pc:docMk/>
-            <pc:sldMk cId="2180713410" sldId="260"/>
-            <ac:spMk id="84" creationId="{BC20E16F-376C-F7C9-CC64-FEBBCD0F5778}"/>
-          </ac:spMkLst>
-        </pc:spChg>
         <pc:spChg chg="add mod">
           <ac:chgData name="Jay Graham" userId="95e8df3011c311b3" providerId="LiveId" clId="{40FA9C22-86E2-4DFC-8479-05FA8FA29154}" dt="2025-04-29T23:26:14.166" v="83" actId="1076"/>
           <ac:spMkLst>
@@ -567,36 +335,12 @@
             <ac:spMk id="85" creationId="{D50224E3-9C8B-6E5F-2C80-23230EFF4BF6}"/>
           </ac:spMkLst>
         </pc:spChg>
-        <pc:spChg chg="del">
-          <ac:chgData name="Jay Graham" userId="95e8df3011c311b3" providerId="LiveId" clId="{40FA9C22-86E2-4DFC-8479-05FA8FA29154}" dt="2025-04-29T23:21:14.012" v="25" actId="478"/>
-          <ac:spMkLst>
-            <pc:docMk/>
-            <pc:sldMk cId="2180713410" sldId="260"/>
-            <ac:spMk id="86" creationId="{22A68DC3-2CC5-7C9C-0AD6-185ADFDD38F2}"/>
-          </ac:spMkLst>
-        </pc:spChg>
         <pc:spChg chg="add mod">
           <ac:chgData name="Jay Graham" userId="95e8df3011c311b3" providerId="LiveId" clId="{40FA9C22-86E2-4DFC-8479-05FA8FA29154}" dt="2025-04-29T23:26:14.166" v="83" actId="1076"/>
           <ac:spMkLst>
             <pc:docMk/>
             <pc:sldMk cId="2180713410" sldId="260"/>
             <ac:spMk id="87" creationId="{7A8E0F01-EA5F-ECF4-A5FB-72459F0A3047}"/>
-          </ac:spMkLst>
-        </pc:spChg>
-        <pc:spChg chg="del">
-          <ac:chgData name="Jay Graham" userId="95e8df3011c311b3" providerId="LiveId" clId="{40FA9C22-86E2-4DFC-8479-05FA8FA29154}" dt="2025-04-29T23:21:12.098" v="24" actId="478"/>
-          <ac:spMkLst>
-            <pc:docMk/>
-            <pc:sldMk cId="2180713410" sldId="260"/>
-            <ac:spMk id="88" creationId="{198F47A5-7943-AAAC-DDD3-9D27EC15F00D}"/>
-          </ac:spMkLst>
-        </pc:spChg>
-        <pc:spChg chg="del">
-          <ac:chgData name="Jay Graham" userId="95e8df3011c311b3" providerId="LiveId" clId="{40FA9C22-86E2-4DFC-8479-05FA8FA29154}" dt="2025-04-29T23:21:18.219" v="27" actId="478"/>
-          <ac:spMkLst>
-            <pc:docMk/>
-            <pc:sldMk cId="2180713410" sldId="260"/>
-            <ac:spMk id="89" creationId="{F9317C0B-BD62-F32D-A0E7-BE06D68E9E7D}"/>
           </ac:spMkLst>
         </pc:spChg>
         <pc:spChg chg="add mod">
@@ -631,14 +375,6 @@
             <ac:spMk id="111" creationId="{B7984127-A9E1-6FDF-9E32-E9A25EDB1718}"/>
           </ac:spMkLst>
         </pc:spChg>
-        <pc:spChg chg="add del mod">
-          <ac:chgData name="Jay Graham" userId="95e8df3011c311b3" providerId="LiveId" clId="{40FA9C22-86E2-4DFC-8479-05FA8FA29154}" dt="2025-04-29T23:32:39.352" v="217" actId="478"/>
-          <ac:spMkLst>
-            <pc:docMk/>
-            <pc:sldMk cId="2180713410" sldId="260"/>
-            <ac:spMk id="112" creationId="{E490EC7B-47C3-F090-D223-9E543CDDAF7C}"/>
-          </ac:spMkLst>
-        </pc:spChg>
         <pc:spChg chg="add mod">
           <ac:chgData name="Jay Graham" userId="95e8df3011c311b3" providerId="LiveId" clId="{40FA9C22-86E2-4DFC-8479-05FA8FA29154}" dt="2025-04-29T23:35:34.140" v="258" actId="20577"/>
           <ac:spMkLst>
@@ -663,28 +399,20 @@
             <ac:spMk id="115" creationId="{56C654E2-5328-AC02-B046-C647180931FA}"/>
           </ac:spMkLst>
         </pc:spChg>
-        <pc:spChg chg="add mod">
-          <ac:chgData name="Jay Graham" userId="95e8df3011c311b3" providerId="LiveId" clId="{40FA9C22-86E2-4DFC-8479-05FA8FA29154}" dt="2025-04-29T23:34:31.115" v="252" actId="208"/>
+        <pc:spChg chg="add del mod">
+          <ac:chgData name="Jay Graham" userId="95e8df3011c311b3" providerId="LiveId" clId="{40FA9C22-86E2-4DFC-8479-05FA8FA29154}" dt="2025-05-05T23:35:38.823" v="263" actId="478"/>
           <ac:spMkLst>
             <pc:docMk/>
             <pc:sldMk cId="2180713410" sldId="260"/>
             <ac:spMk id="137" creationId="{79D76F7A-0CB3-0923-3C15-FA85018F6BDB}"/>
           </ac:spMkLst>
         </pc:spChg>
-        <pc:spChg chg="add mod">
-          <ac:chgData name="Jay Graham" userId="95e8df3011c311b3" providerId="LiveId" clId="{40FA9C22-86E2-4DFC-8479-05FA8FA29154}" dt="2025-04-29T23:34:07.731" v="248" actId="1076"/>
+        <pc:spChg chg="add del mod">
+          <ac:chgData name="Jay Graham" userId="95e8df3011c311b3" providerId="LiveId" clId="{40FA9C22-86E2-4DFC-8479-05FA8FA29154}" dt="2025-05-05T23:35:41.496" v="264" actId="478"/>
           <ac:spMkLst>
             <pc:docMk/>
             <pc:sldMk cId="2180713410" sldId="260"/>
             <ac:spMk id="138" creationId="{A99F67BC-FBC2-EF03-9777-50B68EB25E48}"/>
-          </ac:spMkLst>
-        </pc:spChg>
-        <pc:spChg chg="del mod">
-          <ac:chgData name="Jay Graham" userId="95e8df3011c311b3" providerId="LiveId" clId="{40FA9C22-86E2-4DFC-8479-05FA8FA29154}" dt="2025-04-29T23:32:09.119" v="212" actId="478"/>
-          <ac:spMkLst>
-            <pc:docMk/>
-            <pc:sldMk cId="2180713410" sldId="260"/>
-            <ac:spMk id="140" creationId="{F72DEF0B-23CD-54B3-BFDB-E3FCE905B5A4}"/>
           </ac:spMkLst>
         </pc:spChg>
         <pc:picChg chg="mod">
@@ -701,22 +429,6 @@
             <pc:docMk/>
             <pc:sldMk cId="2180713410" sldId="260"/>
             <ac:picMk id="122" creationId="{F3EE8DA1-1FE1-D312-6BC8-9975DB3314DE}"/>
-          </ac:picMkLst>
-        </pc:picChg>
-        <pc:picChg chg="del">
-          <ac:chgData name="Jay Graham" userId="95e8df3011c311b3" providerId="LiveId" clId="{40FA9C22-86E2-4DFC-8479-05FA8FA29154}" dt="2025-04-29T23:24:19.481" v="66" actId="478"/>
-          <ac:picMkLst>
-            <pc:docMk/>
-            <pc:sldMk cId="2180713410" sldId="260"/>
-            <ac:picMk id="123" creationId="{EC1C2412-057A-7995-764D-E407371700EC}"/>
-          </ac:picMkLst>
-        </pc:picChg>
-        <pc:picChg chg="del">
-          <ac:chgData name="Jay Graham" userId="95e8df3011c311b3" providerId="LiveId" clId="{40FA9C22-86E2-4DFC-8479-05FA8FA29154}" dt="2025-04-29T23:24:19.481" v="66" actId="478"/>
-          <ac:picMkLst>
-            <pc:docMk/>
-            <pc:sldMk cId="2180713410" sldId="260"/>
-            <ac:picMk id="124" creationId="{6797324B-8982-670B-53CB-66979B83C4C2}"/>
           </ac:picMkLst>
         </pc:picChg>
         <pc:cxnChg chg="add mod">
@@ -751,54 +463,6 @@
             <ac:cxnSpMk id="116" creationId="{6ECB9C6B-4EAE-A6D7-7FB4-9E501E803E39}"/>
           </ac:cxnSpMkLst>
         </pc:cxnChg>
-        <pc:cxnChg chg="del mod">
-          <ac:chgData name="Jay Graham" userId="95e8df3011c311b3" providerId="LiveId" clId="{40FA9C22-86E2-4DFC-8479-05FA8FA29154}" dt="2025-04-29T23:32:12.386" v="213" actId="478"/>
-          <ac:cxnSpMkLst>
-            <pc:docMk/>
-            <pc:sldMk cId="2180713410" sldId="260"/>
-            <ac:cxnSpMk id="117" creationId="{EE83A4EA-F651-39B2-2E70-A9D355962F3C}"/>
-          </ac:cxnSpMkLst>
-        </pc:cxnChg>
-        <pc:cxnChg chg="del mod">
-          <ac:chgData name="Jay Graham" userId="95e8df3011c311b3" providerId="LiveId" clId="{40FA9C22-86E2-4DFC-8479-05FA8FA29154}" dt="2025-04-29T23:32:12.386" v="213" actId="478"/>
-          <ac:cxnSpMkLst>
-            <pc:docMk/>
-            <pc:sldMk cId="2180713410" sldId="260"/>
-            <ac:cxnSpMk id="118" creationId="{9E19B316-9611-72AA-FF8C-5FC4E988DA54}"/>
-          </ac:cxnSpMkLst>
-        </pc:cxnChg>
-        <pc:cxnChg chg="del mod">
-          <ac:chgData name="Jay Graham" userId="95e8df3011c311b3" providerId="LiveId" clId="{40FA9C22-86E2-4DFC-8479-05FA8FA29154}" dt="2025-04-29T23:32:12.386" v="213" actId="478"/>
-          <ac:cxnSpMkLst>
-            <pc:docMk/>
-            <pc:sldMk cId="2180713410" sldId="260"/>
-            <ac:cxnSpMk id="119" creationId="{0C245FFE-623C-D651-077C-79E8E509A571}"/>
-          </ac:cxnSpMkLst>
-        </pc:cxnChg>
-        <pc:cxnChg chg="del mod">
-          <ac:chgData name="Jay Graham" userId="95e8df3011c311b3" providerId="LiveId" clId="{40FA9C22-86E2-4DFC-8479-05FA8FA29154}" dt="2025-04-29T23:32:12.386" v="213" actId="478"/>
-          <ac:cxnSpMkLst>
-            <pc:docMk/>
-            <pc:sldMk cId="2180713410" sldId="260"/>
-            <ac:cxnSpMk id="125" creationId="{A8F7A685-42AF-5F66-445F-BAFA5C1D50D3}"/>
-          </ac:cxnSpMkLst>
-        </pc:cxnChg>
-        <pc:cxnChg chg="del mod">
-          <ac:chgData name="Jay Graham" userId="95e8df3011c311b3" providerId="LiveId" clId="{40FA9C22-86E2-4DFC-8479-05FA8FA29154}" dt="2025-04-29T23:29:07.673" v="147" actId="478"/>
-          <ac:cxnSpMkLst>
-            <pc:docMk/>
-            <pc:sldMk cId="2180713410" sldId="260"/>
-            <ac:cxnSpMk id="126" creationId="{90911BEE-3134-A0AD-C4BD-2B53552A447B}"/>
-          </ac:cxnSpMkLst>
-        </pc:cxnChg>
-        <pc:cxnChg chg="del mod">
-          <ac:chgData name="Jay Graham" userId="95e8df3011c311b3" providerId="LiveId" clId="{40FA9C22-86E2-4DFC-8479-05FA8FA29154}" dt="2025-04-29T23:29:07.673" v="147" actId="478"/>
-          <ac:cxnSpMkLst>
-            <pc:docMk/>
-            <pc:sldMk cId="2180713410" sldId="260"/>
-            <ac:cxnSpMk id="127" creationId="{38A754A1-9448-F925-CBD6-D38432E3730B}"/>
-          </ac:cxnSpMkLst>
-        </pc:cxnChg>
         <pc:cxnChg chg="add mod">
           <ac:chgData name="Jay Graham" userId="95e8df3011c311b3" providerId="LiveId" clId="{40FA9C22-86E2-4DFC-8479-05FA8FA29154}" dt="2025-04-29T23:33:14.235" v="237" actId="14100"/>
           <ac:cxnSpMkLst>
@@ -816,15 +480,15 @@
           </ac:cxnSpMkLst>
         </pc:cxnChg>
         <pc:cxnChg chg="add mod">
-          <ac:chgData name="Jay Graham" userId="95e8df3011c311b3" providerId="LiveId" clId="{40FA9C22-86E2-4DFC-8479-05FA8FA29154}" dt="2025-04-29T23:33:53.801" v="245" actId="1076"/>
+          <ac:chgData name="Jay Graham" userId="95e8df3011c311b3" providerId="LiveId" clId="{40FA9C22-86E2-4DFC-8479-05FA8FA29154}" dt="2025-05-05T23:36:03.074" v="279" actId="14100"/>
           <ac:cxnSpMkLst>
             <pc:docMk/>
             <pc:sldMk cId="2180713410" sldId="260"/>
             <ac:cxnSpMk id="135" creationId="{AB29141B-DA5E-7C51-E0F1-9958786E12BE}"/>
           </ac:cxnSpMkLst>
         </pc:cxnChg>
-        <pc:cxnChg chg="add mod">
-          <ac:chgData name="Jay Graham" userId="95e8df3011c311b3" providerId="LiveId" clId="{40FA9C22-86E2-4DFC-8479-05FA8FA29154}" dt="2025-04-29T23:33:59.477" v="246" actId="1076"/>
+        <pc:cxnChg chg="add del mod">
+          <ac:chgData name="Jay Graham" userId="95e8df3011c311b3" providerId="LiveId" clId="{40FA9C22-86E2-4DFC-8479-05FA8FA29154}" dt="2025-05-05T23:35:37.520" v="262" actId="478"/>
           <ac:cxnSpMkLst>
             <pc:docMk/>
             <pc:sldMk cId="2180713410" sldId="260"/>
@@ -967,46 +631,6 @@
           </ac:spMkLst>
         </pc:spChg>
         <pc:spChg chg="add mod">
-          <ac:chgData name="Jay Graham" userId="95e8df3011c311b3" providerId="LiveId" clId="{933FB402-26FE-417F-B1DC-62CECACD1C6F}" dt="2025-04-01T03:26:24.487" v="93" actId="1076"/>
-          <ac:spMkLst>
-            <pc:docMk/>
-            <pc:sldMk cId="2180713410" sldId="260"/>
-            <ac:spMk id="46" creationId="{900BA390-AFFE-EEBF-147D-03BC74BEC959}"/>
-          </ac:spMkLst>
-        </pc:spChg>
-        <pc:spChg chg="add mod">
-          <ac:chgData name="Jay Graham" userId="95e8df3011c311b3" providerId="LiveId" clId="{933FB402-26FE-417F-B1DC-62CECACD1C6F}" dt="2025-04-01T03:29:19.551" v="169" actId="20577"/>
-          <ac:spMkLst>
-            <pc:docMk/>
-            <pc:sldMk cId="2180713410" sldId="260"/>
-            <ac:spMk id="47" creationId="{9BCCD4CD-3D4E-A191-20D0-A776E4976237}"/>
-          </ac:spMkLst>
-        </pc:spChg>
-        <pc:spChg chg="add mod">
-          <ac:chgData name="Jay Graham" userId="95e8df3011c311b3" providerId="LiveId" clId="{933FB402-26FE-417F-B1DC-62CECACD1C6F}" dt="2025-04-01T03:42:23.220" v="338" actId="20577"/>
-          <ac:spMkLst>
-            <pc:docMk/>
-            <pc:sldMk cId="2180713410" sldId="260"/>
-            <ac:spMk id="67" creationId="{74DC5D96-7AA4-F336-75BD-3CA8DBDD126C}"/>
-          </ac:spMkLst>
-        </pc:spChg>
-        <pc:spChg chg="add mod">
-          <ac:chgData name="Jay Graham" userId="95e8df3011c311b3" providerId="LiveId" clId="{933FB402-26FE-417F-B1DC-62CECACD1C6F}" dt="2025-04-01T03:27:37.847" v="102" actId="1076"/>
-          <ac:spMkLst>
-            <pc:docMk/>
-            <pc:sldMk cId="2180713410" sldId="260"/>
-            <ac:spMk id="73" creationId="{5D461ABE-16C7-72B0-D601-8B65985BF60F}"/>
-          </ac:spMkLst>
-        </pc:spChg>
-        <pc:spChg chg="add mod">
-          <ac:chgData name="Jay Graham" userId="95e8df3011c311b3" providerId="LiveId" clId="{933FB402-26FE-417F-B1DC-62CECACD1C6F}" dt="2025-04-01T03:27:37.847" v="102" actId="1076"/>
-          <ac:spMkLst>
-            <pc:docMk/>
-            <pc:sldMk cId="2180713410" sldId="260"/>
-            <ac:spMk id="74" creationId="{C3897D93-6C1C-6FAE-349A-71DD027D8138}"/>
-          </ac:spMkLst>
-        </pc:spChg>
-        <pc:spChg chg="add mod">
           <ac:chgData name="Jay Graham" userId="95e8df3011c311b3" providerId="LiveId" clId="{933FB402-26FE-417F-B1DC-62CECACD1C6F}" dt="2025-04-01T03:28:26.173" v="133" actId="20577"/>
           <ac:spMkLst>
             <pc:docMk/>
@@ -1020,14 +644,6 @@
             <pc:docMk/>
             <pc:sldMk cId="2180713410" sldId="260"/>
             <ac:spMk id="77" creationId="{F27AF97D-8228-78D8-2477-51418B83C241}"/>
-          </ac:spMkLst>
-        </pc:spChg>
-        <pc:spChg chg="add mod">
-          <ac:chgData name="Jay Graham" userId="95e8df3011c311b3" providerId="LiveId" clId="{933FB402-26FE-417F-B1DC-62CECACD1C6F}" dt="2025-04-01T03:40:24.308" v="328" actId="20577"/>
-          <ac:spMkLst>
-            <pc:docMk/>
-            <pc:sldMk cId="2180713410" sldId="260"/>
-            <ac:spMk id="140" creationId="{F72DEF0B-23CD-54B3-BFDB-E3FCE905B5A4}"/>
           </ac:spMkLst>
         </pc:spChg>
         <pc:picChg chg="add del mod">
@@ -1110,38 +726,6 @@
             <ac:cxnSpMk id="100" creationId="{E4838DEB-74CD-6400-8BA0-B8C1B2298C0F}"/>
           </ac:cxnSpMkLst>
         </pc:cxnChg>
-        <pc:cxnChg chg="add mod">
-          <ac:chgData name="Jay Graham" userId="95e8df3011c311b3" providerId="LiveId" clId="{933FB402-26FE-417F-B1DC-62CECACD1C6F}" dt="2025-04-01T03:40:15.737" v="316" actId="14100"/>
-          <ac:cxnSpMkLst>
-            <pc:docMk/>
-            <pc:sldMk cId="2180713410" sldId="260"/>
-            <ac:cxnSpMk id="117" creationId="{EE83A4EA-F651-39B2-2E70-A9D355962F3C}"/>
-          </ac:cxnSpMkLst>
-        </pc:cxnChg>
-        <pc:cxnChg chg="add mod">
-          <ac:chgData name="Jay Graham" userId="95e8df3011c311b3" providerId="LiveId" clId="{933FB402-26FE-417F-B1DC-62CECACD1C6F}" dt="2025-04-01T03:37:40.658" v="303" actId="14100"/>
-          <ac:cxnSpMkLst>
-            <pc:docMk/>
-            <pc:sldMk cId="2180713410" sldId="260"/>
-            <ac:cxnSpMk id="118" creationId="{9E19B316-9611-72AA-FF8C-5FC4E988DA54}"/>
-          </ac:cxnSpMkLst>
-        </pc:cxnChg>
-        <pc:cxnChg chg="add mod">
-          <ac:chgData name="Jay Graham" userId="95e8df3011c311b3" providerId="LiveId" clId="{933FB402-26FE-417F-B1DC-62CECACD1C6F}" dt="2025-04-01T03:37:44.700" v="305" actId="14100"/>
-          <ac:cxnSpMkLst>
-            <pc:docMk/>
-            <pc:sldMk cId="2180713410" sldId="260"/>
-            <ac:cxnSpMk id="119" creationId="{0C245FFE-623C-D651-077C-79E8E509A571}"/>
-          </ac:cxnSpMkLst>
-        </pc:cxnChg>
-        <pc:cxnChg chg="add mod">
-          <ac:chgData name="Jay Graham" userId="95e8df3011c311b3" providerId="LiveId" clId="{933FB402-26FE-417F-B1DC-62CECACD1C6F}" dt="2025-04-01T03:37:50.327" v="307" actId="14100"/>
-          <ac:cxnSpMkLst>
-            <pc:docMk/>
-            <pc:sldMk cId="2180713410" sldId="260"/>
-            <ac:cxnSpMk id="125" creationId="{A8F7A685-42AF-5F66-445F-BAFA5C1D50D3}"/>
-          </ac:cxnSpMkLst>
-        </pc:cxnChg>
       </pc:sldChg>
     </pc:docChg>
   </pc:docChgLst>
@@ -1318,7 +902,7 @@
           <a:p>
             <a:fld id="{298767BF-8302-47B2-9BB9-DDE0834E9382}" type="datetimeFigureOut">
               <a:rPr lang="en-US" smtClean="0"/>
-              <a:t>4/29/2025</a:t>
+              <a:t>5/5/2025</a:t>
             </a:fld>
             <a:endParaRPr lang="en-US"/>
           </a:p>
@@ -1516,7 +1100,7 @@
           <a:p>
             <a:fld id="{298767BF-8302-47B2-9BB9-DDE0834E9382}" type="datetimeFigureOut">
               <a:rPr lang="en-US" smtClean="0"/>
-              <a:t>4/29/2025</a:t>
+              <a:t>5/5/2025</a:t>
             </a:fld>
             <a:endParaRPr lang="en-US"/>
           </a:p>
@@ -1724,7 +1308,7 @@
           <a:p>
             <a:fld id="{298767BF-8302-47B2-9BB9-DDE0834E9382}" type="datetimeFigureOut">
               <a:rPr lang="en-US" smtClean="0"/>
-              <a:t>4/29/2025</a:t>
+              <a:t>5/5/2025</a:t>
             </a:fld>
             <a:endParaRPr lang="en-US"/>
           </a:p>
@@ -1922,7 +1506,7 @@
           <a:p>
             <a:fld id="{298767BF-8302-47B2-9BB9-DDE0834E9382}" type="datetimeFigureOut">
               <a:rPr lang="en-US" smtClean="0"/>
-              <a:t>4/29/2025</a:t>
+              <a:t>5/5/2025</a:t>
             </a:fld>
             <a:endParaRPr lang="en-US"/>
           </a:p>
@@ -2197,7 +1781,7 @@
           <a:p>
             <a:fld id="{298767BF-8302-47B2-9BB9-DDE0834E9382}" type="datetimeFigureOut">
               <a:rPr lang="en-US" smtClean="0"/>
-              <a:t>4/29/2025</a:t>
+              <a:t>5/5/2025</a:t>
             </a:fld>
             <a:endParaRPr lang="en-US"/>
           </a:p>
@@ -2462,7 +2046,7 @@
           <a:p>
             <a:fld id="{298767BF-8302-47B2-9BB9-DDE0834E9382}" type="datetimeFigureOut">
               <a:rPr lang="en-US" smtClean="0"/>
-              <a:t>4/29/2025</a:t>
+              <a:t>5/5/2025</a:t>
             </a:fld>
             <a:endParaRPr lang="en-US"/>
           </a:p>
@@ -2874,7 +2458,7 @@
           <a:p>
             <a:fld id="{298767BF-8302-47B2-9BB9-DDE0834E9382}" type="datetimeFigureOut">
               <a:rPr lang="en-US" smtClean="0"/>
-              <a:t>4/29/2025</a:t>
+              <a:t>5/5/2025</a:t>
             </a:fld>
             <a:endParaRPr lang="en-US"/>
           </a:p>
@@ -3015,7 +2599,7 @@
           <a:p>
             <a:fld id="{298767BF-8302-47B2-9BB9-DDE0834E9382}" type="datetimeFigureOut">
               <a:rPr lang="en-US" smtClean="0"/>
-              <a:t>4/29/2025</a:t>
+              <a:t>5/5/2025</a:t>
             </a:fld>
             <a:endParaRPr lang="en-US"/>
           </a:p>
@@ -3128,7 +2712,7 @@
           <a:p>
             <a:fld id="{298767BF-8302-47B2-9BB9-DDE0834E9382}" type="datetimeFigureOut">
               <a:rPr lang="en-US" smtClean="0"/>
-              <a:t>4/29/2025</a:t>
+              <a:t>5/5/2025</a:t>
             </a:fld>
             <a:endParaRPr lang="en-US"/>
           </a:p>
@@ -3439,7 +3023,7 @@
           <a:p>
             <a:fld id="{298767BF-8302-47B2-9BB9-DDE0834E9382}" type="datetimeFigureOut">
               <a:rPr lang="en-US" smtClean="0"/>
-              <a:t>4/29/2025</a:t>
+              <a:t>5/5/2025</a:t>
             </a:fld>
             <a:endParaRPr lang="en-US"/>
           </a:p>
@@ -3727,7 +3311,7 @@
           <a:p>
             <a:fld id="{298767BF-8302-47B2-9BB9-DDE0834E9382}" type="datetimeFigureOut">
               <a:rPr lang="en-US" smtClean="0"/>
-              <a:t>4/29/2025</a:t>
+              <a:t>5/5/2025</a:t>
             </a:fld>
             <a:endParaRPr lang="en-US"/>
           </a:p>
@@ -3968,7 +3552,7 @@
           <a:p>
             <a:fld id="{298767BF-8302-47B2-9BB9-DDE0834E9382}" type="datetimeFigureOut">
               <a:rPr lang="en-US" smtClean="0"/>
-              <a:t>4/29/2025</a:t>
+              <a:t>5/5/2025</a:t>
             </a:fld>
             <a:endParaRPr lang="en-US"/>
           </a:p>
@@ -5086,9 +4670,10 @@
           <a:p>
             <a:pPr algn="ctr"/>
             <a:r>
-              <a:rPr lang="en-US" dirty="0"/>
-              <a:t>5V</a:t>
-            </a:r>
+              <a:rPr lang="en-US" dirty="0" err="1"/>
+              <a:t>Vcc</a:t>
+            </a:r>
+            <a:endParaRPr lang="en-US" dirty="0"/>
           </a:p>
         </p:txBody>
       </p:sp>
@@ -7239,13 +6824,14 @@
           </p:cNvPr>
           <p:cNvCxnSpPr>
             <a:cxnSpLocks/>
+            <a:endCxn id="4" idx="1"/>
           </p:cNvCxnSpPr>
           <p:nvPr/>
         </p:nvCxnSpPr>
         <p:spPr>
           <a:xfrm>
             <a:off x="3207850" y="3165681"/>
-            <a:ext cx="328103" cy="0"/>
+            <a:ext cx="1421775" cy="14579"/>
           </a:xfrm>
           <a:prstGeom prst="line">
             <a:avLst/>
@@ -7271,77 +6857,28 @@
           </a:fontRef>
         </p:style>
       </p:cxnSp>
-      <p:cxnSp>
-        <p:nvCxnSpPr>
-          <p:cNvPr id="136" name="Straight Connector 135">
-            <a:extLst>
-              <a:ext uri="{FF2B5EF4-FFF2-40B4-BE49-F238E27FC236}">
-                <a16:creationId xmlns:a16="http://schemas.microsoft.com/office/drawing/2014/main" id="{17428F16-4259-5513-BC9D-3FA6D0D7F4A9}"/>
-              </a:ext>
-            </a:extLst>
-          </p:cNvPr>
-          <p:cNvCxnSpPr>
-            <a:cxnSpLocks/>
-          </p:cNvCxnSpPr>
+      <p:sp>
+        <p:nvSpPr>
+          <p:cNvPr id="4" name="Rectangle 3">
+            <a:extLst>
+              <a:ext uri="{FF2B5EF4-FFF2-40B4-BE49-F238E27FC236}">
+                <a16:creationId xmlns:a16="http://schemas.microsoft.com/office/drawing/2014/main" id="{F4C2E92F-B3A9-2DAE-26B5-A68015320177}"/>
+              </a:ext>
+            </a:extLst>
+          </p:cNvPr>
+          <p:cNvSpPr/>
           <p:nvPr/>
-        </p:nvCxnSpPr>
-        <p:spPr>
-          <a:xfrm>
-            <a:off x="3521517" y="2915424"/>
-            <a:ext cx="0" cy="258316"/>
-          </a:xfrm>
-          <a:prstGeom prst="line">
+        </p:nvSpPr>
+        <p:spPr>
+          <a:xfrm>
+            <a:off x="4629625" y="3006229"/>
+            <a:ext cx="672718" cy="348062"/>
+          </a:xfrm>
+          <a:prstGeom prst="rect">
             <a:avLst/>
           </a:prstGeom>
-          <a:ln w="28575">
-            <a:solidFill>
-              <a:schemeClr val="tx1"/>
-            </a:solidFill>
-          </a:ln>
-        </p:spPr>
-        <p:style>
-          <a:lnRef idx="2">
-            <a:schemeClr val="accent1"/>
-          </a:lnRef>
-          <a:fillRef idx="0">
-            <a:schemeClr val="accent1"/>
-          </a:fillRef>
-          <a:effectRef idx="1">
-            <a:schemeClr val="accent1"/>
-          </a:effectRef>
-          <a:fontRef idx="minor">
-            <a:schemeClr val="tx1"/>
-          </a:fontRef>
-        </p:style>
-      </p:cxnSp>
-      <p:sp>
-        <p:nvSpPr>
-          <p:cNvPr id="137" name="Isosceles Triangle 136">
-            <a:extLst>
-              <a:ext uri="{FF2B5EF4-FFF2-40B4-BE49-F238E27FC236}">
-                <a16:creationId xmlns:a16="http://schemas.microsoft.com/office/drawing/2014/main" id="{79D76F7A-0CB3-0923-3C15-FA85018F6BDB}"/>
-              </a:ext>
-            </a:extLst>
-          </p:cNvPr>
-          <p:cNvSpPr/>
-          <p:nvPr/>
-        </p:nvSpPr>
-        <p:spPr>
-          <a:xfrm>
-            <a:off x="3425956" y="2769343"/>
-            <a:ext cx="188591" cy="138023"/>
-          </a:xfrm>
-          <a:prstGeom prst="triangle">
-            <a:avLst/>
-          </a:prstGeom>
-          <a:solidFill>
-            <a:schemeClr val="tx1"/>
-          </a:solidFill>
-          <a:ln>
-            <a:solidFill>
-              <a:schemeClr val="tx1"/>
-            </a:solidFill>
-          </a:ln>
+          <a:noFill/>
+          <a:ln w="28575"/>
         </p:spPr>
         <p:style>
           <a:lnRef idx="2">
@@ -7364,63 +6901,9 @@
           <a:lstStyle/>
           <a:p>
             <a:pPr algn="ctr"/>
-            <a:endParaRPr lang="en-US"/>
-          </a:p>
-        </p:txBody>
-      </p:sp>
-      <p:sp>
-        <p:nvSpPr>
-          <p:cNvPr id="138" name="Rectangle 137">
-            <a:extLst>
-              <a:ext uri="{FF2B5EF4-FFF2-40B4-BE49-F238E27FC236}">
-                <a16:creationId xmlns:a16="http://schemas.microsoft.com/office/drawing/2014/main" id="{A99F67BC-FBC2-EF03-9777-50B68EB25E48}"/>
-              </a:ext>
-            </a:extLst>
-          </p:cNvPr>
-          <p:cNvSpPr/>
-          <p:nvPr/>
-        </p:nvSpPr>
-        <p:spPr>
-          <a:xfrm>
-            <a:off x="3141832" y="2490292"/>
-            <a:ext cx="672718" cy="348062"/>
-          </a:xfrm>
-          <a:prstGeom prst="rect">
-            <a:avLst/>
-          </a:prstGeom>
-          <a:noFill/>
-          <a:ln w="28575">
-            <a:noFill/>
-          </a:ln>
-        </p:spPr>
-        <p:style>
-          <a:lnRef idx="2">
-            <a:schemeClr val="accent1">
-              <a:shade val="15000"/>
-            </a:schemeClr>
-          </a:lnRef>
-          <a:fillRef idx="1">
-            <a:schemeClr val="accent1"/>
-          </a:fillRef>
-          <a:effectRef idx="0">
-            <a:schemeClr val="accent1"/>
-          </a:effectRef>
-          <a:fontRef idx="minor">
-            <a:schemeClr val="lt1"/>
-          </a:fontRef>
-        </p:style>
-        <p:txBody>
-          <a:bodyPr rtlCol="0" anchor="ctr"/>
-          <a:lstStyle/>
-          <a:p>
-            <a:pPr algn="ctr"/>
-            <a:r>
-              <a:rPr lang="en-US" dirty="0">
-                <a:solidFill>
-                  <a:schemeClr val="tx1"/>
-                </a:solidFill>
-              </a:rPr>
-              <a:t>+5V</a:t>
+            <a:r>
+              <a:rPr lang="en-US" dirty="0"/>
+              <a:t>3.3V</a:t>
             </a:r>
           </a:p>
         </p:txBody>
